--- a/BSPSConferencePaperEntropyWendy-Olsen.pptx
+++ b/BSPSConferencePaperEntropyWendy-Olsen.pptx
@@ -5,7 +5,7 @@
     <p:sldMasterId id="2147483672" r:id="rId1"/>
   </p:sldMasterIdLst>
   <p:notesMasterIdLst>
-    <p:notesMasterId r:id="rId23"/>
+    <p:notesMasterId r:id="rId24"/>
   </p:notesMasterIdLst>
   <p:sldIdLst>
     <p:sldId id="267" r:id="rId2"/>
@@ -24,11 +24,12 @@
     <p:sldId id="259" r:id="rId15"/>
     <p:sldId id="300" r:id="rId16"/>
     <p:sldId id="298" r:id="rId17"/>
-    <p:sldId id="263" r:id="rId18"/>
-    <p:sldId id="297" r:id="rId19"/>
-    <p:sldId id="281" r:id="rId20"/>
-    <p:sldId id="296" r:id="rId21"/>
-    <p:sldId id="287" r:id="rId22"/>
+    <p:sldId id="301" r:id="rId18"/>
+    <p:sldId id="263" r:id="rId19"/>
+    <p:sldId id="297" r:id="rId20"/>
+    <p:sldId id="281" r:id="rId21"/>
+    <p:sldId id="296" r:id="rId22"/>
+    <p:sldId id="287" r:id="rId23"/>
   </p:sldIdLst>
   <p:sldSz cx="12192000" cy="6858000"/>
   <p:notesSz cx="6858000" cy="9144000"/>
@@ -3099,7 +3100,7 @@
           <a:p>
             <a:fld id="{15330D5F-7EA6-4C35-86C9-E37A561BC37E}" type="datetimeFigureOut">
               <a:rPr lang="en-GB" smtClean="0"/>
-              <a:t>07/09/2024</a:t>
+              <a:t>08/09/2024</a:t>
             </a:fld>
             <a:endParaRPr lang="en-GB"/>
           </a:p>
@@ -3367,6 +3368,90 @@
 </p:notesMaster>
 </file>
 
+<file path=ppt/notesSlides/notesSlide1.xml><?xml version="1.0" encoding="utf-8"?>
+<p:notes xmlns:a="http://schemas.openxmlformats.org/drawingml/2006/main" xmlns:r="http://schemas.openxmlformats.org/officeDocument/2006/relationships" xmlns:p="http://schemas.openxmlformats.org/presentationml/2006/main">
+  <p:cSld>
+    <p:spTree>
+      <p:nvGrpSpPr>
+        <p:cNvPr id="1" name=""/>
+        <p:cNvGrpSpPr/>
+        <p:nvPr/>
+      </p:nvGrpSpPr>
+      <p:grpSpPr>
+        <a:xfrm>
+          <a:off x="0" y="0"/>
+          <a:ext cx="0" cy="0"/>
+          <a:chOff x="0" y="0"/>
+          <a:chExt cx="0" cy="0"/>
+        </a:xfrm>
+      </p:grpSpPr>
+      <p:sp>
+        <p:nvSpPr>
+          <p:cNvPr id="2" name="Slide Image Placeholder 1"/>
+          <p:cNvSpPr>
+            <a:spLocks noGrp="1" noRot="1" noChangeAspect="1"/>
+          </p:cNvSpPr>
+          <p:nvPr>
+            <p:ph type="sldImg"/>
+          </p:nvPr>
+        </p:nvSpPr>
+        <p:spPr/>
+      </p:sp>
+      <p:sp>
+        <p:nvSpPr>
+          <p:cNvPr id="3" name="Notes Placeholder 2"/>
+          <p:cNvSpPr>
+            <a:spLocks noGrp="1"/>
+          </p:cNvSpPr>
+          <p:nvPr>
+            <p:ph type="body" idx="1"/>
+          </p:nvPr>
+        </p:nvSpPr>
+        <p:spPr/>
+        <p:txBody>
+          <a:bodyPr/>
+          <a:lstStyle/>
+          <a:p>
+            <a:endParaRPr lang="en-GB" dirty="0"/>
+          </a:p>
+        </p:txBody>
+      </p:sp>
+      <p:sp>
+        <p:nvSpPr>
+          <p:cNvPr id="4" name="Slide Number Placeholder 3"/>
+          <p:cNvSpPr>
+            <a:spLocks noGrp="1"/>
+          </p:cNvSpPr>
+          <p:nvPr>
+            <p:ph type="sldNum" sz="quarter" idx="5"/>
+          </p:nvPr>
+        </p:nvSpPr>
+        <p:spPr/>
+        <p:txBody>
+          <a:bodyPr/>
+          <a:lstStyle/>
+          <a:p>
+            <a:fld id="{A9EC7AC6-5804-4B45-9998-DB01F38495F7}" type="slidenum">
+              <a:rPr lang="en-GB" smtClean="0"/>
+              <a:t>15</a:t>
+            </a:fld>
+            <a:endParaRPr lang="en-GB"/>
+          </a:p>
+        </p:txBody>
+      </p:sp>
+    </p:spTree>
+    <p:extLst>
+      <p:ext uri="{BB962C8B-B14F-4D97-AF65-F5344CB8AC3E}">
+        <p14:creationId xmlns:p14="http://schemas.microsoft.com/office/powerpoint/2010/main" val="3161837091"/>
+      </p:ext>
+    </p:extLst>
+  </p:cSld>
+  <p:clrMapOvr>
+    <a:masterClrMapping/>
+  </p:clrMapOvr>
+</p:notes>
+</file>
+
 <file path=ppt/slideLayouts/slideLayout1.xml><?xml version="1.0" encoding="utf-8"?>
 <p:sldLayout xmlns:a="http://schemas.openxmlformats.org/drawingml/2006/main" xmlns:r="http://schemas.openxmlformats.org/officeDocument/2006/relationships" xmlns:p="http://schemas.openxmlformats.org/presentationml/2006/main" type="title" preserve="1">
   <p:cSld name="Title Slide">
@@ -3537,7 +3622,7 @@
           <a:p>
             <a:fld id="{9F7ED192-331C-4C47-BF29-1529E0F80408}" type="datetime1">
               <a:rPr lang="en-GB" smtClean="0"/>
-              <a:t>07/09/2024</a:t>
+              <a:t>08/09/2024</a:t>
             </a:fld>
             <a:endParaRPr lang="en-GB" dirty="0"/>
           </a:p>
@@ -3861,7 +3946,7 @@
           <a:p>
             <a:fld id="{062CD1F9-C77F-47D6-AEEA-2413DED1EE4A}" type="datetime1">
               <a:rPr lang="en-GB" smtClean="0"/>
-              <a:t>07/09/2024</a:t>
+              <a:t>08/09/2024</a:t>
             </a:fld>
             <a:endParaRPr lang="en-GB" dirty="0"/>
           </a:p>
@@ -4084,7 +4169,7 @@
           <a:p>
             <a:fld id="{062CD1F9-C77F-47D6-AEEA-2413DED1EE4A}" type="datetime1">
               <a:rPr lang="en-GB" smtClean="0"/>
-              <a:t>07/09/2024</a:t>
+              <a:t>08/09/2024</a:t>
             </a:fld>
             <a:endParaRPr lang="en-GB" dirty="0"/>
           </a:p>
@@ -4376,7 +4461,7 @@
           <a:p>
             <a:fld id="{062CD1F9-C77F-47D6-AEEA-2413DED1EE4A}" type="datetime1">
               <a:rPr lang="en-GB" smtClean="0"/>
-              <a:t>07/09/2024</a:t>
+              <a:t>08/09/2024</a:t>
             </a:fld>
             <a:endParaRPr lang="en-GB" dirty="0"/>
           </a:p>
@@ -4831,7 +4916,7 @@
           <a:p>
             <a:fld id="{062CD1F9-C77F-47D6-AEEA-2413DED1EE4A}" type="datetime1">
               <a:rPr lang="en-GB" smtClean="0"/>
-              <a:t>07/09/2024</a:t>
+              <a:t>08/09/2024</a:t>
             </a:fld>
             <a:endParaRPr lang="en-GB" dirty="0"/>
           </a:p>
@@ -5408,7 +5493,7 @@
           <a:p>
             <a:fld id="{062CD1F9-C77F-47D6-AEEA-2413DED1EE4A}" type="datetime1">
               <a:rPr lang="en-GB" smtClean="0"/>
-              <a:t>07/09/2024</a:t>
+              <a:t>08/09/2024</a:t>
             </a:fld>
             <a:endParaRPr lang="en-GB" dirty="0"/>
           </a:p>
@@ -6261,7 +6346,7 @@
           <a:p>
             <a:fld id="{062CD1F9-C77F-47D6-AEEA-2413DED1EE4A}" type="datetime1">
               <a:rPr lang="en-GB" smtClean="0"/>
-              <a:t>07/09/2024</a:t>
+              <a:t>08/09/2024</a:t>
             </a:fld>
             <a:endParaRPr lang="en-GB" dirty="0"/>
           </a:p>
@@ -6467,7 +6552,7 @@
           <a:p>
             <a:fld id="{062CD1F9-C77F-47D6-AEEA-2413DED1EE4A}" type="datetime1">
               <a:rPr lang="en-GB" smtClean="0"/>
-              <a:t>07/09/2024</a:t>
+              <a:t>08/09/2024</a:t>
             </a:fld>
             <a:endParaRPr lang="en-GB" dirty="0"/>
           </a:p>
@@ -6682,7 +6767,7 @@
           <a:p>
             <a:fld id="{062CD1F9-C77F-47D6-AEEA-2413DED1EE4A}" type="datetime1">
               <a:rPr lang="en-GB" smtClean="0"/>
-              <a:t>07/09/2024</a:t>
+              <a:t>08/09/2024</a:t>
             </a:fld>
             <a:endParaRPr lang="en-GB" dirty="0"/>
           </a:p>
@@ -6857,7 +6942,7 @@
           <a:p>
             <a:fld id="{2374F0B0-8347-463A-A04E-4BFB735F3AC8}" type="datetime1">
               <a:rPr lang="en-GB" smtClean="0"/>
-              <a:t>07/09/2024</a:t>
+              <a:t>08/09/2024</a:t>
             </a:fld>
             <a:endParaRPr lang="en-GB" dirty="0"/>
           </a:p>
@@ -7295,7 +7380,7 @@
           <a:p>
             <a:fld id="{BD0F21CD-07F5-499F-A857-709E8A617205}" type="datetime1">
               <a:rPr lang="en-GB" smtClean="0"/>
-              <a:t>07/09/2024</a:t>
+              <a:t>08/09/2024</a:t>
             </a:fld>
             <a:endParaRPr lang="en-GB" dirty="0"/>
           </a:p>
@@ -7512,7 +7597,7 @@
           <a:p>
             <a:fld id="{062CD1F9-C77F-47D6-AEEA-2413DED1EE4A}" type="datetime1">
               <a:rPr lang="en-GB" smtClean="0"/>
-              <a:t>07/09/2024</a:t>
+              <a:t>08/09/2024</a:t>
             </a:fld>
             <a:endParaRPr lang="en-GB" dirty="0"/>
           </a:p>
@@ -7793,7 +7878,7 @@
           <a:p>
             <a:fld id="{83CBFFCB-182F-4ED6-9068-E27291D14389}" type="datetime1">
               <a:rPr lang="en-GB" smtClean="0"/>
-              <a:t>07/09/2024</a:t>
+              <a:t>08/09/2024</a:t>
             </a:fld>
             <a:endParaRPr lang="en-GB" dirty="0"/>
           </a:p>
@@ -8072,7 +8157,7 @@
           <a:p>
             <a:fld id="{062CD1F9-C77F-47D6-AEEA-2413DED1EE4A}" type="datetime1">
               <a:rPr lang="en-GB" smtClean="0"/>
-              <a:t>07/09/2024</a:t>
+              <a:t>08/09/2024</a:t>
             </a:fld>
             <a:endParaRPr lang="en-GB" dirty="0"/>
           </a:p>
@@ -8488,7 +8573,7 @@
           <a:p>
             <a:fld id="{062CD1F9-C77F-47D6-AEEA-2413DED1EE4A}" type="datetime1">
               <a:rPr lang="en-GB" smtClean="0"/>
-              <a:t>07/09/2024</a:t>
+              <a:t>08/09/2024</a:t>
             </a:fld>
             <a:endParaRPr lang="en-GB" dirty="0"/>
           </a:p>
@@ -8637,7 +8722,7 @@
           <a:p>
             <a:fld id="{16C5BC16-0595-46DD-B7C5-C61849D3BB99}" type="datetime1">
               <a:rPr lang="en-GB" smtClean="0"/>
-              <a:t>07/09/2024</a:t>
+              <a:t>08/09/2024</a:t>
             </a:fld>
             <a:endParaRPr lang="en-GB" dirty="0"/>
           </a:p>
@@ -8774,7 +8859,7 @@
           <a:p>
             <a:fld id="{2556CEC8-B054-4061-9CF9-17D672C6B43C}" type="datetime1">
               <a:rPr lang="en-GB" smtClean="0"/>
-              <a:t>07/09/2024</a:t>
+              <a:t>08/09/2024</a:t>
             </a:fld>
             <a:endParaRPr lang="en-GB" dirty="0"/>
           </a:p>
@@ -9065,7 +9150,7 @@
           <a:p>
             <a:fld id="{062CD1F9-C77F-47D6-AEEA-2413DED1EE4A}" type="datetime1">
               <a:rPr lang="en-GB" smtClean="0"/>
-              <a:t>07/09/2024</a:t>
+              <a:t>08/09/2024</a:t>
             </a:fld>
             <a:endParaRPr lang="en-GB" dirty="0"/>
           </a:p>
@@ -9378,7 +9463,7 @@
           <a:p>
             <a:fld id="{1811D607-F0EE-4119-B5BF-07A7290EAD3B}" type="datetime1">
               <a:rPr lang="en-GB" smtClean="0"/>
-              <a:t>07/09/2024</a:t>
+              <a:t>08/09/2024</a:t>
             </a:fld>
             <a:endParaRPr lang="en-GB" dirty="0"/>
           </a:p>
@@ -9643,7 +9728,7 @@
           <a:p>
             <a:fld id="{062CD1F9-C77F-47D6-AEEA-2413DED1EE4A}" type="datetime1">
               <a:rPr lang="en-GB" smtClean="0"/>
-              <a:t>07/09/2024</a:t>
+              <a:t>08/09/2024</a:t>
             </a:fld>
             <a:endParaRPr lang="en-GB" dirty="0"/>
           </a:p>
@@ -10943,7 +11028,7 @@
           <a:p>
             <a:r>
               <a:rPr lang="en-GB" dirty="0"/>
-              <a:t>Sample widely distributed in 19 states</a:t>
+              <a:t>Sample is widely distributed; covers 19 states</a:t>
             </a:r>
           </a:p>
         </p:txBody>
@@ -10979,19 +11064,17 @@
       </p:sp>
       <p:pic>
         <p:nvPicPr>
-          <p:cNvPr id="10" name="Content Placeholder 9" descr="A graph of a group of people&#10;&#10;Description automatically generated with medium confidence">
+          <p:cNvPr id="8" name="Picture 7" descr="A graph of a graph showing the amount of sizes of the percent of adult cases">
             <a:extLst>
               <a:ext uri="{FF2B5EF4-FFF2-40B4-BE49-F238E27FC236}">
-                <a16:creationId xmlns:a16="http://schemas.microsoft.com/office/drawing/2014/main" id="{6CAE1806-4314-0ADF-BF00-8F02EEF5D387}"/>
+                <a16:creationId xmlns:a16="http://schemas.microsoft.com/office/drawing/2014/main" id="{147A4921-AC59-F494-7D4D-E3DDC4F4D9AB}"/>
               </a:ext>
             </a:extLst>
           </p:cNvPr>
           <p:cNvPicPr>
-            <a:picLocks noGrp="1" noChangeAspect="1"/>
+            <a:picLocks noChangeAspect="1"/>
           </p:cNvPicPr>
-          <p:nvPr>
-            <p:ph idx="1"/>
-          </p:nvPr>
+          <p:nvPr/>
         </p:nvPicPr>
         <p:blipFill>
           <a:blip r:embed="rId2">
@@ -11007,9 +11090,12 @@
         </p:blipFill>
         <p:spPr>
           <a:xfrm>
-            <a:off x="3056731" y="1576251"/>
-            <a:ext cx="6981371" cy="4188823"/>
+            <a:off x="115518" y="1483698"/>
+            <a:ext cx="8525974" cy="5121774"/>
           </a:xfrm>
+          <a:prstGeom prst="rect">
+            <a:avLst/>
+          </a:prstGeom>
         </p:spPr>
       </p:pic>
     </p:spTree>
@@ -11083,8 +11169,8 @@
           </a:p>
         </p:txBody>
       </p:sp>
-      <mc:AlternateContent xmlns:mc="http://schemas.openxmlformats.org/markup-compatibility/2006" xmlns:a14="http://schemas.microsoft.com/office/drawing/2010/main">
-        <mc:Choice Requires="a14">
+      <mc:AlternateContent xmlns:mc="http://schemas.openxmlformats.org/markup-compatibility/2006">
+        <mc:Choice xmlns:a14="http://schemas.microsoft.com/office/drawing/2010/main" Requires="a14">
           <p:sp>
             <p:nvSpPr>
               <p:cNvPr id="3" name="Content Placeholder 2"/>
@@ -11103,7 +11189,7 @@
             </p:spPr>
             <p:txBody>
               <a:bodyPr>
-                <a:normAutofit fontScale="92500" lnSpcReduction="10000"/>
+                <a:normAutofit lnSpcReduction="10000"/>
               </a:bodyPr>
               <a:lstStyle/>
               <a:p>
@@ -11125,50 +11211,50 @@
                   <a:buNone/>
                 </a:pPr>
                 <a:r>
-                  <a:rPr lang="en-GB" dirty="0"/>
-                  <a:t>RSE = </a:t>
+                  <a:rPr lang="en-GB" sz="3000" b="1" dirty="0"/>
+                  <a:t>			RSE = </a:t>
                 </a:r>
                 <a14:m>
                   <m:oMath xmlns:m="http://schemas.openxmlformats.org/officeDocument/2006/math">
                     <m:f>
                       <m:fPr>
                         <m:ctrlPr>
-                          <a:rPr lang="en-GB" i="1">
+                          <a:rPr lang="en-GB" sz="3000" b="1" i="1">
                             <a:latin typeface="Cambria Math" panose="02040503050406030204" pitchFamily="18" charset="0"/>
                           </a:rPr>
                         </m:ctrlPr>
                       </m:fPr>
                       <m:num>
                         <m:r>
-                          <a:rPr lang="en-GB" i="1">
+                          <a:rPr lang="en-GB" sz="3000" b="1" i="1">
                             <a:latin typeface="Cambria Math" panose="02040503050406030204" pitchFamily="18" charset="0"/>
                           </a:rPr>
-                          <m:t>𝐻</m:t>
+                          <m:t>𝑯</m:t>
                         </m:r>
                       </m:num>
                       <m:den>
                         <m:sSub>
                           <m:sSubPr>
                             <m:ctrlPr>
-                              <a:rPr lang="en-GB" i="1">
+                              <a:rPr lang="en-GB" sz="3000" b="1" i="1">
                                 <a:latin typeface="Cambria Math" panose="02040503050406030204" pitchFamily="18" charset="0"/>
                               </a:rPr>
                             </m:ctrlPr>
                           </m:sSubPr>
                           <m:e>
                             <m:r>
-                              <a:rPr lang="en-GB" i="1">
+                              <a:rPr lang="en-GB" sz="3000" b="1" i="1">
                                 <a:latin typeface="Cambria Math" panose="02040503050406030204" pitchFamily="18" charset="0"/>
                               </a:rPr>
-                              <m:t>𝐻</m:t>
+                              <m:t>𝑯</m:t>
                             </m:r>
                           </m:e>
                           <m:sub>
                             <m:r>
-                              <a:rPr lang="en-GB" i="1">
+                              <a:rPr lang="en-GB" sz="3000" b="1" i="1">
                                 <a:latin typeface="Cambria Math" panose="02040503050406030204" pitchFamily="18" charset="0"/>
                               </a:rPr>
-                              <m:t>𝑚𝑎𝑥</m:t>
+                              <m:t>𝒎𝒂𝒙</m:t>
                             </m:r>
                           </m:sub>
                         </m:sSub>
@@ -11177,8 +11263,8 @@
                   </m:oMath>
                 </a14:m>
                 <a:r>
-                  <a:rPr lang="en-GB" dirty="0"/>
-                  <a:t>    				Eq. 5</a:t>
+                  <a:rPr lang="en-GB" sz="3000" b="1" dirty="0"/>
+                  <a:t>    		Eq. 5</a:t>
                 </a:r>
               </a:p>
               <a:p>
@@ -11191,28 +11277,25 @@
               <a:p>
                 <a:pPr lvl="1"/>
                 <a:r>
-                  <a:rPr lang="en-GB" dirty="0"/>
+                  <a:rPr lang="en-GB" sz="3300" b="1" dirty="0"/>
                   <a:t>AIC = -2</a:t>
                 </a:r>
                 <a14:m>
                   <m:oMath xmlns:m="http://schemas.openxmlformats.org/officeDocument/2006/math">
                     <m:r>
-                      <m:rPr>
-                        <m:sty m:val="p"/>
-                      </m:rPr>
-                      <a:rPr lang="en-GB">
+                      <a:rPr lang="en-GB" sz="3300" b="1" i="1">
                         <a:latin typeface="Cambria Math" panose="02040503050406030204" pitchFamily="18" charset="0"/>
                       </a:rPr>
-                      <m:t>log</m:t>
+                      <m:t>𝐥𝐨𝐠</m:t>
                     </m:r>
                     <m:r>
-                      <a:rPr lang="en-GB">
+                      <a:rPr lang="en-GB" sz="3300" b="1">
                         <a:latin typeface="Cambria Math" panose="02040503050406030204" pitchFamily="18" charset="0"/>
                       </a:rPr>
                       <m:t>⁡</m:t>
                     </m:r>
                     <m:r>
-                      <a:rPr lang="en-GB" i="1">
+                      <a:rPr lang="en-GB" sz="3300" b="1" i="1">
                         <a:latin typeface="Cambria Math" panose="02040503050406030204" pitchFamily="18" charset="0"/>
                       </a:rPr>
                       <m:t>(</m:t>
@@ -11221,33 +11304,36 @@
                       <m:accPr>
                         <m:chr m:val="̂"/>
                         <m:ctrlPr>
-                          <a:rPr lang="en-GB" i="1">
+                          <a:rPr lang="en-GB" sz="3300" b="1" i="1">
                             <a:latin typeface="Cambria Math" panose="02040503050406030204" pitchFamily="18" charset="0"/>
                           </a:rPr>
                         </m:ctrlPr>
                       </m:accPr>
                       <m:e>
                         <m:r>
-                          <a:rPr lang="en-GB" i="1">
+                          <a:rPr lang="en-GB" sz="3300" b="1" i="1">
                             <a:latin typeface="Cambria Math" panose="02040503050406030204" pitchFamily="18" charset="0"/>
                           </a:rPr>
-                          <m:t>𝐿</m:t>
+                          <m:t>𝑳</m:t>
                         </m:r>
                       </m:e>
                     </m:acc>
                   </m:oMath>
                 </a14:m>
                 <a:r>
-                  <a:rPr lang="en-GB" dirty="0"/>
-                  <a:t>) + 2k   							Eq. 6</a:t>
+                  <a:rPr lang="en-GB" sz="3300" b="1" dirty="0"/>
+                  <a:t>) + 2k </a:t>
+                </a:r>
+                <a:r>
+                  <a:rPr lang="en-GB" b="1" dirty="0"/>
+                  <a:t>			Eq. 6</a:t>
                 </a:r>
               </a:p>
               <a:p>
-                <a:pPr lvl="1"/>
-                <a:r>
-                  <a:rPr lang="en-GB" sz="3200" i="1" u="sng" dirty="0"/>
-                  <a:t>The regression results also differed.</a:t>
-                </a:r>
+                <a:pPr marL="457200" lvl="1" indent="0">
+                  <a:buNone/>
+                </a:pPr>
+                <a:endParaRPr lang="en-GB" sz="3200" i="1" u="sng" dirty="0"/>
               </a:p>
               <a:p>
                 <a:pPr marL="914400" lvl="2" indent="0">
@@ -11258,7 +11344,7 @@
             </p:txBody>
           </p:sp>
         </mc:Choice>
-        <mc:Fallback xmlns="">
+        <mc:Fallback>
           <p:sp>
             <p:nvSpPr>
               <p:cNvPr id="3" name="Content Placeholder 2"/>
@@ -11277,7 +11363,7 @@
               <a:blipFill>
                 <a:blip r:embed="rId2"/>
                 <a:stretch>
-                  <a:fillRect l="-824" t="-785"/>
+                  <a:fillRect l="-941" t="-942" b="-2669"/>
                 </a:stretch>
               </a:blipFill>
             </p:spPr>
@@ -11371,14 +11457,19 @@
             <p:ph type="title"/>
           </p:nvPr>
         </p:nvSpPr>
-        <p:spPr/>
+        <p:spPr>
+          <a:xfrm>
+            <a:off x="584886" y="90615"/>
+            <a:ext cx="10972800" cy="971571"/>
+          </a:xfrm>
+        </p:spPr>
         <p:txBody>
           <a:bodyPr/>
           <a:lstStyle/>
           <a:p>
             <a:r>
               <a:rPr lang="en-GB" dirty="0"/>
-              <a:t>The results  ( entropy and regression tests ) </a:t>
+              <a:t>The results  ( entropy tests ) </a:t>
             </a:r>
           </a:p>
         </p:txBody>
@@ -11399,14 +11490,528 @@
             <p:ph idx="1"/>
             <p:extLst>
               <p:ext uri="{D42A27DB-BD31-4B8C-83A1-F6EECF244321}">
-                <p14:modId xmlns:p14="http://schemas.microsoft.com/office/powerpoint/2010/main" val="3204676152"/>
+                <p14:modId xmlns:p14="http://schemas.microsoft.com/office/powerpoint/2010/main" val="2419005726"/>
+              </p:ext>
+            </p:extLst>
+          </p:nvPr>
+        </p:nvGraphicFramePr>
+        <p:xfrm>
+          <a:off x="114242" y="815546"/>
+          <a:ext cx="11937717" cy="6004560"/>
+        </p:xfrm>
+        <a:graphic>
+          <a:graphicData uri="http://schemas.openxmlformats.org/drawingml/2006/table">
+            <a:tbl>
+              <a:tblPr firstRow="1" bandRow="1">
+                <a:tableStyleId>{5C22544A-7EE6-4342-B048-85BDC9FD1C3A}</a:tableStyleId>
+              </a:tblPr>
+              <a:tblGrid>
+                <a:gridCol w="2271731">
+                  <a:extLst>
+                    <a:ext uri="{9D8B030D-6E8A-4147-A177-3AD203B41FA5}">
+                      <a16:colId xmlns:a16="http://schemas.microsoft.com/office/drawing/2014/main" val="571861084"/>
+                    </a:ext>
+                  </a:extLst>
+                </a:gridCol>
+                <a:gridCol w="2271731">
+                  <a:extLst>
+                    <a:ext uri="{9D8B030D-6E8A-4147-A177-3AD203B41FA5}">
+                      <a16:colId xmlns:a16="http://schemas.microsoft.com/office/drawing/2014/main" val="1573736847"/>
+                    </a:ext>
+                  </a:extLst>
+                </a:gridCol>
+                <a:gridCol w="2726189">
+                  <a:extLst>
+                    <a:ext uri="{9D8B030D-6E8A-4147-A177-3AD203B41FA5}">
+                      <a16:colId xmlns:a16="http://schemas.microsoft.com/office/drawing/2014/main" val="2802144115"/>
+                    </a:ext>
+                  </a:extLst>
+                </a:gridCol>
+                <a:gridCol w="2230198">
+                  <a:extLst>
+                    <a:ext uri="{9D8B030D-6E8A-4147-A177-3AD203B41FA5}">
+                      <a16:colId xmlns:a16="http://schemas.microsoft.com/office/drawing/2014/main" val="3935994888"/>
+                    </a:ext>
+                  </a:extLst>
+                </a:gridCol>
+                <a:gridCol w="2437868">
+                  <a:extLst>
+                    <a:ext uri="{9D8B030D-6E8A-4147-A177-3AD203B41FA5}">
+                      <a16:colId xmlns:a16="http://schemas.microsoft.com/office/drawing/2014/main" val="323262370"/>
+                    </a:ext>
+                  </a:extLst>
+                </a:gridCol>
+              </a:tblGrid>
+              <a:tr h="184528">
+                <a:tc>
+                  <a:txBody>
+                    <a:bodyPr/>
+                    <a:lstStyle/>
+                    <a:p>
+                      <a:r>
+                        <a:rPr lang="en-GB" dirty="0"/>
+                        <a:t>Methods Used</a:t>
+                      </a:r>
+                    </a:p>
+                  </a:txBody>
+                  <a:tcPr/>
+                </a:tc>
+                <a:tc>
+                  <a:txBody>
+                    <a:bodyPr/>
+                    <a:lstStyle/>
+                    <a:p>
+                      <a:r>
+                        <a:rPr lang="en-GB" dirty="0"/>
+                        <a:t>Sample: </a:t>
+                      </a:r>
+                    </a:p>
+                  </a:txBody>
+                  <a:tcPr/>
+                </a:tc>
+                <a:tc>
+                  <a:txBody>
+                    <a:bodyPr/>
+                    <a:lstStyle/>
+                    <a:p>
+                      <a:r>
+                        <a:rPr lang="en-GB" dirty="0"/>
+                        <a:t>Overall Test: </a:t>
+                      </a:r>
+                    </a:p>
+                  </a:txBody>
+                  <a:tcPr/>
+                </a:tc>
+                <a:tc>
+                  <a:txBody>
+                    <a:bodyPr/>
+                    <a:lstStyle/>
+                    <a:p>
+                      <a:r>
+                        <a:rPr lang="en-GB" sz="1800" dirty="0"/>
+                        <a:t>If One Vector: </a:t>
+                      </a:r>
+                      <a:endParaRPr lang="en-GB" dirty="0"/>
+                    </a:p>
+                  </a:txBody>
+                  <a:tcPr/>
+                </a:tc>
+                <a:tc>
+                  <a:txBody>
+                    <a:bodyPr/>
+                    <a:lstStyle/>
+                    <a:p>
+                      <a:r>
+                        <a:rPr lang="en-GB" dirty="0"/>
+                        <a:t>If Multiple Vectors:</a:t>
+                      </a:r>
+                    </a:p>
+                  </a:txBody>
+                  <a:tcPr/>
+                </a:tc>
+                <a:extLst>
+                  <a:ext uri="{0D108BD9-81ED-4DB2-BD59-A6C34878D82A}">
+                    <a16:rowId xmlns:a16="http://schemas.microsoft.com/office/drawing/2014/main" val="1735355691"/>
+                  </a:ext>
+                </a:extLst>
+              </a:tr>
+              <a:tr h="370840">
+                <a:tc>
+                  <a:txBody>
+                    <a:bodyPr/>
+                    <a:lstStyle/>
+                    <a:p>
+                      <a:pPr marL="0" marR="0" lvl="0" indent="0" algn="l" defTabSz="914400" rtl="0" eaLnBrk="1" fontAlgn="auto" latinLnBrk="0" hangingPunct="1">
+                        <a:lnSpc>
+                          <a:spcPct val="100000"/>
+                        </a:lnSpc>
+                        <a:spcBef>
+                          <a:spcPts val="0"/>
+                        </a:spcBef>
+                        <a:spcAft>
+                          <a:spcPts val="0"/>
+                        </a:spcAft>
+                        <a:buClrTx/>
+                        <a:buSzTx/>
+                        <a:buFontTx/>
+                        <a:buNone/>
+                        <a:tabLst/>
+                        <a:defRPr/>
+                      </a:pPr>
+                      <a:r>
+                        <a:rPr lang="en-GB" sz="2000" dirty="0"/>
+                        <a:t>First entropy measures.</a:t>
+                      </a:r>
+                    </a:p>
+                  </a:txBody>
+                  <a:tcPr/>
+                </a:tc>
+                <a:tc>
+                  <a:txBody>
+                    <a:bodyPr/>
+                    <a:lstStyle/>
+                    <a:p>
+                      <a:r>
+                        <a:rPr lang="en-GB" sz="2800" dirty="0"/>
+                        <a:t>N=5,318</a:t>
+                      </a:r>
+                    </a:p>
+                    <a:p>
+                      <a:r>
+                        <a:rPr lang="en-GB" sz="2800" dirty="0"/>
+                        <a:t>Adults only</a:t>
+                      </a:r>
+                    </a:p>
+                    <a:p>
+                      <a:r>
+                        <a:rPr lang="en-GB" sz="2800" dirty="0"/>
+                        <a:t>19 states of India</a:t>
+                      </a:r>
+                    </a:p>
+                    <a:p>
+                      <a:endParaRPr lang="en-GB" sz="2800" dirty="0"/>
+                    </a:p>
+                  </a:txBody>
+                  <a:tcPr/>
+                </a:tc>
+                <a:tc>
+                  <a:txBody>
+                    <a:bodyPr/>
+                    <a:lstStyle/>
+                    <a:p>
+                      <a:r>
+                        <a:rPr lang="en-GB" sz="2800" dirty="0"/>
+                        <a:t>Relative entropy differed by </a:t>
+                      </a:r>
+                      <a:r>
+                        <a:rPr lang="en-GB" sz="2800" dirty="0">
+                          <a:highlight>
+                            <a:srgbClr val="FFFF00"/>
+                          </a:highlight>
+                        </a:rPr>
+                        <a:t>4-5% </a:t>
+                      </a:r>
+                      <a:r>
+                        <a:rPr lang="en-GB" sz="2800" dirty="0"/>
+                        <a:t>between the group of binaries for the distinct vs cumulative coding. </a:t>
+                      </a:r>
+                    </a:p>
+                    <a:p>
+                      <a:r>
+                        <a:rPr lang="en-GB" sz="2800" dirty="0">
+                          <a:highlight>
+                            <a:srgbClr val="FFFF00"/>
+                          </a:highlight>
+                        </a:rPr>
+                        <a:t>Distinct coding’s entropy was lower. </a:t>
+                      </a:r>
+                    </a:p>
+                    <a:p>
+                      <a:r>
+                        <a:rPr lang="en-GB" sz="2800" dirty="0">
+                          <a:highlight>
+                            <a:srgbClr val="FFFF00"/>
+                          </a:highlight>
+                        </a:rPr>
+                        <a:t>But in groups of variables, this result switched. </a:t>
+                      </a:r>
+                    </a:p>
+                  </a:txBody>
+                  <a:tcPr/>
+                </a:tc>
+                <a:tc>
+                  <a:txBody>
+                    <a:bodyPr/>
+                    <a:lstStyle/>
+                    <a:p>
+                      <a:pPr marL="0" marR="0" lvl="0" indent="0" algn="l" defTabSz="914400" rtl="0" eaLnBrk="1" fontAlgn="auto" latinLnBrk="0" hangingPunct="1">
+                        <a:lnSpc>
+                          <a:spcPct val="100000"/>
+                        </a:lnSpc>
+                        <a:spcBef>
+                          <a:spcPts val="0"/>
+                        </a:spcBef>
+                        <a:spcAft>
+                          <a:spcPts val="0"/>
+                        </a:spcAft>
+                        <a:buClrTx/>
+                        <a:buSzTx/>
+                        <a:buFontTx/>
+                        <a:buNone/>
+                        <a:tabLst/>
+                        <a:defRPr/>
+                      </a:pPr>
+                      <a:r>
+                        <a:rPr lang="en-GB" sz="2800" dirty="0"/>
+                        <a:t>Higher entropy implied less informative education data. </a:t>
+                      </a:r>
+                    </a:p>
+                    <a:p>
+                      <a:pPr marL="0" marR="0" lvl="0" indent="0" algn="l" defTabSz="914400" rtl="0" eaLnBrk="1" fontAlgn="auto" latinLnBrk="0" hangingPunct="1">
+                        <a:lnSpc>
+                          <a:spcPct val="100000"/>
+                        </a:lnSpc>
+                        <a:spcBef>
+                          <a:spcPts val="0"/>
+                        </a:spcBef>
+                        <a:spcAft>
+                          <a:spcPts val="0"/>
+                        </a:spcAft>
+                        <a:buClrTx/>
+                        <a:buSzTx/>
+                        <a:buFontTx/>
+                        <a:buNone/>
+                        <a:tabLst/>
+                        <a:defRPr/>
+                      </a:pPr>
+                      <a:endParaRPr lang="en-GB" sz="2800" dirty="0"/>
+                    </a:p>
+                    <a:p>
+                      <a:pPr marL="0" marR="0" lvl="0" indent="0" algn="l" defTabSz="914400" rtl="0" eaLnBrk="1" fontAlgn="auto" latinLnBrk="0" hangingPunct="1">
+                        <a:lnSpc>
+                          <a:spcPct val="100000"/>
+                        </a:lnSpc>
+                        <a:spcBef>
+                          <a:spcPts val="0"/>
+                        </a:spcBef>
+                        <a:spcAft>
+                          <a:spcPts val="0"/>
+                        </a:spcAft>
+                        <a:buClrTx/>
+                        <a:buSzTx/>
+                        <a:buFontTx/>
+                        <a:buNone/>
+                        <a:tabLst/>
+                        <a:defRPr/>
+                      </a:pPr>
+                      <a:r>
+                        <a:rPr lang="en-GB" sz="2800" dirty="0"/>
+                        <a:t>Cumulative coding was less informative.</a:t>
+                      </a:r>
+                    </a:p>
+                    <a:p>
+                      <a:endParaRPr lang="en-GB" sz="2800" dirty="0"/>
+                    </a:p>
+                  </a:txBody>
+                  <a:tcPr/>
+                </a:tc>
+                <a:tc>
+                  <a:txBody>
+                    <a:bodyPr/>
+                    <a:lstStyle/>
+                    <a:p>
+                      <a:pPr marL="0" marR="0" lvl="0" indent="0" algn="l" defTabSz="914400" rtl="0" eaLnBrk="1" fontAlgn="auto" latinLnBrk="0" hangingPunct="1">
+                        <a:lnSpc>
+                          <a:spcPct val="100000"/>
+                        </a:lnSpc>
+                        <a:spcBef>
+                          <a:spcPts val="0"/>
+                        </a:spcBef>
+                        <a:spcAft>
+                          <a:spcPts val="0"/>
+                        </a:spcAft>
+                        <a:buClrTx/>
+                        <a:buSzTx/>
+                        <a:buFontTx/>
+                        <a:buNone/>
+                        <a:tabLst/>
+                        <a:defRPr/>
+                      </a:pPr>
+                      <a:r>
+                        <a:rPr lang="en-GB" sz="2800" dirty="0"/>
+                        <a:t>The </a:t>
+                      </a:r>
+                      <a:r>
+                        <a:rPr lang="en-GB" sz="2800" dirty="0" err="1"/>
+                        <a:t>dataframe</a:t>
+                      </a:r>
+                      <a:r>
+                        <a:rPr lang="en-GB" sz="2800" dirty="0"/>
+                        <a:t> entropy depends in part on mutual entropy.</a:t>
+                      </a:r>
+                    </a:p>
+                    <a:p>
+                      <a:pPr marL="0" marR="0" lvl="0" indent="0" algn="l" defTabSz="914400" rtl="0" eaLnBrk="1" fontAlgn="auto" latinLnBrk="0" hangingPunct="1">
+                        <a:lnSpc>
+                          <a:spcPct val="100000"/>
+                        </a:lnSpc>
+                        <a:spcBef>
+                          <a:spcPts val="0"/>
+                        </a:spcBef>
+                        <a:spcAft>
+                          <a:spcPts val="0"/>
+                        </a:spcAft>
+                        <a:buClrTx/>
+                        <a:buSzTx/>
+                        <a:buFontTx/>
+                        <a:buNone/>
+                        <a:tabLst/>
+                        <a:defRPr/>
+                      </a:pPr>
+                      <a:endParaRPr lang="en-GB" sz="2800" dirty="0"/>
+                    </a:p>
+                    <a:p>
+                      <a:pPr marL="0" marR="0" lvl="0" indent="0" algn="l" defTabSz="914400" rtl="0" eaLnBrk="1" fontAlgn="auto" latinLnBrk="0" hangingPunct="1">
+                        <a:lnSpc>
+                          <a:spcPct val="100000"/>
+                        </a:lnSpc>
+                        <a:spcBef>
+                          <a:spcPts val="0"/>
+                        </a:spcBef>
+                        <a:spcAft>
+                          <a:spcPts val="0"/>
+                        </a:spcAft>
+                        <a:buClrTx/>
+                        <a:buSzTx/>
+                        <a:buFontTx/>
+                        <a:buNone/>
+                        <a:tabLst/>
+                        <a:defRPr/>
+                      </a:pPr>
+                      <a:r>
+                        <a:rPr lang="en-GB" sz="2800" dirty="0"/>
+                        <a:t>The results were switched.</a:t>
+                      </a:r>
+                    </a:p>
+                  </a:txBody>
+                  <a:tcPr/>
+                </a:tc>
+                <a:extLst>
+                  <a:ext uri="{0D108BD9-81ED-4DB2-BD59-A6C34878D82A}">
+                    <a16:rowId xmlns:a16="http://schemas.microsoft.com/office/drawing/2014/main" val="1034976452"/>
+                  </a:ext>
+                </a:extLst>
+              </a:tr>
+            </a:tbl>
+          </a:graphicData>
+        </a:graphic>
+      </p:graphicFrame>
+      <p:sp>
+        <p:nvSpPr>
+          <p:cNvPr id="4" name="Slide Number Placeholder 3"/>
+          <p:cNvSpPr>
+            <a:spLocks noGrp="1"/>
+          </p:cNvSpPr>
+          <p:nvPr>
+            <p:ph type="sldNum" sz="quarter" idx="12"/>
+          </p:nvPr>
+        </p:nvSpPr>
+        <p:spPr/>
+        <p:txBody>
+          <a:bodyPr/>
+          <a:lstStyle/>
+          <a:p>
+            <a:fld id="{1D72F41D-2C04-46BD-AD58-EC9976117EFB}" type="slidenum">
+              <a:rPr lang="en-GB">
+                <a:solidFill>
+                  <a:prstClr val="black">
+                    <a:tint val="95000"/>
+                  </a:prstClr>
+                </a:solidFill>
+                <a:latin typeface="Corbel"/>
+              </a:rPr>
+              <a:pPr/>
+              <a:t>14</a:t>
+            </a:fld>
+            <a:endParaRPr lang="en-GB" dirty="0">
+              <a:solidFill>
+                <a:prstClr val="black">
+                  <a:tint val="95000"/>
+                </a:prstClr>
+              </a:solidFill>
+              <a:latin typeface="Corbel"/>
+            </a:endParaRPr>
+          </a:p>
+        </p:txBody>
+      </p:sp>
+    </p:spTree>
+    <p:extLst>
+      <p:ext uri="{BB962C8B-B14F-4D97-AF65-F5344CB8AC3E}">
+        <p14:creationId xmlns:p14="http://schemas.microsoft.com/office/powerpoint/2010/main" val="3579372085"/>
+      </p:ext>
+    </p:extLst>
+  </p:cSld>
+  <p:clrMapOvr>
+    <a:masterClrMapping/>
+  </p:clrMapOvr>
+  <mc:AlternateContent xmlns:mc="http://schemas.openxmlformats.org/markup-compatibility/2006" xmlns:p14="http://schemas.microsoft.com/office/powerpoint/2010/main">
+    <mc:Choice Requires="p14">
+      <p:transition spd="med" p14:dur="700">
+        <p:fade/>
+      </p:transition>
+    </mc:Choice>
+    <mc:Fallback xmlns="">
+      <p:transition spd="med">
+        <p:fade/>
+      </p:transition>
+    </mc:Fallback>
+  </mc:AlternateContent>
+</p:sld>
+</file>
+
+<file path=ppt/slides/slide15.xml><?xml version="1.0" encoding="utf-8"?>
+<p:sld xmlns:a="http://schemas.openxmlformats.org/drawingml/2006/main" xmlns:r="http://schemas.openxmlformats.org/officeDocument/2006/relationships" xmlns:p="http://schemas.openxmlformats.org/presentationml/2006/main">
+  <p:cSld>
+    <p:spTree>
+      <p:nvGrpSpPr>
+        <p:cNvPr id="1" name=""/>
+        <p:cNvGrpSpPr/>
+        <p:nvPr/>
+      </p:nvGrpSpPr>
+      <p:grpSpPr>
+        <a:xfrm>
+          <a:off x="0" y="0"/>
+          <a:ext cx="0" cy="0"/>
+          <a:chOff x="0" y="0"/>
+          <a:chExt cx="0" cy="0"/>
+        </a:xfrm>
+      </p:grpSpPr>
+      <p:sp>
+        <p:nvSpPr>
+          <p:cNvPr id="2" name="Title 1"/>
+          <p:cNvSpPr>
+            <a:spLocks noGrp="1"/>
+          </p:cNvSpPr>
+          <p:nvPr>
+            <p:ph type="title"/>
+          </p:nvPr>
+        </p:nvSpPr>
+        <p:spPr/>
+        <p:txBody>
+          <a:bodyPr/>
+          <a:lstStyle/>
+          <a:p>
+            <a:r>
+              <a:rPr lang="en-GB" dirty="0"/>
+              <a:t>The results  ( Simulation test  on education )</a:t>
+            </a:r>
+          </a:p>
+        </p:txBody>
+      </p:sp>
+      <p:graphicFrame>
+        <p:nvGraphicFramePr>
+          <p:cNvPr id="5" name="Content Placeholder 4">
+            <a:extLst>
+              <a:ext uri="{FF2B5EF4-FFF2-40B4-BE49-F238E27FC236}">
+                <a16:creationId xmlns:a16="http://schemas.microsoft.com/office/drawing/2014/main" id="{7502F500-2EF1-9CA6-0649-53F31863E956}"/>
+              </a:ext>
+            </a:extLst>
+          </p:cNvPr>
+          <p:cNvGraphicFramePr>
+            <a:graphicFrameLocks noGrp="1"/>
+          </p:cNvGraphicFramePr>
+          <p:nvPr>
+            <p:ph idx="1"/>
+            <p:extLst>
+              <p:ext uri="{D42A27DB-BD31-4B8C-83A1-F6EECF244321}">
+                <p14:modId xmlns:p14="http://schemas.microsoft.com/office/powerpoint/2010/main" val="327468576"/>
               </p:ext>
             </p:extLst>
           </p:nvPr>
         </p:nvGraphicFramePr>
         <p:xfrm>
           <a:off x="1012166" y="1308789"/>
-          <a:ext cx="10363195" cy="3205480"/>
+          <a:ext cx="10363195" cy="7284720"/>
         </p:xfrm>
         <a:graphic>
           <a:graphicData uri="http://schemas.openxmlformats.org/drawingml/2006/table">
@@ -11458,7 +12063,7 @@
                     <a:lstStyle/>
                     <a:p>
                       <a:r>
-                        <a:rPr lang="en-GB" dirty="0"/>
+                        <a:rPr lang="en-GB" sz="2400" dirty="0"/>
                         <a:t>Methods Used</a:t>
                       </a:r>
                     </a:p>
@@ -11471,7 +12076,7 @@
                     <a:lstStyle/>
                     <a:p>
                       <a:r>
-                        <a:rPr lang="en-GB" dirty="0"/>
+                        <a:rPr lang="en-GB" sz="2400" dirty="0"/>
                         <a:t>Sample: </a:t>
                       </a:r>
                     </a:p>
@@ -11484,8 +12089,21 @@
                     <a:lstStyle/>
                     <a:p>
                       <a:r>
-                        <a:rPr lang="en-GB" dirty="0"/>
-                        <a:t>Overall Test: </a:t>
+                        <a:rPr lang="en-GB" sz="2400" dirty="0"/>
+                        <a:t>H for Discrete Education </a:t>
+                      </a:r>
+                    </a:p>
+                  </a:txBody>
+                  <a:tcPr/>
+                </a:tc>
+                <a:tc>
+                  <a:txBody>
+                    <a:bodyPr/>
+                    <a:lstStyle/>
+                    <a:p>
+                      <a:r>
+                        <a:rPr lang="en-GB" sz="2400" dirty="0"/>
+                        <a:t>H for Cumulative Education</a:t>
                       </a:r>
                     </a:p>
                   </a:txBody>
@@ -11498,20 +12116,7 @@
                     <a:p>
                       <a:r>
                         <a:rPr lang="en-GB" dirty="0"/>
-                        <a:t>Results: </a:t>
-                      </a:r>
-                    </a:p>
-                  </a:txBody>
-                  <a:tcPr/>
-                </a:tc>
-                <a:tc>
-                  <a:txBody>
-                    <a:bodyPr/>
-                    <a:lstStyle/>
-                    <a:p>
-                      <a:r>
-                        <a:rPr lang="en-GB" dirty="0"/>
-                        <a:t>If multiple vectors:</a:t>
+                        <a:t>Relative Entropy Tests</a:t>
                       </a:r>
                     </a:p>
                   </a:txBody>
@@ -11547,8 +12152,94 @@
                         <a:defRPr/>
                       </a:pPr>
                       <a:r>
-                        <a:rPr lang="en-GB" dirty="0"/>
-                        <a:t>First entropy measures.</a:t>
+                        <a:rPr lang="en-GB" sz="2000" dirty="0"/>
+                        <a:t>Simulation</a:t>
+                      </a:r>
+                    </a:p>
+                    <a:p>
+                      <a:pPr marL="0" marR="0" lvl="0" indent="0" algn="l" defTabSz="914400" rtl="0" eaLnBrk="1" fontAlgn="auto" latinLnBrk="0" hangingPunct="1">
+                        <a:lnSpc>
+                          <a:spcPct val="100000"/>
+                        </a:lnSpc>
+                        <a:spcBef>
+                          <a:spcPts val="0"/>
+                        </a:spcBef>
+                        <a:spcAft>
+                          <a:spcPts val="0"/>
+                        </a:spcAft>
+                        <a:buClrTx/>
+                        <a:buSzTx/>
+                        <a:buFontTx/>
+                        <a:buNone/>
+                        <a:tabLst/>
+                        <a:defRPr/>
+                      </a:pPr>
+                      <a:endParaRPr lang="en-GB" sz="2000" dirty="0"/>
+                    </a:p>
+                    <a:p>
+                      <a:pPr marL="0" marR="0" lvl="0" indent="0" algn="l" defTabSz="914400" rtl="0" eaLnBrk="1" fontAlgn="auto" latinLnBrk="0" hangingPunct="1">
+                        <a:lnSpc>
+                          <a:spcPct val="100000"/>
+                        </a:lnSpc>
+                        <a:spcBef>
+                          <a:spcPts val="0"/>
+                        </a:spcBef>
+                        <a:spcAft>
+                          <a:spcPts val="0"/>
+                        </a:spcAft>
+                        <a:buClrTx/>
+                        <a:buSzTx/>
+                        <a:buFontTx/>
+                        <a:buNone/>
+                        <a:tabLst/>
+                        <a:defRPr/>
+                      </a:pPr>
+                      <a:r>
+                        <a:rPr lang="en-GB" sz="2000" dirty="0"/>
+                        <a:t>Repeat 1000 samples with replacement from 5,318</a:t>
+                      </a:r>
+                    </a:p>
+                    <a:p>
+                      <a:pPr marL="0" marR="0" lvl="0" indent="0" algn="l" defTabSz="914400" rtl="0" eaLnBrk="1" fontAlgn="auto" latinLnBrk="0" hangingPunct="1">
+                        <a:lnSpc>
+                          <a:spcPct val="100000"/>
+                        </a:lnSpc>
+                        <a:spcBef>
+                          <a:spcPts val="0"/>
+                        </a:spcBef>
+                        <a:spcAft>
+                          <a:spcPts val="0"/>
+                        </a:spcAft>
+                        <a:buClrTx/>
+                        <a:buSzTx/>
+                        <a:buFontTx/>
+                        <a:buNone/>
+                        <a:tabLst/>
+                        <a:defRPr/>
+                      </a:pPr>
+                      <a:endParaRPr lang="en-GB" sz="2000" dirty="0"/>
+                    </a:p>
+                    <a:p>
+                      <a:pPr marL="0" marR="0" lvl="0" indent="0" algn="l" defTabSz="914400" rtl="0" eaLnBrk="1" fontAlgn="auto" latinLnBrk="0" hangingPunct="1">
+                        <a:lnSpc>
+                          <a:spcPct val="100000"/>
+                        </a:lnSpc>
+                        <a:spcBef>
+                          <a:spcPts val="0"/>
+                        </a:spcBef>
+                        <a:spcAft>
+                          <a:spcPts val="0"/>
+                        </a:spcAft>
+                        <a:buClrTx/>
+                        <a:buSzTx/>
+                        <a:buFontTx/>
+                        <a:buNone/>
+                        <a:tabLst/>
+                        <a:defRPr/>
+                      </a:pPr>
+                      <a:r>
+                        <a:rPr lang="en-GB" sz="2000" dirty="0"/>
+                        <a:t>Multinomial distribution</a:t>
                       </a:r>
                     </a:p>
                   </a:txBody>
@@ -11560,24 +12251,12 @@
                     <a:lstStyle/>
                     <a:p>
                       <a:r>
-                        <a:rPr lang="en-GB" dirty="0"/>
+                        <a:rPr lang="en-GB" sz="2000" dirty="0"/>
                         <a:t>N=5,318</a:t>
                       </a:r>
                     </a:p>
                     <a:p>
-                      <a:r>
-                        <a:rPr lang="en-GB" dirty="0"/>
-                        <a:t>Adults only</a:t>
-                      </a:r>
-                    </a:p>
-                    <a:p>
-                      <a:r>
-                        <a:rPr lang="en-GB" dirty="0"/>
-                        <a:t>19 states of India</a:t>
-                      </a:r>
-                    </a:p>
-                    <a:p>
-                      <a:endParaRPr lang="en-GB" dirty="0"/>
+                      <a:endParaRPr lang="en-GB" sz="2000" dirty="0"/>
                     </a:p>
                   </a:txBody>
                   <a:tcPr/>
@@ -11588,29 +12267,283 @@
                     <a:lstStyle/>
                     <a:p>
                       <a:r>
-                        <a:rPr lang="en-GB" dirty="0"/>
-                        <a:t>Entropy differed by &lt;5% between the group of binaries for the distinct vs cumulative coding. </a:t>
+                        <a:rPr lang="en-GB" sz="2000" dirty="0"/>
+                        <a:t>The 95% interval for H, the entropy, around the mean 1.52885, was: </a:t>
+                      </a:r>
+                    </a:p>
+                    <a:p>
+                      <a:endParaRPr lang="en-GB" sz="2000" dirty="0">
+                        <a:highlight>
+                          <a:srgbClr val="FFFF00"/>
+                        </a:highlight>
+                      </a:endParaRPr>
+                    </a:p>
+                    <a:p>
+                      <a:r>
+                        <a:rPr lang="en-GB" sz="2000" dirty="0">
+                          <a:highlight>
+                            <a:srgbClr val="FFFF00"/>
+                          </a:highlight>
+                        </a:rPr>
+                        <a:t>{1.5384, 1.5171}</a:t>
+                      </a:r>
+                    </a:p>
+                    <a:p>
+                      <a:endParaRPr lang="en-GB" sz="2000" dirty="0">
+                        <a:highlight>
+                          <a:srgbClr val="FFFF00"/>
+                        </a:highlight>
+                      </a:endParaRPr>
+                    </a:p>
+                    <a:p>
+                      <a:r>
+                        <a:rPr lang="en-GB" sz="2000" dirty="0">
+                          <a:highlight>
+                            <a:srgbClr val="FFFF00"/>
+                          </a:highlight>
+                        </a:rPr>
+                        <a:t>This range is about 2% of the raw H value in </a:t>
+                      </a:r>
+                      <a:r>
+                        <a:rPr lang="en-GB" sz="2000" dirty="0" err="1">
+                          <a:highlight>
+                            <a:srgbClr val="FFFF00"/>
+                          </a:highlight>
+                        </a:rPr>
+                        <a:t>nats</a:t>
+                      </a:r>
+                      <a:r>
+                        <a:rPr lang="en-GB" sz="2000" dirty="0">
+                          <a:highlight>
+                            <a:srgbClr val="FFFF00"/>
+                          </a:highlight>
+                        </a:rPr>
+                        <a:t>.</a:t>
                       </a:r>
                     </a:p>
                     <a:p>
                       <a:r>
-                        <a:rPr lang="en-GB" dirty="0">
+                        <a:rPr lang="en-GB" sz="2000" dirty="0">
                           <a:highlight>
                             <a:srgbClr val="FFFF00"/>
                           </a:highlight>
                         </a:rPr>
-                        <a:t>Distinct was lower. </a:t>
+                        <a:t>H’s  MSE was 0.027.</a:t>
+                      </a:r>
+                    </a:p>
+                  </a:txBody>
+                  <a:tcPr/>
+                </a:tc>
+                <a:tc>
+                  <a:txBody>
+                    <a:bodyPr/>
+                    <a:lstStyle/>
+                    <a:p>
+                      <a:pPr marL="0" marR="0" lvl="0" indent="0" algn="l" defTabSz="914400" rtl="0" eaLnBrk="1" fontAlgn="auto" latinLnBrk="0" hangingPunct="1">
+                        <a:lnSpc>
+                          <a:spcPct val="100000"/>
+                        </a:lnSpc>
+                        <a:spcBef>
+                          <a:spcPts val="0"/>
+                        </a:spcBef>
+                        <a:spcAft>
+                          <a:spcPts val="0"/>
+                        </a:spcAft>
+                        <a:buClrTx/>
+                        <a:buSzTx/>
+                        <a:buFontTx/>
+                        <a:buNone/>
+                        <a:tabLst/>
+                        <a:defRPr/>
+                      </a:pPr>
+                      <a:endParaRPr lang="en-GB" sz="2000" dirty="0"/>
+                    </a:p>
+                    <a:p>
+                      <a:pPr marL="0" marR="0" lvl="0" indent="0" algn="l" defTabSz="914400" rtl="0" eaLnBrk="1" fontAlgn="auto" latinLnBrk="0" hangingPunct="1">
+                        <a:lnSpc>
+                          <a:spcPct val="100000"/>
+                        </a:lnSpc>
+                        <a:spcBef>
+                          <a:spcPts val="0"/>
+                        </a:spcBef>
+                        <a:spcAft>
+                          <a:spcPts val="0"/>
+                        </a:spcAft>
+                        <a:buClrTx/>
+                        <a:buSzTx/>
+                        <a:buFontTx/>
+                        <a:buNone/>
+                        <a:tabLst/>
+                        <a:defRPr/>
+                      </a:pPr>
+                      <a:endParaRPr lang="en-GB" sz="2000" dirty="0"/>
+                    </a:p>
+                    <a:p>
+                      <a:pPr marL="0" marR="0" lvl="0" indent="0" algn="l" defTabSz="914400" rtl="0" eaLnBrk="1" fontAlgn="auto" latinLnBrk="0" hangingPunct="1">
+                        <a:lnSpc>
+                          <a:spcPct val="100000"/>
+                        </a:lnSpc>
+                        <a:spcBef>
+                          <a:spcPts val="0"/>
+                        </a:spcBef>
+                        <a:spcAft>
+                          <a:spcPts val="0"/>
+                        </a:spcAft>
+                        <a:buClrTx/>
+                        <a:buSzTx/>
+                        <a:buFontTx/>
+                        <a:buNone/>
+                        <a:tabLst/>
+                        <a:defRPr/>
+                      </a:pPr>
+                      <a:r>
+                        <a:rPr lang="en-GB" sz="2000" dirty="0"/>
+                        <a:t>H mean estimate was 1.2411</a:t>
                       </a:r>
                     </a:p>
                     <a:p>
+                      <a:pPr marL="0" marR="0" lvl="0" indent="0" algn="l" defTabSz="914400" rtl="0" eaLnBrk="1" fontAlgn="auto" latinLnBrk="0" hangingPunct="1">
+                        <a:lnSpc>
+                          <a:spcPct val="100000"/>
+                        </a:lnSpc>
+                        <a:spcBef>
+                          <a:spcPts val="0"/>
+                        </a:spcBef>
+                        <a:spcAft>
+                          <a:spcPts val="0"/>
+                        </a:spcAft>
+                        <a:buClrTx/>
+                        <a:buSzTx/>
+                        <a:buFontTx/>
+                        <a:buNone/>
+                        <a:tabLst/>
+                        <a:defRPr/>
+                      </a:pPr>
+                      <a:endParaRPr lang="en-GB" sz="2000" dirty="0"/>
+                    </a:p>
+                    <a:p>
+                      <a:pPr marL="0" marR="0" lvl="0" indent="0" algn="l" defTabSz="914400" rtl="0" eaLnBrk="1" fontAlgn="auto" latinLnBrk="0" hangingPunct="1">
+                        <a:lnSpc>
+                          <a:spcPct val="100000"/>
+                        </a:lnSpc>
+                        <a:spcBef>
+                          <a:spcPts val="0"/>
+                        </a:spcBef>
+                        <a:spcAft>
+                          <a:spcPts val="0"/>
+                        </a:spcAft>
+                        <a:buClrTx/>
+                        <a:buSzTx/>
+                        <a:buFontTx/>
+                        <a:buNone/>
+                        <a:tabLst/>
+                        <a:defRPr/>
+                      </a:pPr>
                       <a:r>
-                        <a:rPr lang="en-GB" dirty="0">
+                        <a:rPr lang="en-GB" sz="2000" dirty="0"/>
+                        <a:t>95% Interval: {1.2258, 1.2563}</a:t>
+                      </a:r>
+                    </a:p>
+                    <a:p>
+                      <a:pPr marL="0" marR="0" lvl="0" indent="0" algn="l" defTabSz="914400" rtl="0" eaLnBrk="1" fontAlgn="auto" latinLnBrk="0" hangingPunct="1">
+                        <a:lnSpc>
+                          <a:spcPct val="100000"/>
+                        </a:lnSpc>
+                        <a:spcBef>
+                          <a:spcPts val="0"/>
+                        </a:spcBef>
+                        <a:spcAft>
+                          <a:spcPts val="0"/>
+                        </a:spcAft>
+                        <a:buClrTx/>
+                        <a:buSzTx/>
+                        <a:buFontTx/>
+                        <a:buNone/>
+                        <a:tabLst/>
+                        <a:defRPr/>
+                      </a:pPr>
+                      <a:endParaRPr lang="en-GB" sz="2000" dirty="0"/>
+                    </a:p>
+                    <a:p>
+                      <a:pPr marL="0" marR="0" lvl="0" indent="0" algn="l" defTabSz="914400" rtl="0" eaLnBrk="1" fontAlgn="auto" latinLnBrk="0" hangingPunct="1">
+                        <a:lnSpc>
+                          <a:spcPct val="100000"/>
+                        </a:lnSpc>
+                        <a:spcBef>
+                          <a:spcPts val="0"/>
+                        </a:spcBef>
+                        <a:spcAft>
+                          <a:spcPts val="0"/>
+                        </a:spcAft>
+                        <a:buClrTx/>
+                        <a:buSzTx/>
+                        <a:buFontTx/>
+                        <a:buNone/>
+                        <a:tabLst/>
+                        <a:defRPr/>
+                      </a:pPr>
+                      <a:r>
+                        <a:rPr lang="en-GB" sz="2000" dirty="0"/>
+                        <a:t>This range is about </a:t>
+                      </a:r>
+                      <a:r>
+                        <a:rPr lang="en-GB" sz="2000" dirty="0">
                           <a:highlight>
                             <a:srgbClr val="FFFF00"/>
                           </a:highlight>
                         </a:rPr>
-                        <a:t>But in groups of variables, this result switched. </a:t>
+                        <a:t>3%</a:t>
                       </a:r>
+                    </a:p>
+                    <a:p>
+                      <a:pPr marL="0" marR="0" lvl="0" indent="0" algn="l" defTabSz="914400" rtl="0" eaLnBrk="1" fontAlgn="auto" latinLnBrk="0" hangingPunct="1">
+                        <a:lnSpc>
+                          <a:spcPct val="100000"/>
+                        </a:lnSpc>
+                        <a:spcBef>
+                          <a:spcPts val="0"/>
+                        </a:spcBef>
+                        <a:spcAft>
+                          <a:spcPts val="0"/>
+                        </a:spcAft>
+                        <a:buClrTx/>
+                        <a:buSzTx/>
+                        <a:buFontTx/>
+                        <a:buNone/>
+                        <a:tabLst/>
+                        <a:defRPr/>
+                      </a:pPr>
+                      <a:endParaRPr lang="en-GB" sz="2000" dirty="0"/>
+                    </a:p>
+                    <a:p>
+                      <a:pPr marL="0" marR="0" lvl="0" indent="0" algn="l" defTabSz="914400" rtl="0" eaLnBrk="1" fontAlgn="auto" latinLnBrk="0" hangingPunct="1">
+                        <a:lnSpc>
+                          <a:spcPct val="100000"/>
+                        </a:lnSpc>
+                        <a:spcBef>
+                          <a:spcPts val="0"/>
+                        </a:spcBef>
+                        <a:spcAft>
+                          <a:spcPts val="0"/>
+                        </a:spcAft>
+                        <a:buClrTx/>
+                        <a:buSzTx/>
+                        <a:buFontTx/>
+                        <a:buNone/>
+                        <a:tabLst/>
+                        <a:defRPr/>
+                      </a:pPr>
+                      <a:r>
+                        <a:rPr lang="en-GB" sz="2000" dirty="0">
+                          <a:highlight>
+                            <a:srgbClr val="FFFF00"/>
+                          </a:highlight>
+                        </a:rPr>
+                        <a:t>H’s MSE was 0.059</a:t>
+                      </a:r>
+                    </a:p>
+                    <a:p>
+                      <a:endParaRPr lang="en-GB" sz="2000" dirty="0"/>
                     </a:p>
                   </a:txBody>
                   <a:tcPr/>
@@ -11639,7 +12572,30 @@
                       </a:pPr>
                       <a:r>
                         <a:rPr lang="en-GB" dirty="0"/>
-                        <a:t>IF ONE VECTOR:  Higher entropy implied less informative education data. </a:t>
+                        <a:t>We divide by the </a:t>
+                      </a:r>
+                    </a:p>
+                    <a:p>
+                      <a:pPr marL="0" marR="0" lvl="0" indent="0" algn="l" defTabSz="914400" rtl="0" eaLnBrk="1" fontAlgn="auto" latinLnBrk="0" hangingPunct="1">
+                        <a:lnSpc>
+                          <a:spcPct val="100000"/>
+                        </a:lnSpc>
+                        <a:spcBef>
+                          <a:spcPts val="0"/>
+                        </a:spcBef>
+                        <a:spcAft>
+                          <a:spcPts val="0"/>
+                        </a:spcAft>
+                        <a:buClrTx/>
+                        <a:buSzTx/>
+                        <a:buFontTx/>
+                        <a:buNone/>
+                        <a:tabLst/>
+                        <a:defRPr/>
+                      </a:pPr>
+                      <a:r>
+                        <a:rPr lang="en-GB" dirty="0"/>
+                        <a:t>same constant.</a:t>
                       </a:r>
                     </a:p>
                     <a:p>
@@ -11682,48 +12638,7 @@
                       </a:pPr>
                       <a:r>
                         <a:rPr lang="en-GB" dirty="0"/>
-                        <a:t>Cumulative was slightly less informative.</a:t>
-                      </a:r>
-                    </a:p>
-                    <a:p>
-                      <a:endParaRPr lang="en-GB" dirty="0"/>
-                    </a:p>
-                  </a:txBody>
-                  <a:tcPr/>
-                </a:tc>
-                <a:tc>
-                  <a:txBody>
-                    <a:bodyPr/>
-                    <a:lstStyle/>
-                    <a:p>
-                      <a:pPr marL="0" marR="0" lvl="0" indent="0" algn="l" defTabSz="914400" rtl="0" eaLnBrk="1" fontAlgn="auto" latinLnBrk="0" hangingPunct="1">
-                        <a:lnSpc>
-                          <a:spcPct val="100000"/>
-                        </a:lnSpc>
-                        <a:spcBef>
-                          <a:spcPts val="0"/>
-                        </a:spcBef>
-                        <a:spcAft>
-                          <a:spcPts val="0"/>
-                        </a:spcAft>
-                        <a:buClrTx/>
-                        <a:buSzTx/>
-                        <a:buFontTx/>
-                        <a:buNone/>
-                        <a:tabLst/>
-                        <a:defRPr/>
-                      </a:pPr>
-                      <a:r>
-                        <a:rPr lang="en-GB" dirty="0"/>
-                        <a:t>The </a:t>
-                      </a:r>
-                      <a:r>
-                        <a:rPr lang="en-GB" dirty="0" err="1"/>
-                        <a:t>dataframe</a:t>
-                      </a:r>
-                      <a:r>
-                        <a:rPr lang="en-GB" dirty="0"/>
-                        <a:t> entropy depends in part on mutual entropy.</a:t>
+                        <a:t>RSI distinct = 0.950</a:t>
                       </a:r>
                     </a:p>
                     <a:p>
@@ -11766,7 +12681,38 @@
                       </a:pPr>
                       <a:r>
                         <a:rPr lang="en-GB" dirty="0"/>
-                        <a:t>The results were switched.</a:t>
+                        <a:t>RSI </a:t>
+                      </a:r>
+                      <a:r>
+                        <a:rPr lang="en-GB" dirty="0" err="1"/>
+                        <a:t>cumul</a:t>
+                      </a:r>
+                      <a:r>
+                        <a:rPr lang="en-GB" dirty="0"/>
+                        <a:t> =.771</a:t>
+                      </a:r>
+                    </a:p>
+                    <a:p>
+                      <a:pPr marL="0" marR="0" lvl="0" indent="0" algn="l" defTabSz="914400" rtl="0" eaLnBrk="1" fontAlgn="auto" latinLnBrk="0" hangingPunct="1">
+                        <a:lnSpc>
+                          <a:spcPct val="100000"/>
+                        </a:lnSpc>
+                        <a:spcBef>
+                          <a:spcPts val="0"/>
+                        </a:spcBef>
+                        <a:spcAft>
+                          <a:spcPts val="0"/>
+                        </a:spcAft>
+                        <a:buClrTx/>
+                        <a:buSzTx/>
+                        <a:buFontTx/>
+                        <a:buNone/>
+                        <a:tabLst/>
+                        <a:defRPr/>
+                      </a:pPr>
+                      <a:r>
+                        <a:rPr lang="en-GB" dirty="0"/>
+                        <a:t>In range {0.761, 0.780)</a:t>
                       </a:r>
                     </a:p>
                     <a:p>
@@ -11809,287 +12755,23 @@
                       </a:pPr>
                       <a:r>
                         <a:rPr lang="en-GB" dirty="0"/>
-                        <a:t>Regression results also ambiguous. </a:t>
+                        <a:t>RSI </a:t>
                       </a:r>
-                    </a:p>
-                  </a:txBody>
-                  <a:tcPr/>
-                </a:tc>
-                <a:extLst>
-                  <a:ext uri="{0D108BD9-81ED-4DB2-BD59-A6C34878D82A}">
-                    <a16:rowId xmlns:a16="http://schemas.microsoft.com/office/drawing/2014/main" val="1034976452"/>
-                  </a:ext>
-                </a:extLst>
-              </a:tr>
-            </a:tbl>
-          </a:graphicData>
-        </a:graphic>
-      </p:graphicFrame>
-      <p:sp>
-        <p:nvSpPr>
-          <p:cNvPr id="4" name="Slide Number Placeholder 3"/>
-          <p:cNvSpPr>
-            <a:spLocks noGrp="1"/>
-          </p:cNvSpPr>
-          <p:nvPr>
-            <p:ph type="sldNum" sz="quarter" idx="12"/>
-          </p:nvPr>
-        </p:nvSpPr>
-        <p:spPr/>
-        <p:txBody>
-          <a:bodyPr/>
-          <a:lstStyle/>
-          <a:p>
-            <a:fld id="{1D72F41D-2C04-46BD-AD58-EC9976117EFB}" type="slidenum">
-              <a:rPr lang="en-GB">
-                <a:solidFill>
-                  <a:prstClr val="black">
-                    <a:tint val="95000"/>
-                  </a:prstClr>
-                </a:solidFill>
-                <a:latin typeface="Corbel"/>
-              </a:rPr>
-              <a:pPr/>
-              <a:t>14</a:t>
-            </a:fld>
-            <a:endParaRPr lang="en-GB" dirty="0">
-              <a:solidFill>
-                <a:prstClr val="black">
-                  <a:tint val="95000"/>
-                </a:prstClr>
-              </a:solidFill>
-              <a:latin typeface="Corbel"/>
-            </a:endParaRPr>
-          </a:p>
-        </p:txBody>
-      </p:sp>
-    </p:spTree>
-    <p:extLst>
-      <p:ext uri="{BB962C8B-B14F-4D97-AF65-F5344CB8AC3E}">
-        <p14:creationId xmlns:p14="http://schemas.microsoft.com/office/powerpoint/2010/main" val="3579372085"/>
-      </p:ext>
-    </p:extLst>
-  </p:cSld>
-  <p:clrMapOvr>
-    <a:masterClrMapping/>
-  </p:clrMapOvr>
-  <mc:AlternateContent xmlns:mc="http://schemas.openxmlformats.org/markup-compatibility/2006" xmlns:p14="http://schemas.microsoft.com/office/powerpoint/2010/main">
-    <mc:Choice Requires="p14">
-      <p:transition spd="med" p14:dur="700">
-        <p:fade/>
-      </p:transition>
-    </mc:Choice>
-    <mc:Fallback xmlns="">
-      <p:transition spd="med">
-        <p:fade/>
-      </p:transition>
-    </mc:Fallback>
-  </mc:AlternateContent>
-</p:sld>
-</file>
-
-<file path=ppt/slides/slide15.xml><?xml version="1.0" encoding="utf-8"?>
-<p:sld xmlns:a="http://schemas.openxmlformats.org/drawingml/2006/main" xmlns:r="http://schemas.openxmlformats.org/officeDocument/2006/relationships" xmlns:p="http://schemas.openxmlformats.org/presentationml/2006/main">
-  <p:cSld>
-    <p:spTree>
-      <p:nvGrpSpPr>
-        <p:cNvPr id="1" name=""/>
-        <p:cNvGrpSpPr/>
-        <p:nvPr/>
-      </p:nvGrpSpPr>
-      <p:grpSpPr>
-        <a:xfrm>
-          <a:off x="0" y="0"/>
-          <a:ext cx="0" cy="0"/>
-          <a:chOff x="0" y="0"/>
-          <a:chExt cx="0" cy="0"/>
-        </a:xfrm>
-      </p:grpSpPr>
-      <p:sp>
-        <p:nvSpPr>
-          <p:cNvPr id="2" name="Title 1"/>
-          <p:cNvSpPr>
-            <a:spLocks noGrp="1"/>
-          </p:cNvSpPr>
-          <p:nvPr>
-            <p:ph type="title"/>
-          </p:nvPr>
-        </p:nvSpPr>
-        <p:spPr/>
-        <p:txBody>
-          <a:bodyPr/>
-          <a:lstStyle/>
-          <a:p>
-            <a:r>
-              <a:rPr lang="en-GB" dirty="0"/>
-              <a:t>The results  ( Simulation test  on education )</a:t>
-            </a:r>
-          </a:p>
-        </p:txBody>
-      </p:sp>
-      <p:graphicFrame>
-        <p:nvGraphicFramePr>
-          <p:cNvPr id="5" name="Content Placeholder 4">
-            <a:extLst>
-              <a:ext uri="{FF2B5EF4-FFF2-40B4-BE49-F238E27FC236}">
-                <a16:creationId xmlns:a16="http://schemas.microsoft.com/office/drawing/2014/main" id="{7502F500-2EF1-9CA6-0649-53F31863E956}"/>
-              </a:ext>
-            </a:extLst>
-          </p:cNvPr>
-          <p:cNvGraphicFramePr>
-            <a:graphicFrameLocks noGrp="1"/>
-          </p:cNvGraphicFramePr>
-          <p:nvPr>
-            <p:ph idx="1"/>
-            <p:extLst>
-              <p:ext uri="{D42A27DB-BD31-4B8C-83A1-F6EECF244321}">
-                <p14:modId xmlns:p14="http://schemas.microsoft.com/office/powerpoint/2010/main" val="1604532702"/>
-              </p:ext>
-            </p:extLst>
-          </p:nvPr>
-        </p:nvGraphicFramePr>
-        <p:xfrm>
-          <a:off x="1012166" y="1308789"/>
-          <a:ext cx="10363195" cy="3845560"/>
-        </p:xfrm>
-        <a:graphic>
-          <a:graphicData uri="http://schemas.openxmlformats.org/drawingml/2006/table">
-            <a:tbl>
-              <a:tblPr firstRow="1" bandRow="1">
-                <a:tableStyleId>{5C22544A-7EE6-4342-B048-85BDC9FD1C3A}</a:tableStyleId>
-              </a:tblPr>
-              <a:tblGrid>
-                <a:gridCol w="2072639">
-                  <a:extLst>
-                    <a:ext uri="{9D8B030D-6E8A-4147-A177-3AD203B41FA5}">
-                      <a16:colId xmlns:a16="http://schemas.microsoft.com/office/drawing/2014/main" val="571861084"/>
-                    </a:ext>
-                  </a:extLst>
-                </a:gridCol>
-                <a:gridCol w="2072639">
-                  <a:extLst>
-                    <a:ext uri="{9D8B030D-6E8A-4147-A177-3AD203B41FA5}">
-                      <a16:colId xmlns:a16="http://schemas.microsoft.com/office/drawing/2014/main" val="1573736847"/>
-                    </a:ext>
-                  </a:extLst>
-                </a:gridCol>
-                <a:gridCol w="2072639">
-                  <a:extLst>
-                    <a:ext uri="{9D8B030D-6E8A-4147-A177-3AD203B41FA5}">
-                      <a16:colId xmlns:a16="http://schemas.microsoft.com/office/drawing/2014/main" val="2802144115"/>
-                    </a:ext>
-                  </a:extLst>
-                </a:gridCol>
-                <a:gridCol w="2072639">
-                  <a:extLst>
-                    <a:ext uri="{9D8B030D-6E8A-4147-A177-3AD203B41FA5}">
-                      <a16:colId xmlns:a16="http://schemas.microsoft.com/office/drawing/2014/main" val="3935994888"/>
-                    </a:ext>
-                  </a:extLst>
-                </a:gridCol>
-                <a:gridCol w="2072639">
-                  <a:extLst>
-                    <a:ext uri="{9D8B030D-6E8A-4147-A177-3AD203B41FA5}">
-                      <a16:colId xmlns:a16="http://schemas.microsoft.com/office/drawing/2014/main" val="323262370"/>
-                    </a:ext>
-                  </a:extLst>
-                </a:gridCol>
-              </a:tblGrid>
-              <a:tr h="370840">
-                <a:tc>
-                  <a:txBody>
-                    <a:bodyPr/>
-                    <a:lstStyle/>
-                    <a:p>
+                      <a:r>
+                        <a:rPr lang="en-GB" dirty="0" err="1"/>
+                        <a:t>distinct’s</a:t>
+                      </a:r>
                       <a:r>
                         <a:rPr lang="en-GB" dirty="0"/>
-                        <a:t>Methods Used</a:t>
+                        <a:t> MSE was </a:t>
                       </a:r>
-                    </a:p>
-                  </a:txBody>
-                  <a:tcPr/>
-                </a:tc>
-                <a:tc>
-                  <a:txBody>
-                    <a:bodyPr/>
-                    <a:lstStyle/>
-                    <a:p>
                       <a:r>
-                        <a:rPr lang="en-GB" dirty="0"/>
-                        <a:t>Sample: </a:t>
-                      </a:r>
-                    </a:p>
-                  </a:txBody>
-                  <a:tcPr/>
-                </a:tc>
-                <a:tc>
-                  <a:txBody>
-                    <a:bodyPr/>
-                    <a:lstStyle/>
-                    <a:p>
-                      <a:r>
-                        <a:rPr lang="en-GB" dirty="0"/>
-                        <a:t>H for Discrete Education </a:t>
-                      </a:r>
-                    </a:p>
-                  </a:txBody>
-                  <a:tcPr/>
-                </a:tc>
-                <a:tc>
-                  <a:txBody>
-                    <a:bodyPr/>
-                    <a:lstStyle/>
-                    <a:p>
-                      <a:r>
-                        <a:rPr lang="en-GB" dirty="0"/>
-                        <a:t>H for Cumulative Education</a:t>
-                      </a:r>
-                    </a:p>
-                  </a:txBody>
-                  <a:tcPr/>
-                </a:tc>
-                <a:tc>
-                  <a:txBody>
-                    <a:bodyPr/>
-                    <a:lstStyle/>
-                    <a:p>
-                      <a:endParaRPr lang="en-GB" dirty="0"/>
-                    </a:p>
-                  </a:txBody>
-                  <a:tcPr/>
-                </a:tc>
-                <a:extLst>
-                  <a:ext uri="{0D108BD9-81ED-4DB2-BD59-A6C34878D82A}">
-                    <a16:rowId xmlns:a16="http://schemas.microsoft.com/office/drawing/2014/main" val="1735355691"/>
-                  </a:ext>
-                </a:extLst>
-              </a:tr>
-              <a:tr h="370840">
-                <a:tc>
-                  <a:txBody>
-                    <a:bodyPr/>
-                    <a:lstStyle/>
-                    <a:p>
-                      <a:pPr marL="0" marR="0" lvl="0" indent="0" algn="l" defTabSz="914400" rtl="0" eaLnBrk="1" fontAlgn="auto" latinLnBrk="0" hangingPunct="1">
-                        <a:lnSpc>
-                          <a:spcPct val="100000"/>
-                        </a:lnSpc>
-                        <a:spcBef>
-                          <a:spcPts val="0"/>
-                        </a:spcBef>
-                        <a:spcAft>
-                          <a:spcPts val="0"/>
-                        </a:spcAft>
-                        <a:buClrTx/>
-                        <a:buSzTx/>
-                        <a:buFontTx/>
-                        <a:buNone/>
-                        <a:tabLst/>
-                        <a:defRPr/>
-                      </a:pPr>
-                      <a:r>
-                        <a:rPr lang="en-GB" dirty="0"/>
-                        <a:t>Simulation</a:t>
+                        <a:rPr lang="en-GB" dirty="0">
+                          <a:highlight>
+                            <a:srgbClr val="FFFF00"/>
+                          </a:highlight>
+                        </a:rPr>
+                        <a:t>0.01</a:t>
                       </a:r>
                     </a:p>
                     <a:p>
@@ -12132,133 +12814,15 @@
                       </a:pPr>
                       <a:r>
                         <a:rPr lang="en-GB" dirty="0"/>
-                        <a:t>Repeat 1000 samples with replacement from 5,318</a:t>
+                        <a:t>RSI </a:t>
                       </a:r>
-                    </a:p>
-                    <a:p>
-                      <a:pPr marL="0" marR="0" lvl="0" indent="0" algn="l" defTabSz="914400" rtl="0" eaLnBrk="1" fontAlgn="auto" latinLnBrk="0" hangingPunct="1">
-                        <a:lnSpc>
-                          <a:spcPct val="100000"/>
-                        </a:lnSpc>
-                        <a:spcBef>
-                          <a:spcPts val="0"/>
-                        </a:spcBef>
-                        <a:spcAft>
-                          <a:spcPts val="0"/>
-                        </a:spcAft>
-                        <a:buClrTx/>
-                        <a:buSzTx/>
-                        <a:buFontTx/>
-                        <a:buNone/>
-                        <a:tabLst/>
-                        <a:defRPr/>
-                      </a:pPr>
-                      <a:endParaRPr lang="en-GB" dirty="0"/>
-                    </a:p>
-                    <a:p>
-                      <a:pPr marL="0" marR="0" lvl="0" indent="0" algn="l" defTabSz="914400" rtl="0" eaLnBrk="1" fontAlgn="auto" latinLnBrk="0" hangingPunct="1">
-                        <a:lnSpc>
-                          <a:spcPct val="100000"/>
-                        </a:lnSpc>
-                        <a:spcBef>
-                          <a:spcPts val="0"/>
-                        </a:spcBef>
-                        <a:spcAft>
-                          <a:spcPts val="0"/>
-                        </a:spcAft>
-                        <a:buClrTx/>
-                        <a:buSzTx/>
-                        <a:buFontTx/>
-                        <a:buNone/>
-                        <a:tabLst/>
-                        <a:defRPr/>
-                      </a:pPr>
+                      <a:r>
+                        <a:rPr lang="en-GB" dirty="0" err="1"/>
+                        <a:t>cumul’s</a:t>
+                      </a:r>
                       <a:r>
                         <a:rPr lang="en-GB" dirty="0"/>
-                        <a:t>Multinomial distribution</a:t>
-                      </a:r>
-                    </a:p>
-                  </a:txBody>
-                  <a:tcPr/>
-                </a:tc>
-                <a:tc>
-                  <a:txBody>
-                    <a:bodyPr/>
-                    <a:lstStyle/>
-                    <a:p>
-                      <a:r>
-                        <a:rPr lang="en-GB" dirty="0"/>
-                        <a:t>N=5,318</a:t>
-                      </a:r>
-                    </a:p>
-                    <a:p>
-                      <a:r>
-                        <a:rPr lang="en-GB" dirty="0"/>
-                        <a:t>Adults only</a:t>
-                      </a:r>
-                    </a:p>
-                    <a:p>
-                      <a:r>
-                        <a:rPr lang="en-GB" dirty="0"/>
-                        <a:t>19 states of India</a:t>
-                      </a:r>
-                    </a:p>
-                    <a:p>
-                      <a:endParaRPr lang="en-GB" dirty="0"/>
-                    </a:p>
-                  </a:txBody>
-                  <a:tcPr/>
-                </a:tc>
-                <a:tc>
-                  <a:txBody>
-                    <a:bodyPr/>
-                    <a:lstStyle/>
-                    <a:p>
-                      <a:r>
-                        <a:rPr lang="en-GB" dirty="0"/>
-                        <a:t>The 95% interval for H, the entropy, was </a:t>
-                      </a:r>
-                    </a:p>
-                    <a:p>
-                      <a:endParaRPr lang="en-GB" dirty="0">
-                        <a:highlight>
-                          <a:srgbClr val="FFFF00"/>
-                        </a:highlight>
-                      </a:endParaRPr>
-                    </a:p>
-                    <a:p>
-                      <a:r>
-                        <a:rPr lang="en-GB" dirty="0">
-                          <a:highlight>
-                            <a:srgbClr val="FFFF00"/>
-                          </a:highlight>
-                        </a:rPr>
-                        <a:t>{1.5384, 1.5171}</a:t>
-                      </a:r>
-                    </a:p>
-                    <a:p>
-                      <a:endParaRPr lang="en-GB" dirty="0">
-                        <a:highlight>
-                          <a:srgbClr val="FFFF00"/>
-                        </a:highlight>
-                      </a:endParaRPr>
-                    </a:p>
-                    <a:p>
-                      <a:r>
-                        <a:rPr lang="en-GB" dirty="0">
-                          <a:highlight>
-                            <a:srgbClr val="FFFF00"/>
-                          </a:highlight>
-                        </a:rPr>
-                        <a:t>This range is about 2% of the raw H value in </a:t>
-                      </a:r>
-                      <a:r>
-                        <a:rPr lang="en-GB" dirty="0" err="1">
-                          <a:highlight>
-                            <a:srgbClr val="FFFF00"/>
-                          </a:highlight>
-                        </a:rPr>
-                        <a:t>nats</a:t>
+                        <a:t> MSE was </a:t>
                       </a:r>
                       <a:r>
                         <a:rPr lang="en-GB" dirty="0">
@@ -12266,184 +12830,8 @@
                             <a:srgbClr val="FFFF00"/>
                           </a:highlight>
                         </a:rPr>
-                        <a:t>.</a:t>
+                        <a:t>0.23</a:t>
                       </a:r>
-                    </a:p>
-                    <a:p>
-                      <a:r>
-                        <a:rPr lang="en-GB" dirty="0">
-                          <a:highlight>
-                            <a:srgbClr val="FFFF00"/>
-                          </a:highlight>
-                        </a:rPr>
-                        <a:t>Its MSE is 0.027.</a:t>
-                      </a:r>
-                    </a:p>
-                  </a:txBody>
-                  <a:tcPr/>
-                </a:tc>
-                <a:tc>
-                  <a:txBody>
-                    <a:bodyPr/>
-                    <a:lstStyle/>
-                    <a:p>
-                      <a:pPr marL="0" marR="0" lvl="0" indent="0" algn="l" defTabSz="914400" rtl="0" eaLnBrk="1" fontAlgn="auto" latinLnBrk="0" hangingPunct="1">
-                        <a:lnSpc>
-                          <a:spcPct val="100000"/>
-                        </a:lnSpc>
-                        <a:spcBef>
-                          <a:spcPts val="0"/>
-                        </a:spcBef>
-                        <a:spcAft>
-                          <a:spcPts val="0"/>
-                        </a:spcAft>
-                        <a:buClrTx/>
-                        <a:buSzTx/>
-                        <a:buFontTx/>
-                        <a:buNone/>
-                        <a:tabLst/>
-                        <a:defRPr/>
-                      </a:pPr>
-                      <a:r>
-                        <a:rPr lang="en-GB"/>
-                        <a:t>NOW: </a:t>
-                      </a:r>
-                    </a:p>
-                    <a:p>
-                      <a:pPr marL="0" marR="0" lvl="0" indent="0" algn="l" defTabSz="914400" rtl="0" eaLnBrk="1" fontAlgn="auto" latinLnBrk="0" hangingPunct="1">
-                        <a:lnSpc>
-                          <a:spcPct val="100000"/>
-                        </a:lnSpc>
-                        <a:spcBef>
-                          <a:spcPts val="0"/>
-                        </a:spcBef>
-                        <a:spcAft>
-                          <a:spcPts val="0"/>
-                        </a:spcAft>
-                        <a:buClrTx/>
-                        <a:buSzTx/>
-                        <a:buFontTx/>
-                        <a:buNone/>
-                        <a:tabLst/>
-                        <a:defRPr/>
-                      </a:pPr>
-                      <a:endParaRPr lang="en-GB" dirty="0"/>
-                    </a:p>
-                    <a:p>
-                      <a:pPr marL="0" marR="0" lvl="0" indent="0" algn="l" defTabSz="914400" rtl="0" eaLnBrk="1" fontAlgn="auto" latinLnBrk="0" hangingPunct="1">
-                        <a:lnSpc>
-                          <a:spcPct val="100000"/>
-                        </a:lnSpc>
-                        <a:spcBef>
-                          <a:spcPts val="0"/>
-                        </a:spcBef>
-                        <a:spcAft>
-                          <a:spcPts val="0"/>
-                        </a:spcAft>
-                        <a:buClrTx/>
-                        <a:buSzTx/>
-                        <a:buFontTx/>
-                        <a:buNone/>
-                        <a:tabLst/>
-                        <a:defRPr/>
-                      </a:pPr>
-                      <a:endParaRPr lang="en-GB" dirty="0"/>
-                    </a:p>
-                    <a:p>
-                      <a:pPr marL="0" marR="0" lvl="0" indent="0" algn="l" defTabSz="914400" rtl="0" eaLnBrk="1" fontAlgn="auto" latinLnBrk="0" hangingPunct="1">
-                        <a:lnSpc>
-                          <a:spcPct val="100000"/>
-                        </a:lnSpc>
-                        <a:spcBef>
-                          <a:spcPts val="0"/>
-                        </a:spcBef>
-                        <a:spcAft>
-                          <a:spcPts val="0"/>
-                        </a:spcAft>
-                        <a:buClrTx/>
-                        <a:buSzTx/>
-                        <a:buFontTx/>
-                        <a:buNone/>
-                        <a:tabLst/>
-                        <a:defRPr/>
-                      </a:pPr>
-                      <a:endParaRPr lang="en-GB" dirty="0"/>
-                    </a:p>
-                    <a:p>
-                      <a:pPr marL="0" marR="0" lvl="0" indent="0" algn="l" defTabSz="914400" rtl="0" eaLnBrk="1" fontAlgn="auto" latinLnBrk="0" hangingPunct="1">
-                        <a:lnSpc>
-                          <a:spcPct val="100000"/>
-                        </a:lnSpc>
-                        <a:spcBef>
-                          <a:spcPts val="0"/>
-                        </a:spcBef>
-                        <a:spcAft>
-                          <a:spcPts val="0"/>
-                        </a:spcAft>
-                        <a:buClrTx/>
-                        <a:buSzTx/>
-                        <a:buFontTx/>
-                        <a:buNone/>
-                        <a:tabLst/>
-                        <a:defRPr/>
-                      </a:pPr>
-                      <a:r>
-                        <a:rPr lang="en-GB" dirty="0"/>
-                        <a:t>PREVIOUSLY: </a:t>
-                      </a:r>
-                    </a:p>
-                    <a:p>
-                      <a:pPr marL="0" marR="0" lvl="0" indent="0" algn="l" defTabSz="914400" rtl="0" eaLnBrk="1" fontAlgn="auto" latinLnBrk="0" hangingPunct="1">
-                        <a:lnSpc>
-                          <a:spcPct val="100000"/>
-                        </a:lnSpc>
-                        <a:spcBef>
-                          <a:spcPts val="0"/>
-                        </a:spcBef>
-                        <a:spcAft>
-                          <a:spcPts val="0"/>
-                        </a:spcAft>
-                        <a:buClrTx/>
-                        <a:buSzTx/>
-                        <a:buFontTx/>
-                        <a:buNone/>
-                        <a:tabLst/>
-                        <a:defRPr/>
-                      </a:pPr>
-                      <a:r>
-                        <a:rPr lang="en-GB" dirty="0"/>
-                        <a:t>Cumulative was slightly less informative.</a:t>
-                      </a:r>
-                    </a:p>
-                    <a:p>
-                      <a:endParaRPr lang="en-GB" dirty="0"/>
-                    </a:p>
-                  </a:txBody>
-                  <a:tcPr/>
-                </a:tc>
-                <a:tc>
-                  <a:txBody>
-                    <a:bodyPr/>
-                    <a:lstStyle/>
-                    <a:p>
-                      <a:pPr marL="0" marR="0" lvl="0" indent="0" algn="l" defTabSz="914400" rtl="0" eaLnBrk="1" fontAlgn="auto" latinLnBrk="0" hangingPunct="1">
-                        <a:lnSpc>
-                          <a:spcPct val="100000"/>
-                        </a:lnSpc>
-                        <a:spcBef>
-                          <a:spcPts val="0"/>
-                        </a:spcBef>
-                        <a:spcAft>
-                          <a:spcPts val="0"/>
-                        </a:spcAft>
-                        <a:buClrTx/>
-                        <a:buSzTx/>
-                        <a:buFontTx/>
-                        <a:buNone/>
-                        <a:tabLst/>
-                        <a:defRPr/>
-                      </a:pPr>
-                      <a:endParaRPr lang="en-GB" dirty="0"/>
                     </a:p>
                   </a:txBody>
                   <a:tcPr/>
@@ -12503,6 +12891,23 @@
                         </a:highlight>
                       </a:endParaRPr>
                     </a:p>
+                    <a:p>
+                      <a:endParaRPr lang="en-GB" dirty="0">
+                        <a:highlight>
+                          <a:srgbClr val="FFFF00"/>
+                        </a:highlight>
+                      </a:endParaRPr>
+                    </a:p>
+                    <a:p>
+                      <a:r>
+                        <a:rPr lang="en-GB" dirty="0">
+                          <a:highlight>
+                            <a:srgbClr val="FFFF00"/>
+                          </a:highlight>
+                        </a:rPr>
+                        <a:t>Next run: mean 1.52883 {1.5397  , 1.5175}, and H’s MSE 0.030 </a:t>
+                      </a:r>
+                    </a:p>
                   </a:txBody>
                   <a:tcPr/>
                 </a:tc>
@@ -12510,6 +12915,30 @@
                   <a:txBody>
                     <a:bodyPr/>
                     <a:lstStyle/>
+                    <a:p>
+                      <a:pPr marL="0" marR="0" lvl="0" indent="0" algn="l" defTabSz="914400" rtl="0" eaLnBrk="1" fontAlgn="auto" latinLnBrk="0" hangingPunct="1">
+                        <a:lnSpc>
+                          <a:spcPct val="100000"/>
+                        </a:lnSpc>
+                        <a:spcBef>
+                          <a:spcPts val="0"/>
+                        </a:spcBef>
+                        <a:spcAft>
+                          <a:spcPts val="0"/>
+                        </a:spcAft>
+                        <a:buClrTx/>
+                        <a:buSzTx/>
+                        <a:buFontTx/>
+                        <a:buNone/>
+                        <a:tabLst/>
+                        <a:defRPr/>
+                      </a:pPr>
+                      <a:endParaRPr lang="en-GB" dirty="0">
+                        <a:highlight>
+                          <a:srgbClr val="FFFF00"/>
+                        </a:highlight>
+                      </a:endParaRPr>
+                    </a:p>
                     <a:p>
                       <a:endParaRPr lang="en-GB" dirty="0"/>
                     </a:p>
@@ -12538,7 +12967,33 @@
                         <a:tabLst/>
                         <a:defRPr/>
                       </a:pPr>
-                      <a:endParaRPr lang="en-GB" dirty="0"/>
+                      <a:r>
+                        <a:rPr lang="en-GB" dirty="0"/>
+                        <a:t>FYI ln(5) is 1.609;</a:t>
+                      </a:r>
+                    </a:p>
+                    <a:p>
+                      <a:pPr marL="0" marR="0" lvl="0" indent="0" algn="l" defTabSz="914400" rtl="0" eaLnBrk="1" fontAlgn="auto" latinLnBrk="0" hangingPunct="1">
+                        <a:lnSpc>
+                          <a:spcPct val="100000"/>
+                        </a:lnSpc>
+                        <a:spcBef>
+                          <a:spcPts val="0"/>
+                        </a:spcBef>
+                        <a:spcAft>
+                          <a:spcPts val="0"/>
+                        </a:spcAft>
+                        <a:buClrTx/>
+                        <a:buSzTx/>
+                        <a:buFontTx/>
+                        <a:buNone/>
+                        <a:tabLst/>
+                        <a:defRPr/>
+                      </a:pPr>
+                      <a:r>
+                        <a:rPr lang="en-GB" dirty="0"/>
+                        <a:t>Notice that cumulative has higher entropy, with more uncertainty.</a:t>
+                      </a:r>
                     </a:p>
                   </a:txBody>
                   <a:tcPr/>
@@ -12601,13 +13056,13 @@
   <p:clrMapOvr>
     <a:masterClrMapping/>
   </p:clrMapOvr>
-  <mc:AlternateContent xmlns:mc="http://schemas.openxmlformats.org/markup-compatibility/2006">
-    <mc:Choice xmlns:p14="http://schemas.microsoft.com/office/powerpoint/2010/main" Requires="p14">
+  <mc:AlternateContent xmlns:mc="http://schemas.openxmlformats.org/markup-compatibility/2006" xmlns:p14="http://schemas.microsoft.com/office/powerpoint/2010/main">
+    <mc:Choice Requires="p14">
       <p:transition spd="med" p14:dur="700">
         <p:fade/>
       </p:transition>
     </mc:Choice>
-    <mc:Fallback>
+    <mc:Fallback xmlns="">
       <p:transition spd="med">
         <p:fade/>
       </p:transition>
@@ -12650,7 +13105,7 @@
           <a:p>
             <a:r>
               <a:rPr lang="en-GB" dirty="0"/>
-              <a:t>The results  ( regression tests ) </a:t>
+              <a:t>The results  ( regressions ) </a:t>
             </a:r>
           </a:p>
         </p:txBody>
@@ -12671,14 +13126,14 @@
             <p:ph idx="1"/>
             <p:extLst>
               <p:ext uri="{D42A27DB-BD31-4B8C-83A1-F6EECF244321}">
-                <p14:modId xmlns:p14="http://schemas.microsoft.com/office/powerpoint/2010/main" val="2047852445"/>
+                <p14:modId xmlns:p14="http://schemas.microsoft.com/office/powerpoint/2010/main" val="2743194989"/>
               </p:ext>
             </p:extLst>
           </p:nvPr>
         </p:nvGraphicFramePr>
         <p:xfrm>
-          <a:off x="1012166" y="1308789"/>
-          <a:ext cx="10363195" cy="4597400"/>
+          <a:off x="189470" y="1308789"/>
+          <a:ext cx="11878960" cy="5770880"/>
         </p:xfrm>
         <a:graphic>
           <a:graphicData uri="http://schemas.openxmlformats.org/drawingml/2006/table">
@@ -12687,38 +13142,31 @@
                 <a:tableStyleId>{5C22544A-7EE6-4342-B048-85BDC9FD1C3A}</a:tableStyleId>
               </a:tblPr>
               <a:tblGrid>
-                <a:gridCol w="2072639">
+                <a:gridCol w="2969740">
                   <a:extLst>
                     <a:ext uri="{9D8B030D-6E8A-4147-A177-3AD203B41FA5}">
                       <a16:colId xmlns:a16="http://schemas.microsoft.com/office/drawing/2014/main" val="571861084"/>
                     </a:ext>
                   </a:extLst>
                 </a:gridCol>
-                <a:gridCol w="2072639">
+                <a:gridCol w="2969740">
                   <a:extLst>
                     <a:ext uri="{9D8B030D-6E8A-4147-A177-3AD203B41FA5}">
                       <a16:colId xmlns:a16="http://schemas.microsoft.com/office/drawing/2014/main" val="1573736847"/>
                     </a:ext>
                   </a:extLst>
                 </a:gridCol>
-                <a:gridCol w="2072639">
+                <a:gridCol w="2969740">
                   <a:extLst>
                     <a:ext uri="{9D8B030D-6E8A-4147-A177-3AD203B41FA5}">
                       <a16:colId xmlns:a16="http://schemas.microsoft.com/office/drawing/2014/main" val="2802144115"/>
                     </a:ext>
                   </a:extLst>
                 </a:gridCol>
-                <a:gridCol w="2072639">
+                <a:gridCol w="2969740">
                   <a:extLst>
                     <a:ext uri="{9D8B030D-6E8A-4147-A177-3AD203B41FA5}">
                       <a16:colId xmlns:a16="http://schemas.microsoft.com/office/drawing/2014/main" val="3935994888"/>
-                    </a:ext>
-                  </a:extLst>
-                </a:gridCol>
-                <a:gridCol w="2072639">
-                  <a:extLst>
-                    <a:ext uri="{9D8B030D-6E8A-4147-A177-3AD203B41FA5}">
-                      <a16:colId xmlns:a16="http://schemas.microsoft.com/office/drawing/2014/main" val="323262370"/>
                     </a:ext>
                   </a:extLst>
                 </a:gridCol>
@@ -12776,16 +13224,6 @@
                   </a:txBody>
                   <a:tcPr/>
                 </a:tc>
-                <a:tc>
-                  <a:txBody>
-                    <a:bodyPr/>
-                    <a:lstStyle/>
-                    <a:p>
-                      <a:endParaRPr lang="en-GB" dirty="0"/>
-                    </a:p>
-                  </a:txBody>
-                  <a:tcPr/>
-                </a:tc>
                 <a:extLst>
                   <a:ext uri="{0D108BD9-81ED-4DB2-BD59-A6C34878D82A}">
                     <a16:rowId xmlns:a16="http://schemas.microsoft.com/office/drawing/2014/main" val="1735355691"/>
@@ -12797,29 +13235,6 @@
                   <a:txBody>
                     <a:bodyPr/>
                     <a:lstStyle/>
-                    <a:p>
-                      <a:pPr marL="0" marR="0" lvl="0" indent="0" algn="l" defTabSz="914400" rtl="0" eaLnBrk="1" fontAlgn="auto" latinLnBrk="0" hangingPunct="1">
-                        <a:lnSpc>
-                          <a:spcPct val="100000"/>
-                        </a:lnSpc>
-                        <a:spcBef>
-                          <a:spcPts val="0"/>
-                        </a:spcBef>
-                        <a:spcAft>
-                          <a:spcPts val="0"/>
-                        </a:spcAft>
-                        <a:buClrTx/>
-                        <a:buSzTx/>
-                        <a:buFontTx/>
-                        <a:buNone/>
-                        <a:tabLst/>
-                        <a:defRPr/>
-                      </a:pPr>
-                      <a:r>
-                        <a:rPr lang="en-GB" dirty="0"/>
-                        <a:t>Second regressions.</a:t>
-                      </a:r>
-                    </a:p>
                     <a:p>
                       <a:pPr marL="0" marR="0" lvl="0" indent="0" algn="l" defTabSz="914400" rtl="0" eaLnBrk="1" fontAlgn="auto" latinLnBrk="0" hangingPunct="1">
                         <a:lnSpc>
@@ -12861,6 +13276,26 @@
                         <a:tabLst/>
                         <a:defRPr/>
                       </a:pPr>
+                      <a:endParaRPr lang="en-GB" dirty="0"/>
+                    </a:p>
+                    <a:p>
+                      <a:pPr marL="0" marR="0" lvl="0" indent="0" algn="l" defTabSz="914400" rtl="0" eaLnBrk="1" fontAlgn="auto" latinLnBrk="0" hangingPunct="1">
+                        <a:lnSpc>
+                          <a:spcPct val="100000"/>
+                        </a:lnSpc>
+                        <a:spcBef>
+                          <a:spcPts val="0"/>
+                        </a:spcBef>
+                        <a:spcAft>
+                          <a:spcPts val="0"/>
+                        </a:spcAft>
+                        <a:buClrTx/>
+                        <a:buSzTx/>
+                        <a:buFontTx/>
+                        <a:buNone/>
+                        <a:tabLst/>
+                        <a:defRPr/>
+                      </a:pPr>
                       <a:r>
                         <a:rPr lang="en-GB" dirty="0"/>
                         <a:t>Cumulative coding vs. distinct coding.</a:t>
@@ -12880,18 +13315,6 @@
                       </a:r>
                     </a:p>
                     <a:p>
-                      <a:r>
-                        <a:rPr lang="en-GB" dirty="0"/>
-                        <a:t>Adults only</a:t>
-                      </a:r>
-                    </a:p>
-                    <a:p>
-                      <a:r>
-                        <a:rPr lang="en-GB" dirty="0"/>
-                        <a:t>19 states of India</a:t>
-                      </a:r>
-                    </a:p>
-                    <a:p>
                       <a:endParaRPr lang="en-GB" dirty="0"/>
                     </a:p>
                   </a:txBody>
@@ -12901,6 +13324,48 @@
                   <a:txBody>
                     <a:bodyPr/>
                     <a:lstStyle/>
+                    <a:p>
+                      <a:r>
+                        <a:rPr lang="en-GB" dirty="0"/>
+                        <a:t>Income by Edu, base Edu1_1. </a:t>
+                      </a:r>
+                    </a:p>
+                    <a:p>
+                      <a:r>
+                        <a:rPr lang="en-GB" dirty="0" err="1"/>
+                        <a:t>Educ</a:t>
+                      </a:r>
+                      <a:r>
+                        <a:rPr lang="en-GB" dirty="0"/>
+                        <a:t> by Age, base Age1=lowest, 18-25</a:t>
+                      </a:r>
+                    </a:p>
+                    <a:p>
+                      <a:r>
+                        <a:rPr lang="en-GB" dirty="0"/>
+                        <a:t>Income by Age, both in ten deciles, age distinct vs age cumulative</a:t>
+                      </a:r>
+                    </a:p>
+                    <a:p>
+                      <a:r>
+                        <a:rPr lang="en-GB" dirty="0"/>
+                        <a:t>Likert 1 ‘boy’ by income, by </a:t>
+                      </a:r>
+                      <a:r>
+                        <a:rPr lang="en-GB" dirty="0" err="1"/>
+                        <a:t>educ</a:t>
+                      </a:r>
+                      <a:r>
+                        <a:rPr lang="en-GB" dirty="0"/>
+                        <a:t>, and by age;</a:t>
+                      </a:r>
+                    </a:p>
+                    <a:p>
+                      <a:r>
+                        <a:rPr lang="en-GB" dirty="0"/>
+                        <a:t>All distinct then cumulative</a:t>
+                      </a:r>
+                    </a:p>
                     <a:p>
                       <a:endParaRPr lang="en-GB" dirty="0">
                         <a:highlight>
@@ -12933,15 +13398,41 @@
                         <a:tabLst/>
                         <a:defRPr/>
                       </a:pPr>
-                      <a:endParaRPr lang="en-GB" dirty="0"/>
+                      <a:r>
+                        <a:rPr lang="en-GB" sz="1800" dirty="0"/>
+                        <a:t>We compare AIC using the </a:t>
+                      </a:r>
+                      <a:r>
+                        <a:rPr lang="en-GB" sz="1800" dirty="0">
+                          <a:sym typeface="Symbol" panose="05050102010706020507" pitchFamily="18" charset="2"/>
+                        </a:rPr>
+                        <a:t></a:t>
+                      </a:r>
+                      <a:r>
+                        <a:rPr lang="en-GB" sz="1800" dirty="0" err="1">
+                          <a:sym typeface="Symbol" panose="05050102010706020507" pitchFamily="18" charset="2"/>
+                        </a:rPr>
+                        <a:t>df</a:t>
+                      </a:r>
+                      <a:r>
+                        <a:rPr lang="en-GB" sz="1800" dirty="0">
+                          <a:sym typeface="Symbol" panose="05050102010706020507" pitchFamily="18" charset="2"/>
+                        </a:rPr>
+                        <a:t> as a </a:t>
+                      </a:r>
+                      <a:r>
+                        <a:rPr lang="en-GB" sz="1800" dirty="0" err="1">
+                          <a:sym typeface="Symbol" panose="05050102010706020507" pitchFamily="18" charset="2"/>
+                        </a:rPr>
+                        <a:t>ChiSquared</a:t>
+                      </a:r>
+                      <a:r>
+                        <a:rPr lang="en-GB" sz="1800" dirty="0">
+                          <a:sym typeface="Symbol" panose="05050102010706020507" pitchFamily="18" charset="2"/>
+                        </a:rPr>
+                        <a:t>.</a:t>
+                      </a:r>
                     </a:p>
-                  </a:txBody>
-                  <a:tcPr/>
-                </a:tc>
-                <a:tc>
-                  <a:txBody>
-                    <a:bodyPr/>
-                    <a:lstStyle/>
                     <a:p>
                       <a:pPr marL="0" marR="0" lvl="0" indent="0" algn="l" defTabSz="914400" rtl="0" eaLnBrk="1" fontAlgn="auto" latinLnBrk="0" hangingPunct="1">
                         <a:lnSpc>
@@ -13020,7 +13511,7 @@
                             <a:srgbClr val="FFFF00"/>
                           </a:highlight>
                         </a:rPr>
-                        <a:t>Ran 3 sets of 3 regressions</a:t>
+                        <a:t>Ran 6 sets of 2 regressions</a:t>
                       </a:r>
                     </a:p>
                   </a:txBody>
@@ -13048,34 +13539,10 @@
                         <a:tabLst/>
                         <a:defRPr/>
                       </a:pPr>
-                      <a:endParaRPr lang="en-GB" dirty="0"/>
-                    </a:p>
-                  </a:txBody>
-                  <a:tcPr/>
-                </a:tc>
-                <a:tc>
-                  <a:txBody>
-                    <a:bodyPr/>
-                    <a:lstStyle/>
-                    <a:p>
-                      <a:pPr marL="0" marR="0" lvl="0" indent="0" algn="l" defTabSz="914400" rtl="0" eaLnBrk="1" fontAlgn="auto" latinLnBrk="0" hangingPunct="1">
-                        <a:lnSpc>
-                          <a:spcPct val="100000"/>
-                        </a:lnSpc>
-                        <a:spcBef>
-                          <a:spcPts val="0"/>
-                        </a:spcBef>
-                        <a:spcAft>
-                          <a:spcPts val="0"/>
-                        </a:spcAft>
-                        <a:buClrTx/>
-                        <a:buSzTx/>
-                        <a:buFontTx/>
-                        <a:buNone/>
-                        <a:tabLst/>
-                        <a:defRPr/>
-                      </a:pPr>
-                      <a:endParaRPr lang="en-GB" dirty="0"/>
+                      <a:r>
+                        <a:rPr lang="en-GB" dirty="0"/>
+                        <a:t>No change in Degrees of Freedom</a:t>
+                      </a:r>
                     </a:p>
                   </a:txBody>
                   <a:tcPr/>
@@ -13127,6 +13594,9 @@
                         <a:t>N is same, but p rises to q and differs. </a:t>
                       </a:r>
                     </a:p>
+                    <a:p>
+                      <a:endParaRPr lang="en-GB" dirty="0"/>
+                    </a:p>
                   </a:txBody>
                   <a:tcPr/>
                 </a:tc>
@@ -13134,6 +13604,16 @@
                   <a:txBody>
                     <a:bodyPr/>
                     <a:lstStyle/>
+                    <a:p>
+                      <a:r>
+                        <a:rPr lang="en-GB" dirty="0">
+                          <a:highlight>
+                            <a:srgbClr val="FFFF00"/>
+                          </a:highlight>
+                        </a:rPr>
+                        <a:t>AIC test is for the distinct coding of X and for the cumulative coding.</a:t>
+                      </a:r>
+                    </a:p>
                     <a:p>
                       <a:endParaRPr lang="en-GB" dirty="0">
                         <a:highlight>
@@ -13167,48 +13647,12 @@
                         <a:defRPr/>
                       </a:pPr>
                       <a:r>
-                        <a:rPr lang="en-GB" dirty="0"/>
-                        <a:t>We compare AIC using the </a:t>
-                      </a:r>
-                      <a:r>
-                        <a:rPr lang="en-GB" dirty="0">
+                        <a:rPr lang="en-GB" sz="2400" dirty="0">
                           <a:sym typeface="Symbol" panose="05050102010706020507" pitchFamily="18" charset="2"/>
                         </a:rPr>
-                        <a:t></a:t>
+                        <a:t>So AIC could be the same. </a:t>
                       </a:r>
-                      <a:r>
-                        <a:rPr lang="en-GB" dirty="0" err="1">
-                          <a:sym typeface="Symbol" panose="05050102010706020507" pitchFamily="18" charset="2"/>
-                        </a:rPr>
-                        <a:t>df</a:t>
-                      </a:r>
-                      <a:r>
-                        <a:rPr lang="en-GB" dirty="0">
-                          <a:sym typeface="Symbol" panose="05050102010706020507" pitchFamily="18" charset="2"/>
-                        </a:rPr>
-                        <a:t> as a </a:t>
-                      </a:r>
-                      <a:r>
-                        <a:rPr lang="en-GB" dirty="0" err="1">
-                          <a:sym typeface="Symbol" panose="05050102010706020507" pitchFamily="18" charset="2"/>
-                        </a:rPr>
-                        <a:t>ChiSquared</a:t>
-                      </a:r>
-                      <a:r>
-                        <a:rPr lang="en-GB" dirty="0">
-                          <a:sym typeface="Symbol" panose="05050102010706020507" pitchFamily="18" charset="2"/>
-                        </a:rPr>
-                        <a:t>.</a:t>
-                      </a:r>
-                      <a:endParaRPr lang="en-GB" dirty="0"/>
                     </a:p>
-                  </a:txBody>
-                  <a:tcPr/>
-                </a:tc>
-                <a:tc>
-                  <a:txBody>
-                    <a:bodyPr/>
-                    <a:lstStyle/>
                     <a:p>
                       <a:pPr marL="0" marR="0" lvl="0" indent="0" algn="l" defTabSz="914400" rtl="0" eaLnBrk="1" fontAlgn="auto" latinLnBrk="0" hangingPunct="1">
                         <a:lnSpc>
@@ -13227,7 +13671,35 @@
                         <a:tabLst/>
                         <a:defRPr/>
                       </a:pPr>
-                      <a:endParaRPr lang="en-GB" dirty="0"/>
+                      <a:endParaRPr lang="en-GB" sz="2400" dirty="0">
+                        <a:sym typeface="Symbol" panose="05050102010706020507" pitchFamily="18" charset="2"/>
+                      </a:endParaRPr>
+                    </a:p>
+                    <a:p>
+                      <a:pPr marL="0" marR="0" lvl="0" indent="0" algn="l" defTabSz="914400" rtl="0" eaLnBrk="1" fontAlgn="auto" latinLnBrk="0" hangingPunct="1">
+                        <a:lnSpc>
+                          <a:spcPct val="100000"/>
+                        </a:lnSpc>
+                        <a:spcBef>
+                          <a:spcPts val="0"/>
+                        </a:spcBef>
+                        <a:spcAft>
+                          <a:spcPts val="0"/>
+                        </a:spcAft>
+                        <a:buClrTx/>
+                        <a:buSzTx/>
+                        <a:buFontTx/>
+                        <a:buNone/>
+                        <a:tabLst/>
+                        <a:defRPr/>
+                      </a:pPr>
+                      <a:r>
+                        <a:rPr lang="en-GB" sz="2400" dirty="0">
+                          <a:sym typeface="Symbol" panose="05050102010706020507" pitchFamily="18" charset="2"/>
+                        </a:rPr>
+                        <a:t>And it is. </a:t>
+                      </a:r>
+                      <a:endParaRPr lang="en-GB" sz="2400" dirty="0"/>
                     </a:p>
                   </a:txBody>
                   <a:tcPr/>
@@ -13317,369 +13789,6 @@
                   </a:txBody>
                   <a:tcPr/>
                 </a:tc>
-                <a:tc>
-                  <a:txBody>
-                    <a:bodyPr/>
-                    <a:lstStyle/>
-                    <a:p>
-                      <a:pPr marL="0" marR="0" lvl="0" indent="0" algn="l" defTabSz="914400" rtl="0" eaLnBrk="1" fontAlgn="auto" latinLnBrk="0" hangingPunct="1">
-                        <a:lnSpc>
-                          <a:spcPct val="100000"/>
-                        </a:lnSpc>
-                        <a:spcBef>
-                          <a:spcPts val="0"/>
-                        </a:spcBef>
-                        <a:spcAft>
-                          <a:spcPts val="0"/>
-                        </a:spcAft>
-                        <a:buClrTx/>
-                        <a:buSzTx/>
-                        <a:buFontTx/>
-                        <a:buNone/>
-                        <a:tabLst/>
-                        <a:defRPr/>
-                      </a:pPr>
-                      <a:endParaRPr lang="en-GB" dirty="0"/>
-                    </a:p>
-                  </a:txBody>
-                  <a:tcPr/>
-                </a:tc>
-                <a:extLst>
-                  <a:ext uri="{0D108BD9-81ED-4DB2-BD59-A6C34878D82A}">
-                    <a16:rowId xmlns:a16="http://schemas.microsoft.com/office/drawing/2014/main" val="3131464654"/>
-                  </a:ext>
-                </a:extLst>
-              </a:tr>
-              <a:tr h="370840">
-                <a:tc>
-                  <a:txBody>
-                    <a:bodyPr/>
-                    <a:lstStyle/>
-                    <a:p>
-                      <a:pPr marL="0" marR="0" lvl="0" indent="0" algn="l" defTabSz="914400" rtl="0" eaLnBrk="1" fontAlgn="auto" latinLnBrk="0" hangingPunct="1">
-                        <a:lnSpc>
-                          <a:spcPct val="100000"/>
-                        </a:lnSpc>
-                        <a:spcBef>
-                          <a:spcPts val="0"/>
-                        </a:spcBef>
-                        <a:spcAft>
-                          <a:spcPts val="0"/>
-                        </a:spcAft>
-                        <a:buClrTx/>
-                        <a:buSzTx/>
-                        <a:buFontTx/>
-                        <a:buNone/>
-                        <a:tabLst/>
-                        <a:defRPr/>
-                      </a:pPr>
-                      <a:endParaRPr lang="en-GB" dirty="0"/>
-                    </a:p>
-                  </a:txBody>
-                  <a:tcPr/>
-                </a:tc>
-                <a:tc>
-                  <a:txBody>
-                    <a:bodyPr/>
-                    <a:lstStyle/>
-                    <a:p>
-                      <a:endParaRPr lang="en-GB" dirty="0"/>
-                    </a:p>
-                  </a:txBody>
-                  <a:tcPr/>
-                </a:tc>
-                <a:tc>
-                  <a:txBody>
-                    <a:bodyPr/>
-                    <a:lstStyle/>
-                    <a:p>
-                      <a:endParaRPr lang="en-GB" dirty="0">
-                        <a:highlight>
-                          <a:srgbClr val="FFFF00"/>
-                        </a:highlight>
-                      </a:endParaRPr>
-                    </a:p>
-                  </a:txBody>
-                  <a:tcPr/>
-                </a:tc>
-                <a:tc>
-                  <a:txBody>
-                    <a:bodyPr/>
-                    <a:lstStyle/>
-                    <a:p>
-                      <a:pPr marL="0" marR="0" lvl="0" indent="0" algn="l" defTabSz="914400" rtl="0" eaLnBrk="1" fontAlgn="auto" latinLnBrk="0" hangingPunct="1">
-                        <a:lnSpc>
-                          <a:spcPct val="100000"/>
-                        </a:lnSpc>
-                        <a:spcBef>
-                          <a:spcPts val="0"/>
-                        </a:spcBef>
-                        <a:spcAft>
-                          <a:spcPts val="0"/>
-                        </a:spcAft>
-                        <a:buClrTx/>
-                        <a:buSzTx/>
-                        <a:buFontTx/>
-                        <a:buNone/>
-                        <a:tabLst/>
-                        <a:defRPr/>
-                      </a:pPr>
-                      <a:endParaRPr lang="en-GB" dirty="0"/>
-                    </a:p>
-                  </a:txBody>
-                  <a:tcPr/>
-                </a:tc>
-                <a:tc>
-                  <a:txBody>
-                    <a:bodyPr/>
-                    <a:lstStyle/>
-                    <a:p>
-                      <a:pPr marL="0" marR="0" lvl="0" indent="0" algn="l" defTabSz="914400" rtl="0" eaLnBrk="1" fontAlgn="auto" latinLnBrk="0" hangingPunct="1">
-                        <a:lnSpc>
-                          <a:spcPct val="100000"/>
-                        </a:lnSpc>
-                        <a:spcBef>
-                          <a:spcPts val="0"/>
-                        </a:spcBef>
-                        <a:spcAft>
-                          <a:spcPts val="0"/>
-                        </a:spcAft>
-                        <a:buClrTx/>
-                        <a:buSzTx/>
-                        <a:buFontTx/>
-                        <a:buNone/>
-                        <a:tabLst/>
-                        <a:defRPr/>
-                      </a:pPr>
-                      <a:endParaRPr lang="en-GB" dirty="0"/>
-                    </a:p>
-                  </a:txBody>
-                  <a:tcPr/>
-                </a:tc>
-                <a:extLst>
-                  <a:ext uri="{0D108BD9-81ED-4DB2-BD59-A6C34878D82A}">
-                    <a16:rowId xmlns:a16="http://schemas.microsoft.com/office/drawing/2014/main" val="2681824566"/>
-                  </a:ext>
-                </a:extLst>
-              </a:tr>
-              <a:tr h="370840">
-                <a:tc>
-                  <a:txBody>
-                    <a:bodyPr/>
-                    <a:lstStyle/>
-                    <a:p>
-                      <a:pPr marL="0" marR="0" lvl="0" indent="0" algn="l" defTabSz="914400" rtl="0" eaLnBrk="1" fontAlgn="auto" latinLnBrk="0" hangingPunct="1">
-                        <a:lnSpc>
-                          <a:spcPct val="100000"/>
-                        </a:lnSpc>
-                        <a:spcBef>
-                          <a:spcPts val="0"/>
-                        </a:spcBef>
-                        <a:spcAft>
-                          <a:spcPts val="0"/>
-                        </a:spcAft>
-                        <a:buClrTx/>
-                        <a:buSzTx/>
-                        <a:buFontTx/>
-                        <a:buNone/>
-                        <a:tabLst/>
-                        <a:defRPr/>
-                      </a:pPr>
-                      <a:endParaRPr lang="en-GB" dirty="0"/>
-                    </a:p>
-                  </a:txBody>
-                  <a:tcPr/>
-                </a:tc>
-                <a:tc>
-                  <a:txBody>
-                    <a:bodyPr/>
-                    <a:lstStyle/>
-                    <a:p>
-                      <a:endParaRPr lang="en-GB" dirty="0"/>
-                    </a:p>
-                  </a:txBody>
-                  <a:tcPr/>
-                </a:tc>
-                <a:tc>
-                  <a:txBody>
-                    <a:bodyPr/>
-                    <a:lstStyle/>
-                    <a:p>
-                      <a:endParaRPr lang="en-GB" dirty="0">
-                        <a:highlight>
-                          <a:srgbClr val="FFFF00"/>
-                        </a:highlight>
-                      </a:endParaRPr>
-                    </a:p>
-                  </a:txBody>
-                  <a:tcPr/>
-                </a:tc>
-                <a:tc>
-                  <a:txBody>
-                    <a:bodyPr/>
-                    <a:lstStyle/>
-                    <a:p>
-                      <a:pPr marL="0" marR="0" lvl="0" indent="0" algn="l" defTabSz="914400" rtl="0" eaLnBrk="1" fontAlgn="auto" latinLnBrk="0" hangingPunct="1">
-                        <a:lnSpc>
-                          <a:spcPct val="100000"/>
-                        </a:lnSpc>
-                        <a:spcBef>
-                          <a:spcPts val="0"/>
-                        </a:spcBef>
-                        <a:spcAft>
-                          <a:spcPts val="0"/>
-                        </a:spcAft>
-                        <a:buClrTx/>
-                        <a:buSzTx/>
-                        <a:buFontTx/>
-                        <a:buNone/>
-                        <a:tabLst/>
-                        <a:defRPr/>
-                      </a:pPr>
-                      <a:endParaRPr lang="en-GB" dirty="0"/>
-                    </a:p>
-                  </a:txBody>
-                  <a:tcPr/>
-                </a:tc>
-                <a:tc>
-                  <a:txBody>
-                    <a:bodyPr/>
-                    <a:lstStyle/>
-                    <a:p>
-                      <a:pPr marL="0" marR="0" lvl="0" indent="0" algn="l" defTabSz="914400" rtl="0" eaLnBrk="1" fontAlgn="auto" latinLnBrk="0" hangingPunct="1">
-                        <a:lnSpc>
-                          <a:spcPct val="100000"/>
-                        </a:lnSpc>
-                        <a:spcBef>
-                          <a:spcPts val="0"/>
-                        </a:spcBef>
-                        <a:spcAft>
-                          <a:spcPts val="0"/>
-                        </a:spcAft>
-                        <a:buClrTx/>
-                        <a:buSzTx/>
-                        <a:buFontTx/>
-                        <a:buNone/>
-                        <a:tabLst/>
-                        <a:defRPr/>
-                      </a:pPr>
-                      <a:endParaRPr lang="en-GB" dirty="0"/>
-                    </a:p>
-                  </a:txBody>
-                  <a:tcPr/>
-                </a:tc>
-                <a:extLst>
-                  <a:ext uri="{0D108BD9-81ED-4DB2-BD59-A6C34878D82A}">
-                    <a16:rowId xmlns:a16="http://schemas.microsoft.com/office/drawing/2014/main" val="1360779119"/>
-                  </a:ext>
-                </a:extLst>
-              </a:tr>
-              <a:tr h="370840">
-                <a:tc>
-                  <a:txBody>
-                    <a:bodyPr/>
-                    <a:lstStyle/>
-                    <a:p>
-                      <a:pPr marL="0" marR="0" lvl="0" indent="0" algn="l" defTabSz="914400" rtl="0" eaLnBrk="1" fontAlgn="auto" latinLnBrk="0" hangingPunct="1">
-                        <a:lnSpc>
-                          <a:spcPct val="100000"/>
-                        </a:lnSpc>
-                        <a:spcBef>
-                          <a:spcPts val="0"/>
-                        </a:spcBef>
-                        <a:spcAft>
-                          <a:spcPts val="0"/>
-                        </a:spcAft>
-                        <a:buClrTx/>
-                        <a:buSzTx/>
-                        <a:buFontTx/>
-                        <a:buNone/>
-                        <a:tabLst/>
-                        <a:defRPr/>
-                      </a:pPr>
-                      <a:endParaRPr lang="en-GB" dirty="0"/>
-                    </a:p>
-                  </a:txBody>
-                  <a:tcPr/>
-                </a:tc>
-                <a:tc>
-                  <a:txBody>
-                    <a:bodyPr/>
-                    <a:lstStyle/>
-                    <a:p>
-                      <a:endParaRPr lang="en-GB" dirty="0"/>
-                    </a:p>
-                  </a:txBody>
-                  <a:tcPr/>
-                </a:tc>
-                <a:tc>
-                  <a:txBody>
-                    <a:bodyPr/>
-                    <a:lstStyle/>
-                    <a:p>
-                      <a:endParaRPr lang="en-GB" dirty="0">
-                        <a:highlight>
-                          <a:srgbClr val="FFFF00"/>
-                        </a:highlight>
-                      </a:endParaRPr>
-                    </a:p>
-                  </a:txBody>
-                  <a:tcPr/>
-                </a:tc>
-                <a:tc>
-                  <a:txBody>
-                    <a:bodyPr/>
-                    <a:lstStyle/>
-                    <a:p>
-                      <a:pPr marL="0" marR="0" lvl="0" indent="0" algn="l" defTabSz="914400" rtl="0" eaLnBrk="1" fontAlgn="auto" latinLnBrk="0" hangingPunct="1">
-                        <a:lnSpc>
-                          <a:spcPct val="100000"/>
-                        </a:lnSpc>
-                        <a:spcBef>
-                          <a:spcPts val="0"/>
-                        </a:spcBef>
-                        <a:spcAft>
-                          <a:spcPts val="0"/>
-                        </a:spcAft>
-                        <a:buClrTx/>
-                        <a:buSzTx/>
-                        <a:buFontTx/>
-                        <a:buNone/>
-                        <a:tabLst/>
-                        <a:defRPr/>
-                      </a:pPr>
-                      <a:endParaRPr lang="en-GB" dirty="0"/>
-                    </a:p>
-                  </a:txBody>
-                  <a:tcPr/>
-                </a:tc>
-                <a:tc>
-                  <a:txBody>
-                    <a:bodyPr/>
-                    <a:lstStyle/>
-                    <a:p>
-                      <a:pPr marL="0" marR="0" lvl="0" indent="0" algn="l" defTabSz="914400" rtl="0" eaLnBrk="1" fontAlgn="auto" latinLnBrk="0" hangingPunct="1">
-                        <a:lnSpc>
-                          <a:spcPct val="100000"/>
-                        </a:lnSpc>
-                        <a:spcBef>
-                          <a:spcPts val="0"/>
-                        </a:spcBef>
-                        <a:spcAft>
-                          <a:spcPts val="0"/>
-                        </a:spcAft>
-                        <a:buClrTx/>
-                        <a:buSzTx/>
-                        <a:buFontTx/>
-                        <a:buNone/>
-                        <a:tabLst/>
-                        <a:defRPr/>
-                      </a:pPr>
-                      <a:endParaRPr lang="en-GB" dirty="0"/>
-                    </a:p>
-                  </a:txBody>
-                  <a:tcPr/>
-                </a:tc>
                 <a:extLst>
                   <a:ext uri="{0D108BD9-81ED-4DB2-BD59-A6C34878D82A}">
                     <a16:rowId xmlns:a16="http://schemas.microsoft.com/office/drawing/2014/main" val="2426588486"/>
@@ -13772,7 +13881,13 @@
       </p:grpSpPr>
       <p:sp>
         <p:nvSpPr>
-          <p:cNvPr id="2" name="Title 1"/>
+          <p:cNvPr id="2" name="Title 1">
+            <a:extLst>
+              <a:ext uri="{FF2B5EF4-FFF2-40B4-BE49-F238E27FC236}">
+                <a16:creationId xmlns:a16="http://schemas.microsoft.com/office/drawing/2014/main" id="{63300F80-31EC-F0C1-7A8C-9E25D9613B8E}"/>
+              </a:ext>
+            </a:extLst>
+          </p:cNvPr>
           <p:cNvSpPr>
             <a:spLocks noGrp="1"/>
           </p:cNvSpPr>
@@ -13782,224 +13897,419 @@
         </p:nvSpPr>
         <p:spPr/>
         <p:txBody>
-          <a:bodyPr/>
-          <a:lstStyle/>
-          <a:p>
-            <a:r>
-              <a:rPr lang="en-GB" dirty="0"/>
-              <a:t>Summary and Pointers Forward</a:t>
-            </a:r>
-          </a:p>
-        </p:txBody>
-      </p:sp>
-      <p:sp>
-        <p:nvSpPr>
-          <p:cNvPr id="3" name="Text Placeholder 2"/>
-          <p:cNvSpPr>
-            <a:spLocks noGrp="1"/>
-          </p:cNvSpPr>
-          <p:nvPr>
-            <p:ph type="body" idx="1"/>
-          </p:nvPr>
-        </p:nvSpPr>
-        <p:spPr/>
-        <p:txBody>
           <a:bodyPr>
-            <a:normAutofit fontScale="85000" lnSpcReduction="20000"/>
+            <a:normAutofit fontScale="90000"/>
           </a:bodyPr>
           <a:lstStyle/>
           <a:p>
             <a:r>
               <a:rPr lang="en-GB" dirty="0"/>
-              <a:t>Survey of the main points today</a:t>
-            </a:r>
-          </a:p>
-        </p:txBody>
-      </p:sp>
-      <p:sp>
-        <p:nvSpPr>
-          <p:cNvPr id="4" name="Content Placeholder 3"/>
-          <p:cNvSpPr>
-            <a:spLocks noGrp="1"/>
-          </p:cNvSpPr>
-          <p:nvPr>
-            <p:ph sz="half" idx="2"/>
-          </p:nvPr>
-        </p:nvSpPr>
-        <p:spPr>
-          <a:xfrm>
-            <a:off x="609600" y="2332139"/>
-            <a:ext cx="5386917" cy="4419180"/>
-          </a:xfrm>
-          <a:solidFill>
-            <a:schemeClr val="accent4">
-              <a:lumMod val="20000"/>
-              <a:lumOff val="80000"/>
-            </a:schemeClr>
-          </a:solidFill>
-        </p:spPr>
-        <p:txBody>
-          <a:bodyPr>
-            <a:normAutofit fontScale="70000" lnSpcReduction="20000"/>
-          </a:bodyPr>
-          <a:lstStyle/>
-          <a:p>
-            <a:r>
-              <a:rPr lang="en-GB" sz="4200" dirty="0"/>
-              <a:t>Entropy is slightly different for cumulative ordinal vs distinct ordinal variables.</a:t>
-            </a:r>
-          </a:p>
-          <a:p>
-            <a:r>
-              <a:rPr lang="en-GB" sz="4200" dirty="0"/>
-              <a:t>&amp; can introduce ranked levels. Apply Chebyshev’s inequality. Multiple times (sum of </a:t>
-            </a:r>
-            <a:r>
-              <a:rPr lang="en-GB" sz="4200" dirty="0" err="1"/>
-              <a:t>indep</a:t>
-            </a:r>
-            <a:r>
-              <a:rPr lang="en-GB" sz="4200" dirty="0"/>
-              <a:t>. </a:t>
-            </a:r>
-            <a:r>
-              <a:rPr lang="en-GB" sz="4200" dirty="0" err="1"/>
-              <a:t>R.v.s</a:t>
-            </a:r>
-            <a:r>
-              <a:rPr lang="en-GB" sz="4200" dirty="0"/>
-              <a:t>)</a:t>
-            </a:r>
-          </a:p>
-          <a:p>
-            <a:pPr marL="0" indent="0">
-              <a:buNone/>
-            </a:pPr>
-            <a:r>
-              <a:rPr lang="en-GB" sz="4200" dirty="0"/>
-              <a:t>+</a:t>
-            </a:r>
-            <a:r>
-              <a:rPr lang="en-GB" sz="4200" dirty="0" err="1"/>
-              <a:t>Obv</a:t>
-            </a:r>
-            <a:r>
-              <a:rPr lang="en-GB" sz="4200" dirty="0"/>
-              <a:t>. Supervision is needed.</a:t>
-            </a:r>
-          </a:p>
-        </p:txBody>
-      </p:sp>
-      <p:sp>
-        <p:nvSpPr>
-          <p:cNvPr id="5" name="Text Placeholder 4"/>
-          <p:cNvSpPr>
-            <a:spLocks noGrp="1"/>
-          </p:cNvSpPr>
-          <p:nvPr>
-            <p:ph type="body" sz="quarter" idx="3"/>
-          </p:nvPr>
-        </p:nvSpPr>
-        <p:spPr/>
-        <p:txBody>
-          <a:bodyPr>
-            <a:normAutofit fontScale="85000" lnSpcReduction="20000"/>
-          </a:bodyPr>
-          <a:lstStyle/>
-          <a:p>
-            <a:r>
+              <a:t>Sample regression result:</a:t>
+            </a:r>
+            <a:br>
               <a:rPr lang="en-GB" dirty="0"/>
-              <a:t>Pointers to how to carry out supervision</a:t>
-            </a:r>
-          </a:p>
-        </p:txBody>
-      </p:sp>
-      <p:sp>
-        <p:nvSpPr>
-          <p:cNvPr id="6" name="Content Placeholder 5"/>
-          <p:cNvSpPr>
-            <a:spLocks noGrp="1"/>
-          </p:cNvSpPr>
-          <p:nvPr>
-            <p:ph sz="quarter" idx="4"/>
-          </p:nvPr>
-        </p:nvSpPr>
-        <p:spPr>
-          <a:xfrm>
-            <a:off x="6193368" y="2516697"/>
-            <a:ext cx="5389033" cy="4060272"/>
-          </a:xfrm>
-          <a:solidFill>
-            <a:schemeClr val="accent4">
-              <a:lumMod val="20000"/>
-              <a:lumOff val="80000"/>
-            </a:schemeClr>
-          </a:solidFill>
-        </p:spPr>
-        <p:txBody>
-          <a:bodyPr>
-            <a:noAutofit/>
-          </a:bodyPr>
-          <a:lstStyle/>
-          <a:p>
-            <a:pPr lvl="1"/>
-            <a:r>
-              <a:rPr lang="en-GB" sz="3600" dirty="0">
-                <a:highlight>
-                  <a:srgbClr val="FFFF00"/>
-                </a:highlight>
-              </a:rPr>
-              <a:t>Stage 1</a:t>
-            </a:r>
-            <a:r>
-              <a:rPr lang="en-GB" sz="3600" dirty="0"/>
-              <a:t> ontic</a:t>
-            </a:r>
-          </a:p>
-          <a:p>
-            <a:pPr marL="457200" lvl="1" indent="0">
-              <a:buNone/>
-            </a:pPr>
-            <a:r>
-              <a:rPr lang="en-GB" sz="3600" dirty="0"/>
-              <a:t>&amp; consider REFERENT</a:t>
-            </a:r>
-          </a:p>
-          <a:p>
-            <a:pPr lvl="1"/>
-            <a:r>
-              <a:rPr lang="en-GB" sz="3600" b="1" dirty="0">
-                <a:highlight>
-                  <a:srgbClr val="FFFF00"/>
-                </a:highlight>
-              </a:rPr>
-              <a:t>Stage 2 </a:t>
-            </a:r>
-            <a:r>
-              <a:rPr lang="en-GB" sz="3600" dirty="0"/>
-              <a:t>discretize</a:t>
-            </a:r>
-          </a:p>
-          <a:p>
-            <a:pPr lvl="1"/>
-            <a:r>
-              <a:rPr lang="en-GB" sz="3600" dirty="0">
-                <a:highlight>
-                  <a:srgbClr val="FFFF00"/>
-                </a:highlight>
-              </a:rPr>
-              <a:t>Stage 3 </a:t>
-            </a:r>
-            <a:r>
-              <a:rPr lang="en-GB" sz="3600" dirty="0"/>
-              <a:t>re-group</a:t>
-            </a:r>
-          </a:p>
-        </p:txBody>
-      </p:sp>
-      <p:sp>
-        <p:nvSpPr>
-          <p:cNvPr id="7" name="Slide Number Placeholder 6"/>
+            </a:br>
+            <a:r>
+              <a:rPr lang="en-GB" dirty="0"/>
+              <a:t>Income quantile by age decile</a:t>
+            </a:r>
+            <a:br>
+              <a:rPr lang="en-GB" dirty="0"/>
+            </a:br>
+            <a:r>
+              <a:rPr lang="en-GB" dirty="0"/>
+              <a:t>Model 3A by 3B</a:t>
+            </a:r>
+          </a:p>
+        </p:txBody>
+      </p:sp>
+      <p:graphicFrame>
+        <p:nvGraphicFramePr>
+          <p:cNvPr id="6" name="Content Placeholder 5">
+            <a:extLst>
+              <a:ext uri="{FF2B5EF4-FFF2-40B4-BE49-F238E27FC236}">
+                <a16:creationId xmlns:a16="http://schemas.microsoft.com/office/drawing/2014/main" id="{95E88A9B-9701-4926-BD74-FA65A3C8C91D}"/>
+              </a:ext>
+            </a:extLst>
+          </p:cNvPr>
+          <p:cNvGraphicFramePr>
+            <a:graphicFrameLocks noGrp="1"/>
+          </p:cNvGraphicFramePr>
+          <p:nvPr>
+            <p:ph idx="1"/>
+            <p:extLst>
+              <p:ext uri="{D42A27DB-BD31-4B8C-83A1-F6EECF244321}">
+                <p14:modId xmlns:p14="http://schemas.microsoft.com/office/powerpoint/2010/main" val="2784517322"/>
+              </p:ext>
+            </p:extLst>
+          </p:nvPr>
+        </p:nvGraphicFramePr>
+        <p:xfrm>
+          <a:off x="156519" y="1749125"/>
+          <a:ext cx="10363200" cy="4206240"/>
+        </p:xfrm>
+        <a:graphic>
+          <a:graphicData uri="http://schemas.openxmlformats.org/drawingml/2006/table">
+            <a:tbl>
+              <a:tblPr firstRow="1" bandRow="1">
+                <a:tableStyleId>{125E5076-3810-47DD-B79F-674D7AD40C01}</a:tableStyleId>
+              </a:tblPr>
+              <a:tblGrid>
+                <a:gridCol w="3454400">
+                  <a:extLst>
+                    <a:ext uri="{9D8B030D-6E8A-4147-A177-3AD203B41FA5}">
+                      <a16:colId xmlns:a16="http://schemas.microsoft.com/office/drawing/2014/main" val="2968439040"/>
+                    </a:ext>
+                  </a:extLst>
+                </a:gridCol>
+                <a:gridCol w="3454400">
+                  <a:extLst>
+                    <a:ext uri="{9D8B030D-6E8A-4147-A177-3AD203B41FA5}">
+                      <a16:colId xmlns:a16="http://schemas.microsoft.com/office/drawing/2014/main" val="1740076832"/>
+                    </a:ext>
+                  </a:extLst>
+                </a:gridCol>
+                <a:gridCol w="3454400">
+                  <a:extLst>
+                    <a:ext uri="{9D8B030D-6E8A-4147-A177-3AD203B41FA5}">
+                      <a16:colId xmlns:a16="http://schemas.microsoft.com/office/drawing/2014/main" val="3279199073"/>
+                    </a:ext>
+                  </a:extLst>
+                </a:gridCol>
+              </a:tblGrid>
+              <a:tr h="370840">
+                <a:tc>
+                  <a:txBody>
+                    <a:bodyPr/>
+                    <a:lstStyle/>
+                    <a:p>
+                      <a:r>
+                        <a:rPr lang="en-GB" sz="2800" b="0" u="none" strike="noStrike" kern="1200" baseline="0" dirty="0">
+                          <a:solidFill>
+                            <a:schemeClr val="lt1"/>
+                          </a:solidFill>
+                        </a:rPr>
+                        <a:t>Number of observations </a:t>
+                      </a:r>
+                      <a:endParaRPr lang="en-GB" sz="2800" dirty="0"/>
+                    </a:p>
+                  </a:txBody>
+                  <a:tcPr/>
+                </a:tc>
+                <a:tc>
+                  <a:txBody>
+                    <a:bodyPr/>
+                    <a:lstStyle/>
+                    <a:p>
+                      <a:r>
+                        <a:rPr lang="en-GB" sz="2800" b="0" u="none" strike="noStrike" kern="1200" baseline="0" dirty="0">
+                          <a:solidFill>
+                            <a:schemeClr val="lt1"/>
+                          </a:solidFill>
+                        </a:rPr>
+                        <a:t>3A, N=5318, distinct coding</a:t>
+                      </a:r>
+                      <a:endParaRPr lang="en-GB" sz="2800" b="0" i="0" u="none" strike="noStrike" kern="1200" baseline="0" dirty="0">
+                        <a:solidFill>
+                          <a:schemeClr val="lt1"/>
+                        </a:solidFill>
+                        <a:latin typeface="+mn-lt"/>
+                        <a:ea typeface="+mn-ea"/>
+                        <a:cs typeface="+mn-cs"/>
+                      </a:endParaRPr>
+                    </a:p>
+                  </a:txBody>
+                  <a:tcPr/>
+                </a:tc>
+                <a:tc>
+                  <a:txBody>
+                    <a:bodyPr/>
+                    <a:lstStyle/>
+                    <a:p>
+                      <a:pPr marL="0" marR="0" lvl="0" indent="0" algn="l" defTabSz="914400" rtl="0" eaLnBrk="1" fontAlgn="auto" latinLnBrk="0" hangingPunct="1">
+                        <a:lnSpc>
+                          <a:spcPct val="100000"/>
+                        </a:lnSpc>
+                        <a:spcBef>
+                          <a:spcPts val="0"/>
+                        </a:spcBef>
+                        <a:spcAft>
+                          <a:spcPts val="0"/>
+                        </a:spcAft>
+                        <a:buClrTx/>
+                        <a:buSzTx/>
+                        <a:buFontTx/>
+                        <a:buNone/>
+                        <a:tabLst/>
+                        <a:defRPr/>
+                      </a:pPr>
+                      <a:r>
+                        <a:rPr lang="en-GB" sz="2800" b="0" u="none" strike="noStrike" kern="1200" baseline="0" dirty="0">
+                          <a:solidFill>
+                            <a:schemeClr val="lt1"/>
+                          </a:solidFill>
+                        </a:rPr>
+                        <a:t>3B, N=5318, cumulative coding</a:t>
+                      </a:r>
+                    </a:p>
+                  </a:txBody>
+                  <a:tcPr/>
+                </a:tc>
+                <a:extLst>
+                  <a:ext uri="{0D108BD9-81ED-4DB2-BD59-A6C34878D82A}">
+                    <a16:rowId xmlns:a16="http://schemas.microsoft.com/office/drawing/2014/main" val="1801675056"/>
+                  </a:ext>
+                </a:extLst>
+              </a:tr>
+              <a:tr h="370840">
+                <a:tc>
+                  <a:txBody>
+                    <a:bodyPr/>
+                    <a:lstStyle/>
+                    <a:p>
+                      <a:r>
+                        <a:rPr lang="en-GB" sz="2800" dirty="0"/>
+                        <a:t>Akaike Information Criterion</a:t>
+                      </a:r>
+                    </a:p>
+                  </a:txBody>
+                  <a:tcPr/>
+                </a:tc>
+                <a:tc>
+                  <a:txBody>
+                    <a:bodyPr/>
+                    <a:lstStyle/>
+                    <a:p>
+                      <a:pPr marL="0" marR="0" lvl="0" indent="0" algn="l" defTabSz="914400" rtl="0" eaLnBrk="1" fontAlgn="auto" latinLnBrk="0" hangingPunct="1">
+                        <a:lnSpc>
+                          <a:spcPct val="100000"/>
+                        </a:lnSpc>
+                        <a:spcBef>
+                          <a:spcPts val="0"/>
+                        </a:spcBef>
+                        <a:spcAft>
+                          <a:spcPts val="0"/>
+                        </a:spcAft>
+                        <a:buClrTx/>
+                        <a:buSzTx/>
+                        <a:buFontTx/>
+                        <a:buNone/>
+                        <a:tabLst/>
+                        <a:defRPr/>
+                      </a:pPr>
+                      <a:r>
+                        <a:rPr lang="en-GB" sz="2800" b="0" u="none" strike="noStrike" kern="1200" baseline="0" dirty="0">
+                          <a:solidFill>
+                            <a:schemeClr val="lt1"/>
+                          </a:solidFill>
+                        </a:rPr>
+                        <a:t> 17181.78</a:t>
+                      </a:r>
+                    </a:p>
+                    <a:p>
+                      <a:endParaRPr lang="en-GB" sz="2800" dirty="0"/>
+                    </a:p>
+                  </a:txBody>
+                  <a:tcPr/>
+                </a:tc>
+                <a:tc>
+                  <a:txBody>
+                    <a:bodyPr/>
+                    <a:lstStyle/>
+                    <a:p>
+                      <a:r>
+                        <a:rPr lang="en-GB" sz="2800" b="0" u="none" strike="noStrike" kern="1200" baseline="0" dirty="0">
+                          <a:solidFill>
+                            <a:schemeClr val="lt1"/>
+                          </a:solidFill>
+                        </a:rPr>
+                        <a:t>17181.78</a:t>
+                      </a:r>
+                      <a:endParaRPr lang="en-GB" sz="2800" dirty="0"/>
+                    </a:p>
+                  </a:txBody>
+                  <a:tcPr/>
+                </a:tc>
+                <a:extLst>
+                  <a:ext uri="{0D108BD9-81ED-4DB2-BD59-A6C34878D82A}">
+                    <a16:rowId xmlns:a16="http://schemas.microsoft.com/office/drawing/2014/main" val="921904335"/>
+                  </a:ext>
+                </a:extLst>
+              </a:tr>
+              <a:tr h="370840">
+                <a:tc>
+                  <a:txBody>
+                    <a:bodyPr/>
+                    <a:lstStyle/>
+                    <a:p>
+                      <a:pPr marL="0" marR="0" lvl="0" indent="0" algn="l" defTabSz="914400" rtl="0" eaLnBrk="1" fontAlgn="auto" latinLnBrk="0" hangingPunct="1">
+                        <a:lnSpc>
+                          <a:spcPct val="100000"/>
+                        </a:lnSpc>
+                        <a:spcBef>
+                          <a:spcPts val="0"/>
+                        </a:spcBef>
+                        <a:spcAft>
+                          <a:spcPts val="0"/>
+                        </a:spcAft>
+                        <a:buClrTx/>
+                        <a:buSzTx/>
+                        <a:buFontTx/>
+                        <a:buNone/>
+                        <a:tabLst/>
+                        <a:defRPr/>
+                      </a:pPr>
+                      <a:r>
+                        <a:rPr lang="en-GB" sz="2800" b="0" u="none" strike="noStrike" kern="1200" baseline="0" dirty="0">
+                          <a:solidFill>
+                            <a:schemeClr val="lt1"/>
+                          </a:solidFill>
+                        </a:rPr>
+                        <a:t>Bayes Information Criterion</a:t>
+                      </a:r>
+                    </a:p>
+                    <a:p>
+                      <a:endParaRPr lang="en-GB" sz="2800" dirty="0"/>
+                    </a:p>
+                  </a:txBody>
+                  <a:tcPr/>
+                </a:tc>
+                <a:tc>
+                  <a:txBody>
+                    <a:bodyPr/>
+                    <a:lstStyle/>
+                    <a:p>
+                      <a:r>
+                        <a:rPr lang="en-GB" sz="2800" b="0" u="none" strike="noStrike" kern="1200" baseline="0" dirty="0">
+                          <a:solidFill>
+                            <a:schemeClr val="lt1"/>
+                          </a:solidFill>
+                        </a:rPr>
+                        <a:t>17300.20</a:t>
+                      </a:r>
+                      <a:endParaRPr lang="en-GB" sz="2800" dirty="0"/>
+                    </a:p>
+                  </a:txBody>
+                  <a:tcPr/>
+                </a:tc>
+                <a:tc>
+                  <a:txBody>
+                    <a:bodyPr/>
+                    <a:lstStyle/>
+                    <a:p>
+                      <a:r>
+                        <a:rPr lang="en-GB" sz="2800" b="0" u="none" strike="noStrike" kern="1200" baseline="0" dirty="0">
+                          <a:solidFill>
+                            <a:schemeClr val="lt1"/>
+                          </a:solidFill>
+                        </a:rPr>
+                        <a:t>17300.20</a:t>
+                      </a:r>
+                      <a:endParaRPr lang="en-GB" sz="2800" dirty="0"/>
+                    </a:p>
+                  </a:txBody>
+                  <a:tcPr/>
+                </a:tc>
+                <a:extLst>
+                  <a:ext uri="{0D108BD9-81ED-4DB2-BD59-A6C34878D82A}">
+                    <a16:rowId xmlns:a16="http://schemas.microsoft.com/office/drawing/2014/main" val="1669820613"/>
+                  </a:ext>
+                </a:extLst>
+              </a:tr>
+              <a:tr h="370840">
+                <a:tc>
+                  <a:txBody>
+                    <a:bodyPr/>
+                    <a:lstStyle/>
+                    <a:p>
+                      <a:pPr marL="0" marR="0" lvl="0" indent="0" algn="l" defTabSz="914400" rtl="0" eaLnBrk="1" fontAlgn="auto" latinLnBrk="0" hangingPunct="1">
+                        <a:lnSpc>
+                          <a:spcPct val="100000"/>
+                        </a:lnSpc>
+                        <a:spcBef>
+                          <a:spcPts val="0"/>
+                        </a:spcBef>
+                        <a:spcAft>
+                          <a:spcPts val="0"/>
+                        </a:spcAft>
+                        <a:buClrTx/>
+                        <a:buSzTx/>
+                        <a:buFontTx/>
+                        <a:buNone/>
+                        <a:tabLst/>
+                        <a:defRPr/>
+                      </a:pPr>
+                      <a:r>
+                        <a:rPr lang="en-GB" sz="2800" b="0" u="none" strike="noStrike" kern="1200" baseline="0" dirty="0">
+                          <a:solidFill>
+                            <a:schemeClr val="lt1"/>
+                          </a:solidFill>
+                        </a:rPr>
+                        <a:t>Log likelihood</a:t>
+                      </a:r>
+                      <a:endParaRPr lang="en-GB" sz="2800" dirty="0"/>
+                    </a:p>
+                    <a:p>
+                      <a:endParaRPr lang="en-GB" sz="2800" dirty="0"/>
+                    </a:p>
+                  </a:txBody>
+                  <a:tcPr/>
+                </a:tc>
+                <a:tc>
+                  <a:txBody>
+                    <a:bodyPr/>
+                    <a:lstStyle/>
+                    <a:p>
+                      <a:r>
+                        <a:rPr lang="en-GB" sz="2800" b="0" u="none" strike="noStrike" kern="1200" baseline="0" dirty="0">
+                          <a:solidFill>
+                            <a:schemeClr val="lt1"/>
+                          </a:solidFill>
+                        </a:rPr>
+                        <a:t>-8572.89</a:t>
+                      </a:r>
+                      <a:endParaRPr lang="en-GB" sz="2800" dirty="0"/>
+                    </a:p>
+                  </a:txBody>
+                  <a:tcPr/>
+                </a:tc>
+                <a:tc>
+                  <a:txBody>
+                    <a:bodyPr/>
+                    <a:lstStyle/>
+                    <a:p>
+                      <a:r>
+                        <a:rPr lang="en-GB" sz="2800" b="0" u="none" strike="noStrike" kern="1200" baseline="0" dirty="0">
+                          <a:solidFill>
+                            <a:schemeClr val="lt1"/>
+                          </a:solidFill>
+                        </a:rPr>
+                        <a:t>-8572.89</a:t>
+                      </a:r>
+                      <a:endParaRPr lang="en-GB" sz="2800" dirty="0"/>
+                    </a:p>
+                  </a:txBody>
+                  <a:tcPr/>
+                </a:tc>
+                <a:extLst>
+                  <a:ext uri="{0D108BD9-81ED-4DB2-BD59-A6C34878D82A}">
+                    <a16:rowId xmlns:a16="http://schemas.microsoft.com/office/drawing/2014/main" val="873819273"/>
+                  </a:ext>
+                </a:extLst>
+              </a:tr>
+            </a:tbl>
+          </a:graphicData>
+        </a:graphic>
+      </p:graphicFrame>
+      <p:sp>
+        <p:nvSpPr>
+          <p:cNvPr id="4" name="Slide Number Placeholder 3">
+            <a:extLst>
+              <a:ext uri="{FF2B5EF4-FFF2-40B4-BE49-F238E27FC236}">
+                <a16:creationId xmlns:a16="http://schemas.microsoft.com/office/drawing/2014/main" id="{E3C64FF9-5CCF-2D9F-B6B4-11EB439409DC}"/>
+              </a:ext>
+            </a:extLst>
+          </p:cNvPr>
           <p:cNvSpPr>
             <a:spLocks noGrp="1"/>
           </p:cNvSpPr>
@@ -14023,7 +14333,7 @@
     </p:spTree>
     <p:extLst>
       <p:ext uri="{BB962C8B-B14F-4D97-AF65-F5344CB8AC3E}">
-        <p14:creationId xmlns:p14="http://schemas.microsoft.com/office/powerpoint/2010/main" val="2453903123"/>
+        <p14:creationId xmlns:p14="http://schemas.microsoft.com/office/powerpoint/2010/main" val="4230333822"/>
       </p:ext>
     </p:extLst>
   </p:cSld>
@@ -14072,65 +14382,55 @@
             <p:ph type="title"/>
           </p:nvPr>
         </p:nvSpPr>
+        <p:spPr/>
+        <p:txBody>
+          <a:bodyPr/>
+          <a:lstStyle/>
+          <a:p>
+            <a:r>
+              <a:rPr lang="en-GB" dirty="0"/>
+              <a:t>Summary and Pointers Forward</a:t>
+            </a:r>
+          </a:p>
+        </p:txBody>
+      </p:sp>
+      <p:sp>
+        <p:nvSpPr>
+          <p:cNvPr id="3" name="Text Placeholder 2"/>
+          <p:cNvSpPr>
+            <a:spLocks noGrp="1"/>
+          </p:cNvSpPr>
+          <p:nvPr>
+            <p:ph type="body" idx="1"/>
+          </p:nvPr>
+        </p:nvSpPr>
+        <p:spPr/>
+        <p:txBody>
+          <a:bodyPr>
+            <a:normAutofit fontScale="85000" lnSpcReduction="20000"/>
+          </a:bodyPr>
+          <a:lstStyle/>
+          <a:p>
+            <a:r>
+              <a:rPr lang="en-GB" dirty="0"/>
+              <a:t>Survey of the main points today</a:t>
+            </a:r>
+          </a:p>
+        </p:txBody>
+      </p:sp>
+      <p:sp>
+        <p:nvSpPr>
+          <p:cNvPr id="4" name="Content Placeholder 3"/>
+          <p:cNvSpPr>
+            <a:spLocks noGrp="1"/>
+          </p:cNvSpPr>
+          <p:nvPr>
+            <p:ph sz="half" idx="2"/>
+          </p:nvPr>
+        </p:nvSpPr>
         <p:spPr>
           <a:xfrm>
-            <a:off x="974287" y="235276"/>
-            <a:ext cx="10364451" cy="1596177"/>
-          </a:xfrm>
-        </p:spPr>
-        <p:txBody>
-          <a:bodyPr/>
-          <a:lstStyle/>
-          <a:p>
-            <a:r>
-              <a:rPr lang="en-GB" dirty="0"/>
-              <a:t>Future research</a:t>
-            </a:r>
-          </a:p>
-        </p:txBody>
-      </p:sp>
-      <p:sp>
-        <p:nvSpPr>
-          <p:cNvPr id="3" name="Text Placeholder 2"/>
-          <p:cNvSpPr>
-            <a:spLocks noGrp="1"/>
-          </p:cNvSpPr>
-          <p:nvPr>
-            <p:ph type="body" idx="1"/>
-          </p:nvPr>
-        </p:nvSpPr>
-        <p:spPr>
-          <a:xfrm>
-            <a:off x="582706" y="1409876"/>
-            <a:ext cx="5386917" cy="715355"/>
-          </a:xfrm>
-        </p:spPr>
-        <p:txBody>
-          <a:bodyPr>
-            <a:normAutofit fontScale="85000" lnSpcReduction="10000"/>
-          </a:bodyPr>
-          <a:lstStyle/>
-          <a:p>
-            <a:r>
-              <a:rPr lang="en-GB" dirty="0"/>
-              <a:t>Entropy of waste flows vs. metal ingots</a:t>
-            </a:r>
-          </a:p>
-        </p:txBody>
-      </p:sp>
-      <p:sp>
-        <p:nvSpPr>
-          <p:cNvPr id="4" name="Content Placeholder 3"/>
-          <p:cNvSpPr>
-            <a:spLocks noGrp="1"/>
-          </p:cNvSpPr>
-          <p:nvPr>
-            <p:ph sz="half" idx="2"/>
-          </p:nvPr>
-        </p:nvSpPr>
-        <p:spPr>
-          <a:xfrm>
-            <a:off x="515470" y="2110263"/>
+            <a:off x="609600" y="2332139"/>
             <a:ext cx="5386917" cy="4419180"/>
           </a:xfrm>
           <a:solidFill>
@@ -14142,19 +14442,52 @@
         </p:spPr>
         <p:txBody>
           <a:bodyPr>
-            <a:normAutofit fontScale="77500" lnSpcReduction="20000"/>
+            <a:normAutofit fontScale="70000" lnSpcReduction="20000"/>
           </a:bodyPr>
           <a:lstStyle/>
           <a:p>
             <a:r>
               <a:rPr lang="en-GB" sz="4200" dirty="0"/>
-              <a:t>Entropy is different for cumulative ordinal vs distinct ordinal variables</a:t>
+              <a:t>Entropy is slightly different for cumulative ordinal vs distinct ordinal variables.</a:t>
             </a:r>
           </a:p>
           <a:p>
             <a:r>
               <a:rPr lang="en-GB" sz="4200" dirty="0"/>
-              <a:t>Chemistry, physics, medical &amp; radiography can use the solutions</a:t>
+              <a:t>&amp; can introduce ranked levels. Apply Chebyshev’s inequality. Multiple times (sum of </a:t>
+            </a:r>
+            <a:r>
+              <a:rPr lang="en-GB" sz="4200" dirty="0" err="1"/>
+              <a:t>indep</a:t>
+            </a:r>
+            <a:r>
+              <a:rPr lang="en-GB" sz="4200" dirty="0"/>
+              <a:t>. </a:t>
+            </a:r>
+            <a:r>
+              <a:rPr lang="en-GB" sz="4200" dirty="0" err="1"/>
+              <a:t>R.v.s</a:t>
+            </a:r>
+            <a:r>
+              <a:rPr lang="en-GB" sz="4200" dirty="0"/>
+              <a:t>)</a:t>
+            </a:r>
+          </a:p>
+          <a:p>
+            <a:pPr marL="0" indent="0">
+              <a:buNone/>
+            </a:pPr>
+            <a:r>
+              <a:rPr lang="en-GB" sz="4200" dirty="0"/>
+              <a:t>+</a:t>
+            </a:r>
+            <a:r>
+              <a:rPr lang="en-GB" sz="4200" dirty="0" err="1"/>
+              <a:t>Obv</a:t>
+            </a:r>
+            <a:r>
+              <a:rPr lang="en-GB" sz="4200" dirty="0"/>
+              <a:t>. Supervision is needed.</a:t>
             </a:r>
           </a:p>
         </p:txBody>
@@ -14167,41 +14500,36 @@
           </p:cNvSpPr>
           <p:nvPr>
             <p:ph type="body" sz="quarter" idx="3"/>
+          </p:nvPr>
+        </p:nvSpPr>
+        <p:spPr/>
+        <p:txBody>
+          <a:bodyPr>
+            <a:normAutofit fontScale="85000" lnSpcReduction="20000"/>
+          </a:bodyPr>
+          <a:lstStyle/>
+          <a:p>
+            <a:r>
+              <a:rPr lang="en-GB" dirty="0"/>
+              <a:t>Pointers to how to carry out supervision</a:t>
+            </a:r>
+          </a:p>
+        </p:txBody>
+      </p:sp>
+      <p:sp>
+        <p:nvSpPr>
+          <p:cNvPr id="6" name="Content Placeholder 5"/>
+          <p:cNvSpPr>
+            <a:spLocks noGrp="1"/>
+          </p:cNvSpPr>
+          <p:nvPr>
+            <p:ph sz="quarter" idx="4"/>
           </p:nvPr>
         </p:nvSpPr>
         <p:spPr>
           <a:xfrm>
-            <a:off x="6193368" y="1396429"/>
-            <a:ext cx="5389033" cy="715355"/>
-          </a:xfrm>
-        </p:spPr>
-        <p:txBody>
-          <a:bodyPr>
-            <a:normAutofit fontScale="85000" lnSpcReduction="10000"/>
-          </a:bodyPr>
-          <a:lstStyle/>
-          <a:p>
-            <a:r>
-              <a:rPr lang="en-GB" dirty="0"/>
-              <a:t>Entropy in a multi-stage analysis</a:t>
-            </a:r>
-          </a:p>
-        </p:txBody>
-      </p:sp>
-      <p:sp>
-        <p:nvSpPr>
-          <p:cNvPr id="6" name="Content Placeholder 5"/>
-          <p:cNvSpPr>
-            <a:spLocks noGrp="1"/>
-          </p:cNvSpPr>
-          <p:nvPr>
-            <p:ph sz="quarter" idx="4"/>
-          </p:nvPr>
-        </p:nvSpPr>
-        <p:spPr>
-          <a:xfrm>
-            <a:off x="6057900" y="1922929"/>
-            <a:ext cx="5923430" cy="5197290"/>
+            <a:off x="6193368" y="2516697"/>
+            <a:ext cx="5389033" cy="4060272"/>
           </a:xfrm>
           <a:solidFill>
             <a:schemeClr val="accent4">
@@ -14218,7 +14546,7 @@
           <a:p>
             <a:pPr lvl="1"/>
             <a:r>
-              <a:rPr lang="en-GB" sz="2400" dirty="0">
+              <a:rPr lang="en-GB" sz="3600" dirty="0">
                 <a:highlight>
                   <a:srgbClr val="FFFF00"/>
                 </a:highlight>
@@ -14226,39 +14554,23 @@
               <a:t>Stage 1</a:t>
             </a:r>
             <a:r>
-              <a:rPr lang="en-GB" sz="2400" dirty="0"/>
-              <a:t> apply philosophical knowledge to data science</a:t>
-            </a:r>
-          </a:p>
-          <a:p>
-            <a:pPr lvl="2"/>
-            <a:r>
-              <a:rPr lang="en-GB" sz="2200" dirty="0" err="1"/>
-              <a:t>Ordinalise</a:t>
-            </a:r>
-            <a:r>
-              <a:rPr lang="en-GB" sz="2200" dirty="0"/>
-              <a:t> and cardinalize the input data</a:t>
-            </a:r>
-          </a:p>
-          <a:p>
-            <a:pPr lvl="2"/>
-            <a:r>
-              <a:rPr lang="en-GB" sz="2000" dirty="0"/>
-              <a:t>Rank 1&lt; rank 2 &lt; rank 3</a:t>
-            </a:r>
-          </a:p>
-          <a:p>
-            <a:pPr lvl="2"/>
-            <a:r>
-              <a:rPr lang="en-GB" sz="2400" dirty="0"/>
-              <a:t>This is not a multinomial distribution</a:t>
+              <a:rPr lang="en-GB" sz="3600" dirty="0"/>
+              <a:t> ontic</a:t>
+            </a:r>
+          </a:p>
+          <a:p>
+            <a:pPr marL="457200" lvl="1" indent="0">
+              <a:buNone/>
+            </a:pPr>
+            <a:r>
+              <a:rPr lang="en-GB" sz="3600" dirty="0"/>
+              <a:t>&amp; consider REFERENT</a:t>
             </a:r>
           </a:p>
           <a:p>
             <a:pPr lvl="1"/>
             <a:r>
-              <a:rPr lang="en-GB" sz="2400" b="1" dirty="0">
+              <a:rPr lang="en-GB" sz="3600" b="1" dirty="0">
                 <a:highlight>
                   <a:srgbClr val="FFFF00"/>
                 </a:highlight>
@@ -14266,23 +14578,23 @@
               <a:t>Stage 2 </a:t>
             </a:r>
             <a:r>
-              <a:rPr lang="en-GB" sz="2400" dirty="0"/>
-              <a:t>discretize after encoding in a novel way</a:t>
+              <a:rPr lang="en-GB" sz="3600" dirty="0"/>
+              <a:t>discretize</a:t>
             </a:r>
           </a:p>
           <a:p>
             <a:pPr lvl="1"/>
             <a:r>
-              <a:rPr lang="en-GB" sz="2400" dirty="0">
+              <a:rPr lang="en-GB" sz="3600" dirty="0">
                 <a:highlight>
                   <a:srgbClr val="FFFF00"/>
                 </a:highlight>
               </a:rPr>
-              <a:t>Stage 3 then re-group </a:t>
-            </a:r>
-            <a:r>
-              <a:rPr lang="en-GB" sz="2400" dirty="0"/>
-              <a:t>the variable to get the whole picture</a:t>
+              <a:t>Stage 3 </a:t>
+            </a:r>
+            <a:r>
+              <a:rPr lang="en-GB" sz="3600" dirty="0"/>
+              <a:t>re-group</a:t>
             </a:r>
           </a:p>
         </p:txBody>
@@ -14313,7 +14625,7 @@
     </p:spTree>
     <p:extLst>
       <p:ext uri="{BB962C8B-B14F-4D97-AF65-F5344CB8AC3E}">
-        <p14:creationId xmlns:p14="http://schemas.microsoft.com/office/powerpoint/2010/main" val="1068431454"/>
+        <p14:creationId xmlns:p14="http://schemas.microsoft.com/office/powerpoint/2010/main" val="2453903123"/>
       </p:ext>
     </p:extLst>
   </p:cSld>
@@ -14364,8 +14676,8 @@
         </p:nvSpPr>
         <p:spPr>
           <a:xfrm>
-            <a:off x="2367186" y="618517"/>
-            <a:ext cx="7315200" cy="1596177"/>
+            <a:off x="974287" y="235276"/>
+            <a:ext cx="10364451" cy="1596177"/>
           </a:xfrm>
         </p:spPr>
         <p:txBody>
@@ -14374,7 +14686,7 @@
           <a:p>
             <a:r>
               <a:rPr lang="en-GB" dirty="0"/>
-              <a:t>References 1 </a:t>
+              <a:t>Future research</a:t>
             </a:r>
           </a:p>
         </p:txBody>
@@ -14389,152 +14701,191 @@
             <p:ph type="body" idx="1"/>
           </p:nvPr>
         </p:nvSpPr>
-        <p:spPr/>
-        <p:txBody>
-          <a:bodyPr/>
-          <a:lstStyle/>
-          <a:p>
-            <a:r>
-              <a:rPr lang="en-GB" dirty="0"/>
-              <a:t>ENTROPY</a:t>
-            </a:r>
-          </a:p>
-        </p:txBody>
-      </p:sp>
-      <p:sp>
-        <p:nvSpPr>
-          <p:cNvPr id="4" name="Content Placeholder 3"/>
-          <p:cNvSpPr>
-            <a:spLocks noGrp="1"/>
-          </p:cNvSpPr>
-          <p:nvPr>
-            <p:ph sz="half" idx="2"/>
-          </p:nvPr>
-        </p:nvSpPr>
-        <p:spPr/>
+        <p:spPr>
+          <a:xfrm>
+            <a:off x="582706" y="1409876"/>
+            <a:ext cx="5386917" cy="715355"/>
+          </a:xfrm>
+        </p:spPr>
         <p:txBody>
           <a:bodyPr>
-            <a:normAutofit fontScale="92500" lnSpcReduction="10000"/>
+            <a:normAutofit fontScale="85000" lnSpcReduction="10000"/>
           </a:bodyPr>
           <a:lstStyle/>
           <a:p>
-            <a:pPr marL="0" indent="0">
-              <a:buNone/>
-            </a:pPr>
-            <a:endParaRPr lang="en-GB" dirty="0"/>
-          </a:p>
-          <a:p>
-            <a:endParaRPr lang="en-GB" dirty="0"/>
-          </a:p>
-        </p:txBody>
-      </p:sp>
-      <p:sp>
-        <p:nvSpPr>
-          <p:cNvPr id="5" name="Text Placeholder 4"/>
+            <a:r>
+              <a:rPr lang="en-GB" dirty="0"/>
+              <a:t>Entropy of waste flows vs. metal ingots</a:t>
+            </a:r>
+          </a:p>
+        </p:txBody>
+      </p:sp>
+      <p:sp>
+        <p:nvSpPr>
+          <p:cNvPr id="4" name="Content Placeholder 3"/>
           <p:cNvSpPr>
             <a:spLocks noGrp="1"/>
           </p:cNvSpPr>
           <p:nvPr>
-            <p:ph type="body" sz="quarter" idx="3"/>
-          </p:nvPr>
-        </p:nvSpPr>
-        <p:spPr/>
-        <p:txBody>
-          <a:bodyPr/>
-          <a:lstStyle/>
-          <a:p>
-            <a:r>
-              <a:rPr lang="en-GB" dirty="0"/>
-              <a:t>Software package entropy in r</a:t>
-            </a:r>
-          </a:p>
-        </p:txBody>
-      </p:sp>
-      <p:sp>
-        <p:nvSpPr>
-          <p:cNvPr id="6" name="Content Placeholder 5"/>
-          <p:cNvSpPr>
-            <a:spLocks noGrp="1"/>
-          </p:cNvSpPr>
-          <p:nvPr>
-            <p:ph sz="quarter" idx="4"/>
-          </p:nvPr>
-        </p:nvSpPr>
-        <p:spPr/>
+            <p:ph sz="half" idx="2"/>
+          </p:nvPr>
+        </p:nvSpPr>
+        <p:spPr>
+          <a:xfrm>
+            <a:off x="515470" y="2110263"/>
+            <a:ext cx="5386917" cy="4419180"/>
+          </a:xfrm>
+          <a:solidFill>
+            <a:schemeClr val="accent4">
+              <a:lumMod val="20000"/>
+              <a:lumOff val="80000"/>
+            </a:schemeClr>
+          </a:solidFill>
+        </p:spPr>
         <p:txBody>
           <a:bodyPr>
-            <a:normAutofit fontScale="92500" lnSpcReduction="10000"/>
+            <a:normAutofit fontScale="77500" lnSpcReduction="20000"/>
           </a:bodyPr>
           <a:lstStyle/>
           <a:p>
             <a:r>
-              <a:rPr lang="en-GB" dirty="0" err="1"/>
-              <a:t>Hausser</a:t>
-            </a:r>
+              <a:rPr lang="en-GB" sz="4200" dirty="0"/>
+              <a:t>Entropy is different for cumulative ordinal vs distinct ordinal variables</a:t>
+            </a:r>
+          </a:p>
+          <a:p>
+            <a:r>
+              <a:rPr lang="en-GB" sz="4200" dirty="0"/>
+              <a:t>Chemistry, physics, medical &amp; radiography can use the solutions</a:t>
+            </a:r>
+          </a:p>
+        </p:txBody>
+      </p:sp>
+      <p:sp>
+        <p:nvSpPr>
+          <p:cNvPr id="5" name="Text Placeholder 4"/>
+          <p:cNvSpPr>
+            <a:spLocks noGrp="1"/>
+          </p:cNvSpPr>
+          <p:nvPr>
+            <p:ph type="body" sz="quarter" idx="3"/>
+          </p:nvPr>
+        </p:nvSpPr>
+        <p:spPr>
+          <a:xfrm>
+            <a:off x="6193368" y="1396429"/>
+            <a:ext cx="5389033" cy="715355"/>
+          </a:xfrm>
+        </p:spPr>
+        <p:txBody>
+          <a:bodyPr>
+            <a:normAutofit fontScale="85000" lnSpcReduction="10000"/>
+          </a:bodyPr>
+          <a:lstStyle/>
+          <a:p>
             <a:r>
               <a:rPr lang="en-GB" dirty="0"/>
-              <a:t>, Jean, and </a:t>
-            </a:r>
-            <a:r>
-              <a:rPr lang="en-GB" dirty="0" err="1"/>
-              <a:t>Korbinian</a:t>
-            </a:r>
-            <a:r>
-              <a:rPr lang="en-GB" dirty="0"/>
-              <a:t> Strimmer (2022), </a:t>
-            </a:r>
-            <a:r>
-              <a:rPr lang="en-GB" i="1" dirty="0"/>
-              <a:t>Package ‘entropy’ (sic),</a:t>
-            </a:r>
-            <a:r>
-              <a:rPr lang="en-GB" dirty="0"/>
-              <a:t> October 13. CRAN repository, </a:t>
-            </a:r>
-            <a:r>
-              <a:rPr lang="en-GB" u="sng" dirty="0">
-                <a:hlinkClick r:id="rId2"/>
+              <a:t>Entropy in a multi-stage analysis</a:t>
+            </a:r>
+          </a:p>
+        </p:txBody>
+      </p:sp>
+      <p:sp>
+        <p:nvSpPr>
+          <p:cNvPr id="6" name="Content Placeholder 5"/>
+          <p:cNvSpPr>
+            <a:spLocks noGrp="1"/>
+          </p:cNvSpPr>
+          <p:nvPr>
+            <p:ph sz="quarter" idx="4"/>
+          </p:nvPr>
+        </p:nvSpPr>
+        <p:spPr>
+          <a:xfrm>
+            <a:off x="6057900" y="1922929"/>
+            <a:ext cx="5923430" cy="5197290"/>
+          </a:xfrm>
+          <a:solidFill>
+            <a:schemeClr val="accent4">
+              <a:lumMod val="20000"/>
+              <a:lumOff val="80000"/>
+            </a:schemeClr>
+          </a:solidFill>
+        </p:spPr>
+        <p:txBody>
+          <a:bodyPr>
+            <a:noAutofit/>
+          </a:bodyPr>
+          <a:lstStyle/>
+          <a:p>
+            <a:pPr lvl="1"/>
+            <a:r>
+              <a:rPr lang="en-GB" sz="2400" dirty="0">
+                <a:highlight>
+                  <a:srgbClr val="FFFF00"/>
+                </a:highlight>
               </a:rPr>
-              <a:t>https://strimmerlab.github.io/software/entropy/</a:t>
-            </a:r>
-            <a:r>
-              <a:rPr lang="en-GB" dirty="0"/>
-              <a:t>.  </a:t>
-            </a:r>
-          </a:p>
-          <a:p>
-            <a:r>
-              <a:rPr lang="en-GB" dirty="0"/>
-              <a:t>See  web-page </a:t>
-            </a:r>
-            <a:r>
-              <a:rPr lang="en-GB" i="1" dirty="0"/>
-              <a:t>Estimation of Entropy, Mutual Information and Related Quantities,</a:t>
-            </a:r>
-            <a:r>
-              <a:rPr lang="en-GB" b="1" dirty="0"/>
-              <a:t> </a:t>
-            </a:r>
-            <a:r>
-              <a:rPr lang="en-GB" dirty="0"/>
-              <a:t> </a:t>
-            </a:r>
-            <a:r>
-              <a:rPr lang="en-GB" u="sng" dirty="0">
-                <a:hlinkClick r:id="rId3"/>
+              <a:t>Stage 1</a:t>
+            </a:r>
+            <a:r>
+              <a:rPr lang="en-GB" sz="2400" dirty="0"/>
+              <a:t> apply philosophical knowledge to data science</a:t>
+            </a:r>
+          </a:p>
+          <a:p>
+            <a:pPr lvl="2"/>
+            <a:r>
+              <a:rPr lang="en-GB" sz="2200" dirty="0" err="1"/>
+              <a:t>Ordinalise</a:t>
+            </a:r>
+            <a:r>
+              <a:rPr lang="en-GB" sz="2200" dirty="0"/>
+              <a:t> and cardinalize the input data</a:t>
+            </a:r>
+          </a:p>
+          <a:p>
+            <a:pPr lvl="2"/>
+            <a:r>
+              <a:rPr lang="en-GB" sz="2000" dirty="0"/>
+              <a:t>Rank 1&lt; rank 2 &lt; rank 3</a:t>
+            </a:r>
+          </a:p>
+          <a:p>
+            <a:pPr lvl="2"/>
+            <a:r>
+              <a:rPr lang="en-GB" sz="2400" dirty="0"/>
+              <a:t>This is not a multinomial distribution</a:t>
+            </a:r>
+          </a:p>
+          <a:p>
+            <a:pPr lvl="1"/>
+            <a:r>
+              <a:rPr lang="en-GB" sz="2400" b="1" dirty="0">
+                <a:highlight>
+                  <a:srgbClr val="FFFF00"/>
+                </a:highlight>
               </a:rPr>
-              <a:t>https://strimmerlab.github.io/</a:t>
-            </a:r>
-            <a:r>
-              <a:rPr lang="en-GB" dirty="0"/>
-              <a:t>, accessed September 2024. </a:t>
-            </a:r>
-          </a:p>
-          <a:p>
-            <a:pPr marL="118872" indent="0">
-              <a:buNone/>
-            </a:pPr>
-            <a:endParaRPr lang="en-GB" sz="1400" dirty="0"/>
+              <a:t>Stage 2 </a:t>
+            </a:r>
+            <a:r>
+              <a:rPr lang="en-GB" sz="2400" dirty="0"/>
+              <a:t>discretize after encoding in a novel way</a:t>
+            </a:r>
+          </a:p>
+          <a:p>
+            <a:pPr lvl="1"/>
+            <a:r>
+              <a:rPr lang="en-GB" sz="2400" dirty="0">
+                <a:highlight>
+                  <a:srgbClr val="FFFF00"/>
+                </a:highlight>
+              </a:rPr>
+              <a:t>Stage 3 then re-group </a:t>
+            </a:r>
+            <a:r>
+              <a:rPr lang="en-GB" sz="2400" dirty="0"/>
+              <a:t>the variable to get the whole picture</a:t>
+            </a:r>
           </a:p>
         </p:txBody>
       </p:sp>
@@ -14561,200 +14912,10 @@
           </a:p>
         </p:txBody>
       </p:sp>
-      <p:sp>
-        <p:nvSpPr>
-          <p:cNvPr id="9" name="TextBox 8">
-            <a:extLst>
-              <a:ext uri="{FF2B5EF4-FFF2-40B4-BE49-F238E27FC236}">
-                <a16:creationId xmlns:a16="http://schemas.microsoft.com/office/drawing/2014/main" id="{F4426B3C-479E-F281-D96E-50800B38E7DD}"/>
-              </a:ext>
-            </a:extLst>
-          </p:cNvPr>
-          <p:cNvSpPr txBox="1"/>
-          <p:nvPr/>
-        </p:nvSpPr>
-        <p:spPr>
-          <a:xfrm>
-            <a:off x="1447800" y="2449512"/>
-            <a:ext cx="4648200" cy="3864648"/>
-          </a:xfrm>
-          <a:prstGeom prst="rect">
-            <a:avLst/>
-          </a:prstGeom>
-          <a:noFill/>
-        </p:spPr>
-        <p:txBody>
-          <a:bodyPr wrap="square">
-            <a:spAutoFit/>
-          </a:bodyPr>
-          <a:lstStyle/>
-          <a:p>
-            <a:r>
-              <a:rPr lang="en-GB" dirty="0">
-                <a:highlight>
-                  <a:srgbClr val="FFFF00"/>
-                </a:highlight>
-              </a:rPr>
-              <a:t>Open Source Code –thanks to Ziyang Zhou - for Entropy Calculations – uses one-hot encoding.</a:t>
-            </a:r>
-          </a:p>
-          <a:p>
-            <a:r>
-              <a:rPr lang="en-GB" dirty="0">
-                <a:highlight>
-                  <a:srgbClr val="FFFF00"/>
-                </a:highlight>
-              </a:rPr>
-              <a:t>github.com/</a:t>
-            </a:r>
-            <a:r>
-              <a:rPr lang="en-GB" dirty="0" err="1">
-                <a:highlight>
-                  <a:srgbClr val="FFFF00"/>
-                </a:highlight>
-              </a:rPr>
-              <a:t>WendyOlsen</a:t>
-            </a:r>
-            <a:r>
-              <a:rPr lang="en-GB" dirty="0">
-                <a:highlight>
-                  <a:srgbClr val="FFFF00"/>
-                </a:highlight>
-              </a:rPr>
-              <a:t>/entropyOrdinalData2024</a:t>
-            </a:r>
-          </a:p>
-          <a:p>
-            <a:pPr>
-              <a:lnSpc>
-                <a:spcPct val="107000"/>
-              </a:lnSpc>
-              <a:spcAft>
-                <a:spcPts val="800"/>
-              </a:spcAft>
-            </a:pPr>
-            <a:r>
-              <a:rPr lang="en-GB" sz="1800" kern="100" dirty="0" err="1">
-                <a:effectLst/>
-                <a:latin typeface="Aptos" panose="020B0004020202020204" pitchFamily="34" charset="0"/>
-                <a:ea typeface="Aptos" panose="020B0004020202020204" pitchFamily="34" charset="0"/>
-                <a:cs typeface="Times New Roman" panose="02020603050405020304" pitchFamily="18" charset="0"/>
-              </a:rPr>
-              <a:t>Borsboom</a:t>
-            </a:r>
-            <a:r>
-              <a:rPr lang="en-GB" sz="1800" kern="100" dirty="0">
-                <a:effectLst/>
-                <a:latin typeface="Aptos" panose="020B0004020202020204" pitchFamily="34" charset="0"/>
-                <a:ea typeface="Aptos" panose="020B0004020202020204" pitchFamily="34" charset="0"/>
-                <a:cs typeface="Times New Roman" panose="02020603050405020304" pitchFamily="18" charset="0"/>
-              </a:rPr>
-              <a:t>, </a:t>
-            </a:r>
-            <a:r>
-              <a:rPr lang="en-GB" sz="1800" kern="100" dirty="0" err="1">
-                <a:effectLst/>
-                <a:latin typeface="Aptos" panose="020B0004020202020204" pitchFamily="34" charset="0"/>
-                <a:ea typeface="Aptos" panose="020B0004020202020204" pitchFamily="34" charset="0"/>
-                <a:cs typeface="Times New Roman" panose="02020603050405020304" pitchFamily="18" charset="0"/>
-              </a:rPr>
-              <a:t>Mellenbergh</a:t>
-            </a:r>
-            <a:r>
-              <a:rPr lang="en-GB" sz="1800" kern="100" dirty="0">
-                <a:effectLst/>
-                <a:latin typeface="Aptos" panose="020B0004020202020204" pitchFamily="34" charset="0"/>
-                <a:ea typeface="Aptos" panose="020B0004020202020204" pitchFamily="34" charset="0"/>
-                <a:cs typeface="Times New Roman" panose="02020603050405020304" pitchFamily="18" charset="0"/>
-              </a:rPr>
-              <a:t>, and van Heerden (2003) The Theoretical Status of Latent Variables, </a:t>
-            </a:r>
-            <a:r>
-              <a:rPr lang="en-GB" sz="1800" i="1" kern="100" dirty="0">
-                <a:effectLst/>
-                <a:latin typeface="Aptos" panose="020B0004020202020204" pitchFamily="34" charset="0"/>
-                <a:ea typeface="Aptos" panose="020B0004020202020204" pitchFamily="34" charset="0"/>
-                <a:cs typeface="Times New Roman" panose="02020603050405020304" pitchFamily="18" charset="0"/>
-              </a:rPr>
-              <a:t>Psychological Review,</a:t>
-            </a:r>
-            <a:r>
-              <a:rPr lang="en-GB" sz="1800" kern="100" dirty="0">
-                <a:effectLst/>
-                <a:latin typeface="Aptos" panose="020B0004020202020204" pitchFamily="34" charset="0"/>
-                <a:ea typeface="Aptos" panose="020B0004020202020204" pitchFamily="34" charset="0"/>
-                <a:cs typeface="Times New Roman" panose="02020603050405020304" pitchFamily="18" charset="0"/>
-              </a:rPr>
-              <a:t> DOI 10.1037/0033-295X.</a:t>
-            </a:r>
-          </a:p>
-          <a:p>
-            <a:pPr>
-              <a:lnSpc>
-                <a:spcPct val="107000"/>
-              </a:lnSpc>
-              <a:spcAft>
-                <a:spcPts val="800"/>
-              </a:spcAft>
-            </a:pPr>
-            <a:r>
-              <a:rPr lang="en-GB" sz="1800" dirty="0">
-                <a:effectLst/>
-                <a:latin typeface="Aptos" panose="020B0004020202020204" pitchFamily="34" charset="0"/>
-                <a:ea typeface="Aptos" panose="020B0004020202020204" pitchFamily="34" charset="0"/>
-                <a:cs typeface="Times New Roman" panose="02020603050405020304" pitchFamily="18" charset="0"/>
-              </a:rPr>
-              <a:t>Watts, S., &amp; Crow, L. (2019), Big variates — visualising and identifying key variables in a multivariate world, </a:t>
-            </a:r>
-            <a:r>
-              <a:rPr lang="en-GB" sz="1800" i="1" dirty="0">
-                <a:effectLst/>
-                <a:latin typeface="Aptos" panose="020B0004020202020204" pitchFamily="34" charset="0"/>
-                <a:ea typeface="Aptos" panose="020B0004020202020204" pitchFamily="34" charset="0"/>
-                <a:cs typeface="Times New Roman" panose="02020603050405020304" pitchFamily="18" charset="0"/>
-              </a:rPr>
-              <a:t>Nuclear Instruments and Methods in Physics </a:t>
-            </a:r>
-            <a:r>
-              <a:rPr lang="en-GB" sz="1200" i="1" dirty="0">
-                <a:effectLst/>
-                <a:latin typeface="Aptos" panose="020B0004020202020204" pitchFamily="34" charset="0"/>
-                <a:ea typeface="Aptos" panose="020B0004020202020204" pitchFamily="34" charset="0"/>
-                <a:cs typeface="Times New Roman" panose="02020603050405020304" pitchFamily="18" charset="0"/>
-              </a:rPr>
-              <a:t>Research Section A</a:t>
-            </a:r>
-            <a:r>
-              <a:rPr lang="en-GB" sz="1200" dirty="0">
-                <a:effectLst/>
-                <a:latin typeface="Aptos" panose="020B0004020202020204" pitchFamily="34" charset="0"/>
-                <a:ea typeface="Aptos" panose="020B0004020202020204" pitchFamily="34" charset="0"/>
-                <a:cs typeface="Times New Roman" panose="02020603050405020304" pitchFamily="18" charset="0"/>
-              </a:rPr>
-              <a:t>, 940, 441-447. https://doi.org/10.1016/j.nima.2019.06.060</a:t>
-            </a:r>
-            <a:r>
-              <a:rPr lang="en-GB" sz="1050" dirty="0">
-                <a:effectLst/>
-              </a:rPr>
-              <a:t> </a:t>
-            </a:r>
-            <a:r>
-              <a:rPr lang="en-GB" sz="1200" kern="100" dirty="0">
-                <a:effectLst/>
-                <a:latin typeface="Aptos" panose="020B0004020202020204" pitchFamily="34" charset="0"/>
-                <a:ea typeface="Aptos" panose="020B0004020202020204" pitchFamily="34" charset="0"/>
-                <a:cs typeface="Times New Roman" panose="02020603050405020304" pitchFamily="18" charset="0"/>
-              </a:rPr>
-              <a:t> </a:t>
-            </a:r>
-          </a:p>
-        </p:txBody>
-      </p:sp>
     </p:spTree>
     <p:extLst>
       <p:ext uri="{BB962C8B-B14F-4D97-AF65-F5344CB8AC3E}">
-        <p14:creationId xmlns:p14="http://schemas.microsoft.com/office/powerpoint/2010/main" val="1248945680"/>
+        <p14:creationId xmlns:p14="http://schemas.microsoft.com/office/powerpoint/2010/main" val="1068431454"/>
       </p:ext>
     </p:extLst>
   </p:cSld>
@@ -14991,13 +15152,7 @@
       </p:grpSpPr>
       <p:sp>
         <p:nvSpPr>
-          <p:cNvPr id="2" name="Title 1">
-            <a:extLst>
-              <a:ext uri="{FF2B5EF4-FFF2-40B4-BE49-F238E27FC236}">
-                <a16:creationId xmlns:a16="http://schemas.microsoft.com/office/drawing/2014/main" id="{4547C314-B894-B68C-FCDF-51C51E4000C6}"/>
-              </a:ext>
-            </a:extLst>
-          </p:cNvPr>
+          <p:cNvPr id="2" name="Title 1"/>
           <p:cNvSpPr>
             <a:spLocks noGrp="1"/>
           </p:cNvSpPr>
@@ -15005,92 +15160,194 @@
             <p:ph type="title"/>
           </p:nvPr>
         </p:nvSpPr>
-        <p:spPr/>
+        <p:spPr>
+          <a:xfrm>
+            <a:off x="2367186" y="618517"/>
+            <a:ext cx="7315200" cy="1596177"/>
+          </a:xfrm>
+        </p:spPr>
         <p:txBody>
           <a:bodyPr/>
           <a:lstStyle/>
           <a:p>
             <a:r>
               <a:rPr lang="en-GB" dirty="0"/>
-              <a:t>References 2</a:t>
-            </a:r>
-          </a:p>
-        </p:txBody>
-      </p:sp>
-      <p:sp>
-        <p:nvSpPr>
-          <p:cNvPr id="8" name="Text Placeholder 7">
-            <a:extLst>
-              <a:ext uri="{FF2B5EF4-FFF2-40B4-BE49-F238E27FC236}">
-                <a16:creationId xmlns:a16="http://schemas.microsoft.com/office/drawing/2014/main" id="{900382C5-12D9-91EF-E9AA-D4A98CCA90A0}"/>
-              </a:ext>
-            </a:extLst>
-          </p:cNvPr>
+              <a:t>References 1 </a:t>
+            </a:r>
+          </a:p>
+        </p:txBody>
+      </p:sp>
+      <p:sp>
+        <p:nvSpPr>
+          <p:cNvPr id="3" name="Text Placeholder 2"/>
           <p:cNvSpPr>
             <a:spLocks noGrp="1"/>
           </p:cNvSpPr>
           <p:nvPr>
-            <p:ph type="body" sz="half" idx="2"/>
-          </p:nvPr>
-        </p:nvSpPr>
-        <p:spPr>
-          <a:xfrm>
-            <a:off x="900953" y="2218766"/>
-            <a:ext cx="10377273" cy="3575084"/>
-          </a:xfrm>
-        </p:spPr>
+            <p:ph type="body" idx="1"/>
+          </p:nvPr>
+        </p:nvSpPr>
+        <p:spPr/>
+        <p:txBody>
+          <a:bodyPr/>
+          <a:lstStyle/>
+          <a:p>
+            <a:r>
+              <a:rPr lang="en-GB" dirty="0"/>
+              <a:t>ENTROPY</a:t>
+            </a:r>
+          </a:p>
+        </p:txBody>
+      </p:sp>
+      <p:sp>
+        <p:nvSpPr>
+          <p:cNvPr id="4" name="Content Placeholder 3"/>
+          <p:cNvSpPr>
+            <a:spLocks noGrp="1"/>
+          </p:cNvSpPr>
+          <p:nvPr>
+            <p:ph sz="half" idx="2"/>
+          </p:nvPr>
+        </p:nvSpPr>
+        <p:spPr/>
         <p:txBody>
           <a:bodyPr>
-            <a:normAutofit/>
+            <a:normAutofit fontScale="92500" lnSpcReduction="10000"/>
           </a:bodyPr>
           <a:lstStyle/>
           <a:p>
-            <a:r>
-              <a:rPr lang="en-GB" sz="2800" dirty="0" err="1"/>
+            <a:pPr marL="0" indent="0">
+              <a:buNone/>
+            </a:pPr>
+            <a:endParaRPr lang="en-GB" dirty="0"/>
+          </a:p>
+          <a:p>
+            <a:endParaRPr lang="en-GB" dirty="0"/>
+          </a:p>
+        </p:txBody>
+      </p:sp>
+      <p:sp>
+        <p:nvSpPr>
+          <p:cNvPr id="5" name="Text Placeholder 4"/>
+          <p:cNvSpPr>
+            <a:spLocks noGrp="1"/>
+          </p:cNvSpPr>
+          <p:nvPr>
+            <p:ph type="body" sz="quarter" idx="3"/>
+          </p:nvPr>
+        </p:nvSpPr>
+        <p:spPr/>
+        <p:txBody>
+          <a:bodyPr/>
+          <a:lstStyle/>
+          <a:p>
+            <a:r>
+              <a:rPr lang="en-GB" dirty="0"/>
+              <a:t>Software package entropy in r</a:t>
+            </a:r>
+          </a:p>
+        </p:txBody>
+      </p:sp>
+      <p:sp>
+        <p:nvSpPr>
+          <p:cNvPr id="6" name="Content Placeholder 5"/>
+          <p:cNvSpPr>
+            <a:spLocks noGrp="1"/>
+          </p:cNvSpPr>
+          <p:nvPr>
+            <p:ph sz="quarter" idx="4"/>
+          </p:nvPr>
+        </p:nvSpPr>
+        <p:spPr>
+          <a:ln>
+            <a:solidFill>
+              <a:schemeClr val="tx1">
+                <a:lumMod val="85000"/>
+                <a:lumOff val="15000"/>
+              </a:schemeClr>
+            </a:solidFill>
+          </a:ln>
+        </p:spPr>
+        <p:txBody>
+          <a:bodyPr>
+            <a:normAutofit fontScale="92500" lnSpcReduction="10000"/>
+          </a:bodyPr>
+          <a:lstStyle/>
+          <a:p>
+            <a:r>
+              <a:rPr lang="en-GB" dirty="0" err="1"/>
               <a:t>Hausser</a:t>
             </a:r>
             <a:r>
-              <a:rPr lang="en-GB" sz="2800" dirty="0"/>
+              <a:rPr lang="en-GB" dirty="0"/>
               <a:t>, Jean, and </a:t>
             </a:r>
             <a:r>
-              <a:rPr lang="en-GB" sz="2800" dirty="0" err="1"/>
+              <a:rPr lang="en-GB" dirty="0" err="1"/>
               <a:t>Korbinian</a:t>
             </a:r>
             <a:r>
-              <a:rPr lang="en-GB" sz="2800" dirty="0"/>
-              <a:t> Strimmer (2009) Entropy Inference and the James-Stein Estimator, with Application to Nonlinear Gene Association Networks, </a:t>
-            </a:r>
-            <a:r>
-              <a:rPr lang="en-GB" sz="2800" i="1" dirty="0"/>
-              <a:t>Journal of Machine Learning Research,</a:t>
-            </a:r>
-            <a:r>
-              <a:rPr lang="en-GB" sz="2800" dirty="0"/>
-              <a:t> 10, 1469-1484. URL </a:t>
-            </a:r>
-            <a:r>
-              <a:rPr lang="en-GB" sz="2800" u="sng" dirty="0">
+              <a:rPr lang="en-GB" dirty="0"/>
+              <a:t> Strimmer (2022), </a:t>
+            </a:r>
+            <a:r>
+              <a:rPr lang="en-GB" i="1" dirty="0"/>
+              <a:t>Package ‘entropy’ (sic),</a:t>
+            </a:r>
+            <a:r>
+              <a:rPr lang="en-GB" dirty="0"/>
+              <a:t> October 13. CRAN repository, </a:t>
+            </a:r>
+            <a:r>
+              <a:rPr lang="en-GB" u="sng" dirty="0">
                 <a:hlinkClick r:id="rId2"/>
               </a:rPr>
-              <a:t>https://jmlr.csail.mit.edu/papers/v10/hausser09a.html</a:t>
-            </a:r>
-            <a:r>
-              <a:rPr lang="en-GB" sz="2800" dirty="0"/>
-              <a:t>, accessed Aug. 2024.</a:t>
-            </a:r>
-          </a:p>
-        </p:txBody>
-      </p:sp>
-      <p:sp>
-        <p:nvSpPr>
-          <p:cNvPr id="7" name="Slide Number Placeholder 6">
-            <a:extLst>
-              <a:ext uri="{FF2B5EF4-FFF2-40B4-BE49-F238E27FC236}">
-                <a16:creationId xmlns:a16="http://schemas.microsoft.com/office/drawing/2014/main" id="{A0780561-99B2-1DB0-83A8-B012E93311D7}"/>
-              </a:ext>
-            </a:extLst>
-          </p:cNvPr>
+              <a:t>https://strimmerlab.github.io/software/entropy/</a:t>
+            </a:r>
+            <a:r>
+              <a:rPr lang="en-GB" dirty="0"/>
+              <a:t>.  </a:t>
+            </a:r>
+          </a:p>
+          <a:p>
+            <a:r>
+              <a:rPr lang="en-GB" dirty="0"/>
+              <a:t>See  web-page </a:t>
+            </a:r>
+            <a:r>
+              <a:rPr lang="en-GB" i="1" dirty="0"/>
+              <a:t>Estimation of Entropy, Mutual Information and Related Quantities,</a:t>
+            </a:r>
+            <a:r>
+              <a:rPr lang="en-GB" b="1" dirty="0"/>
+              <a:t> </a:t>
+            </a:r>
+            <a:r>
+              <a:rPr lang="en-GB" dirty="0"/>
+              <a:t> </a:t>
+            </a:r>
+            <a:r>
+              <a:rPr lang="en-GB" u="sng" dirty="0">
+                <a:hlinkClick r:id="rId3"/>
+              </a:rPr>
+              <a:t>https://strimmerlab.github.io/</a:t>
+            </a:r>
+            <a:r>
+              <a:rPr lang="en-GB" dirty="0"/>
+              <a:t>, accessed September 2024. </a:t>
+            </a:r>
+          </a:p>
+          <a:p>
+            <a:pPr marL="118872" indent="0">
+              <a:buNone/>
+            </a:pPr>
+            <a:endParaRPr lang="en-GB" sz="1400" dirty="0"/>
+          </a:p>
+        </p:txBody>
+      </p:sp>
+      <p:sp>
+        <p:nvSpPr>
+          <p:cNvPr id="7" name="Slide Number Placeholder 6"/>
           <p:cNvSpPr>
             <a:spLocks noGrp="1"/>
           </p:cNvSpPr>
@@ -15111,10 +15368,208 @@
           </a:p>
         </p:txBody>
       </p:sp>
+      <p:sp>
+        <p:nvSpPr>
+          <p:cNvPr id="9" name="TextBox 8">
+            <a:extLst>
+              <a:ext uri="{FF2B5EF4-FFF2-40B4-BE49-F238E27FC236}">
+                <a16:creationId xmlns:a16="http://schemas.microsoft.com/office/drawing/2014/main" id="{F4426B3C-479E-F281-D96E-50800B38E7DD}"/>
+              </a:ext>
+            </a:extLst>
+          </p:cNvPr>
+          <p:cNvSpPr txBox="1"/>
+          <p:nvPr/>
+        </p:nvSpPr>
+        <p:spPr>
+          <a:xfrm>
+            <a:off x="1447800" y="2449512"/>
+            <a:ext cx="4648200" cy="4255332"/>
+          </a:xfrm>
+          <a:prstGeom prst="rect">
+            <a:avLst/>
+          </a:prstGeom>
+          <a:noFill/>
+          <a:ln>
+            <a:solidFill>
+              <a:schemeClr val="tx1">
+                <a:lumMod val="85000"/>
+                <a:lumOff val="15000"/>
+              </a:schemeClr>
+            </a:solidFill>
+          </a:ln>
+        </p:spPr>
+        <p:txBody>
+          <a:bodyPr wrap="square">
+            <a:spAutoFit/>
+          </a:bodyPr>
+          <a:lstStyle/>
+          <a:p>
+            <a:r>
+              <a:rPr lang="en-GB" dirty="0">
+                <a:highlight>
+                  <a:srgbClr val="FFFF00"/>
+                </a:highlight>
+              </a:rPr>
+              <a:t>Open Source Code –thanks to Ziyang Zhou - for Entropy Calculations – uses one-hot encoding.</a:t>
+            </a:r>
+          </a:p>
+          <a:p>
+            <a:r>
+              <a:rPr lang="en-GB" dirty="0">
+                <a:highlight>
+                  <a:srgbClr val="FFFF00"/>
+                </a:highlight>
+              </a:rPr>
+              <a:t>github.com/</a:t>
+            </a:r>
+            <a:r>
+              <a:rPr lang="en-GB" dirty="0" err="1">
+                <a:highlight>
+                  <a:srgbClr val="FFFF00"/>
+                </a:highlight>
+              </a:rPr>
+              <a:t>WendyOlsen</a:t>
+            </a:r>
+            <a:r>
+              <a:rPr lang="en-GB" dirty="0">
+                <a:highlight>
+                  <a:srgbClr val="FFFF00"/>
+                </a:highlight>
+              </a:rPr>
+              <a:t>/entropyOrdinalData2024</a:t>
+            </a:r>
+          </a:p>
+          <a:p>
+            <a:pPr>
+              <a:lnSpc>
+                <a:spcPct val="107000"/>
+              </a:lnSpc>
+              <a:spcAft>
+                <a:spcPts val="800"/>
+              </a:spcAft>
+            </a:pPr>
+            <a:r>
+              <a:rPr lang="en-GB" sz="1800" kern="100" dirty="0" err="1">
+                <a:effectLst/>
+                <a:latin typeface="Aptos" panose="020B0004020202020204" pitchFamily="34" charset="0"/>
+                <a:ea typeface="Aptos" panose="020B0004020202020204" pitchFamily="34" charset="0"/>
+                <a:cs typeface="Times New Roman" panose="02020603050405020304" pitchFamily="18" charset="0"/>
+              </a:rPr>
+              <a:t>Borsboom</a:t>
+            </a:r>
+            <a:r>
+              <a:rPr lang="en-GB" sz="1800" kern="100" dirty="0">
+                <a:effectLst/>
+                <a:latin typeface="Aptos" panose="020B0004020202020204" pitchFamily="34" charset="0"/>
+                <a:ea typeface="Aptos" panose="020B0004020202020204" pitchFamily="34" charset="0"/>
+                <a:cs typeface="Times New Roman" panose="02020603050405020304" pitchFamily="18" charset="0"/>
+              </a:rPr>
+              <a:t>, </a:t>
+            </a:r>
+            <a:r>
+              <a:rPr lang="en-GB" sz="1800" kern="100" dirty="0" err="1">
+                <a:effectLst/>
+                <a:latin typeface="Aptos" panose="020B0004020202020204" pitchFamily="34" charset="0"/>
+                <a:ea typeface="Aptos" panose="020B0004020202020204" pitchFamily="34" charset="0"/>
+                <a:cs typeface="Times New Roman" panose="02020603050405020304" pitchFamily="18" charset="0"/>
+              </a:rPr>
+              <a:t>Mellenbergh</a:t>
+            </a:r>
+            <a:r>
+              <a:rPr lang="en-GB" sz="1800" kern="100" dirty="0">
+                <a:effectLst/>
+                <a:latin typeface="Aptos" panose="020B0004020202020204" pitchFamily="34" charset="0"/>
+                <a:ea typeface="Aptos" panose="020B0004020202020204" pitchFamily="34" charset="0"/>
+                <a:cs typeface="Times New Roman" panose="02020603050405020304" pitchFamily="18" charset="0"/>
+              </a:rPr>
+              <a:t>, and van Heerden (2003) The Theoretical Status of Latent Variables, </a:t>
+            </a:r>
+            <a:r>
+              <a:rPr lang="en-GB" sz="1800" i="1" kern="100" dirty="0">
+                <a:effectLst/>
+                <a:latin typeface="Aptos" panose="020B0004020202020204" pitchFamily="34" charset="0"/>
+                <a:ea typeface="Aptos" panose="020B0004020202020204" pitchFamily="34" charset="0"/>
+                <a:cs typeface="Times New Roman" panose="02020603050405020304" pitchFamily="18" charset="0"/>
+              </a:rPr>
+              <a:t>Psychological Review,</a:t>
+            </a:r>
+            <a:r>
+              <a:rPr lang="en-GB" sz="1800" kern="100" dirty="0">
+                <a:effectLst/>
+                <a:latin typeface="Aptos" panose="020B0004020202020204" pitchFamily="34" charset="0"/>
+                <a:ea typeface="Aptos" panose="020B0004020202020204" pitchFamily="34" charset="0"/>
+                <a:cs typeface="Times New Roman" panose="02020603050405020304" pitchFamily="18" charset="0"/>
+              </a:rPr>
+              <a:t> DOI 10.1037/0033-295X.</a:t>
+            </a:r>
+          </a:p>
+          <a:p>
+            <a:pPr>
+              <a:lnSpc>
+                <a:spcPct val="107000"/>
+              </a:lnSpc>
+              <a:spcAft>
+                <a:spcPts val="800"/>
+              </a:spcAft>
+            </a:pPr>
+            <a:r>
+              <a:rPr lang="en-GB" sz="1800" dirty="0">
+                <a:effectLst/>
+                <a:latin typeface="Aptos" panose="020B0004020202020204" pitchFamily="34" charset="0"/>
+                <a:ea typeface="Aptos" panose="020B0004020202020204" pitchFamily="34" charset="0"/>
+                <a:cs typeface="Times New Roman" panose="02020603050405020304" pitchFamily="18" charset="0"/>
+              </a:rPr>
+              <a:t>Watts</a:t>
+            </a:r>
+            <a:r>
+              <a:rPr lang="en-GB" dirty="0">
+                <a:effectLst/>
+                <a:latin typeface="Aptos" panose="020B0004020202020204" pitchFamily="34" charset="0"/>
+                <a:ea typeface="Aptos" panose="020B0004020202020204" pitchFamily="34" charset="0"/>
+                <a:cs typeface="Times New Roman" panose="02020603050405020304" pitchFamily="18" charset="0"/>
+              </a:rPr>
+              <a:t>, S., &amp; Crow, L. (2019), Big variates — visualising and identifying key variables in a multivariate world, </a:t>
+            </a:r>
+            <a:r>
+              <a:rPr lang="en-GB" i="1" dirty="0">
+                <a:effectLst/>
+                <a:latin typeface="Aptos" panose="020B0004020202020204" pitchFamily="34" charset="0"/>
+                <a:ea typeface="Aptos" panose="020B0004020202020204" pitchFamily="34" charset="0"/>
+                <a:cs typeface="Times New Roman" panose="02020603050405020304" pitchFamily="18" charset="0"/>
+              </a:rPr>
+              <a:t>Nuclear Instruments and Methods in Physics Research Section A</a:t>
+            </a:r>
+            <a:r>
+              <a:rPr lang="en-GB" dirty="0">
+                <a:effectLst/>
+                <a:latin typeface="Aptos" panose="020B0004020202020204" pitchFamily="34" charset="0"/>
+                <a:ea typeface="Aptos" panose="020B0004020202020204" pitchFamily="34" charset="0"/>
+                <a:cs typeface="Times New Roman" panose="02020603050405020304" pitchFamily="18" charset="0"/>
+              </a:rPr>
+              <a:t>, 940, 441-447. https://doi.org/10.1016/j.nima.2019.06.060</a:t>
+            </a:r>
+            <a:r>
+              <a:rPr lang="en-GB" dirty="0">
+                <a:effectLst/>
+              </a:rPr>
+              <a:t> </a:t>
+            </a:r>
+            <a:r>
+              <a:rPr lang="en-GB" kern="100" dirty="0">
+                <a:effectLst/>
+                <a:latin typeface="Aptos" panose="020B0004020202020204" pitchFamily="34" charset="0"/>
+                <a:ea typeface="Aptos" panose="020B0004020202020204" pitchFamily="34" charset="0"/>
+                <a:cs typeface="Times New Roman" panose="02020603050405020304" pitchFamily="18" charset="0"/>
+              </a:rPr>
+              <a:t> </a:t>
+            </a:r>
+          </a:p>
+        </p:txBody>
+      </p:sp>
     </p:spTree>
     <p:extLst>
       <p:ext uri="{BB962C8B-B14F-4D97-AF65-F5344CB8AC3E}">
-        <p14:creationId xmlns:p14="http://schemas.microsoft.com/office/powerpoint/2010/main" val="1218872781"/>
+        <p14:creationId xmlns:p14="http://schemas.microsoft.com/office/powerpoint/2010/main" val="1248945680"/>
       </p:ext>
     </p:extLst>
   </p:cSld>
@@ -15155,6 +15610,178 @@
       </p:grpSpPr>
       <p:sp>
         <p:nvSpPr>
+          <p:cNvPr id="2" name="Title 1">
+            <a:extLst>
+              <a:ext uri="{FF2B5EF4-FFF2-40B4-BE49-F238E27FC236}">
+                <a16:creationId xmlns:a16="http://schemas.microsoft.com/office/drawing/2014/main" id="{4547C314-B894-B68C-FCDF-51C51E4000C6}"/>
+              </a:ext>
+            </a:extLst>
+          </p:cNvPr>
+          <p:cNvSpPr>
+            <a:spLocks noGrp="1"/>
+          </p:cNvSpPr>
+          <p:nvPr>
+            <p:ph type="title"/>
+          </p:nvPr>
+        </p:nvSpPr>
+        <p:spPr/>
+        <p:txBody>
+          <a:bodyPr/>
+          <a:lstStyle/>
+          <a:p>
+            <a:r>
+              <a:rPr lang="en-GB" dirty="0"/>
+              <a:t>References 2</a:t>
+            </a:r>
+          </a:p>
+        </p:txBody>
+      </p:sp>
+      <p:sp>
+        <p:nvSpPr>
+          <p:cNvPr id="8" name="Text Placeholder 7">
+            <a:extLst>
+              <a:ext uri="{FF2B5EF4-FFF2-40B4-BE49-F238E27FC236}">
+                <a16:creationId xmlns:a16="http://schemas.microsoft.com/office/drawing/2014/main" id="{900382C5-12D9-91EF-E9AA-D4A98CCA90A0}"/>
+              </a:ext>
+            </a:extLst>
+          </p:cNvPr>
+          <p:cNvSpPr>
+            <a:spLocks noGrp="1"/>
+          </p:cNvSpPr>
+          <p:nvPr>
+            <p:ph type="body" sz="half" idx="2"/>
+          </p:nvPr>
+        </p:nvSpPr>
+        <p:spPr>
+          <a:xfrm>
+            <a:off x="1631092" y="2372496"/>
+            <a:ext cx="9647134" cy="3421353"/>
+          </a:xfrm>
+          <a:ln>
+            <a:solidFill>
+              <a:schemeClr val="tx1">
+                <a:lumMod val="85000"/>
+                <a:lumOff val="15000"/>
+              </a:schemeClr>
+            </a:solidFill>
+          </a:ln>
+        </p:spPr>
+        <p:txBody>
+          <a:bodyPr>
+            <a:normAutofit lnSpcReduction="10000"/>
+          </a:bodyPr>
+          <a:lstStyle/>
+          <a:p>
+            <a:r>
+              <a:rPr lang="en-GB" sz="2800" dirty="0" err="1"/>
+              <a:t>Hausser</a:t>
+            </a:r>
+            <a:r>
+              <a:rPr lang="en-GB" sz="2800" dirty="0"/>
+              <a:t>, Jean, and </a:t>
+            </a:r>
+            <a:r>
+              <a:rPr lang="en-GB" sz="2800" dirty="0" err="1"/>
+              <a:t>Korbinian</a:t>
+            </a:r>
+            <a:r>
+              <a:rPr lang="en-GB" sz="2800" dirty="0"/>
+              <a:t> Strimmer (2009) Entropy Inference and the James-Stein Estimator, with Application to Nonlinear Gene Association Networks, </a:t>
+            </a:r>
+            <a:r>
+              <a:rPr lang="en-GB" sz="2800" i="1" dirty="0"/>
+              <a:t>Journal of Machine Learning Research,</a:t>
+            </a:r>
+            <a:r>
+              <a:rPr lang="en-GB" sz="2800" dirty="0"/>
+              <a:t> 10, 1469-1484. URL </a:t>
+            </a:r>
+            <a:r>
+              <a:rPr lang="en-GB" sz="2800" u="sng" dirty="0">
+                <a:hlinkClick r:id="rId2"/>
+              </a:rPr>
+              <a:t>https://jmlr.csail.mit.edu/papers/v10/hausser09a.html</a:t>
+            </a:r>
+            <a:r>
+              <a:rPr lang="en-GB" sz="2800" dirty="0"/>
+              <a:t>, accessed Aug. 2024.</a:t>
+            </a:r>
+          </a:p>
+        </p:txBody>
+      </p:sp>
+      <p:sp>
+        <p:nvSpPr>
+          <p:cNvPr id="7" name="Slide Number Placeholder 6">
+            <a:extLst>
+              <a:ext uri="{FF2B5EF4-FFF2-40B4-BE49-F238E27FC236}">
+                <a16:creationId xmlns:a16="http://schemas.microsoft.com/office/drawing/2014/main" id="{A0780561-99B2-1DB0-83A8-B012E93311D7}"/>
+              </a:ext>
+            </a:extLst>
+          </p:cNvPr>
+          <p:cNvSpPr>
+            <a:spLocks noGrp="1"/>
+          </p:cNvSpPr>
+          <p:nvPr>
+            <p:ph type="sldNum" sz="quarter" idx="12"/>
+          </p:nvPr>
+        </p:nvSpPr>
+        <p:spPr/>
+        <p:txBody>
+          <a:bodyPr/>
+          <a:lstStyle/>
+          <a:p>
+            <a:fld id="{1D72F41D-2C04-46BD-AD58-EC9976117EFB}" type="slidenum">
+              <a:rPr lang="en-GB" smtClean="0"/>
+              <a:t>21</a:t>
+            </a:fld>
+            <a:endParaRPr lang="en-GB" dirty="0"/>
+          </a:p>
+        </p:txBody>
+      </p:sp>
+    </p:spTree>
+    <p:extLst>
+      <p:ext uri="{BB962C8B-B14F-4D97-AF65-F5344CB8AC3E}">
+        <p14:creationId xmlns:p14="http://schemas.microsoft.com/office/powerpoint/2010/main" val="1218872781"/>
+      </p:ext>
+    </p:extLst>
+  </p:cSld>
+  <p:clrMapOvr>
+    <a:masterClrMapping/>
+  </p:clrMapOvr>
+  <mc:AlternateContent xmlns:mc="http://schemas.openxmlformats.org/markup-compatibility/2006" xmlns:p14="http://schemas.microsoft.com/office/powerpoint/2010/main">
+    <mc:Choice Requires="p14">
+      <p:transition spd="med" p14:dur="700">
+        <p:fade/>
+      </p:transition>
+    </mc:Choice>
+    <mc:Fallback xmlns="">
+      <p:transition spd="med">
+        <p:fade/>
+      </p:transition>
+    </mc:Fallback>
+  </mc:AlternateContent>
+</p:sld>
+</file>
+
+<file path=ppt/slides/slide22.xml><?xml version="1.0" encoding="utf-8"?>
+<p:sld xmlns:a="http://schemas.openxmlformats.org/drawingml/2006/main" xmlns:r="http://schemas.openxmlformats.org/officeDocument/2006/relationships" xmlns:p="http://schemas.openxmlformats.org/presentationml/2006/main">
+  <p:cSld>
+    <p:spTree>
+      <p:nvGrpSpPr>
+        <p:cNvPr id="1" name=""/>
+        <p:cNvGrpSpPr/>
+        <p:nvPr/>
+      </p:nvGrpSpPr>
+      <p:grpSpPr>
+        <a:xfrm>
+          <a:off x="0" y="0"/>
+          <a:ext cx="0" cy="0"/>
+          <a:chOff x="0" y="0"/>
+          <a:chExt cx="0" cy="0"/>
+        </a:xfrm>
+      </p:grpSpPr>
+      <p:sp>
+        <p:nvSpPr>
           <p:cNvPr id="2" name="Title 1"/>
           <p:cNvSpPr>
             <a:spLocks noGrp="1"/>
@@ -15466,7 +16093,7 @@
           <a:p>
             <a:fld id="{1D72F41D-2C04-46BD-AD58-EC9976117EFB}" type="slidenum">
               <a:rPr lang="en-GB" smtClean="0"/>
-              <a:t>21</a:t>
+              <a:t>22</a:t>
             </a:fld>
             <a:endParaRPr lang="en-GB" dirty="0"/>
           </a:p>
